--- a/CalendarioAgo2022/presentaciones/1_Componentes.pptx
+++ b/CalendarioAgo2022/presentaciones/1_Componentes.pptx
@@ -233,7 +233,7 @@
           <a:p>
             <a:fld id="{2D445F07-8756-451B-A938-0248325FC7BB}" type="datetimeFigureOut">
               <a:rPr lang="es-MX" smtClean="0"/>
-              <a:t>02/08/2022</a:t>
+              <a:t>07/08/2022</a:t>
             </a:fld>
             <a:endParaRPr lang="es-MX" dirty="0"/>
           </a:p>
@@ -2026,7 +2026,7 @@
           <a:p>
             <a:fld id="{5E75A0DC-66C6-4CEC-A5EB-F8C97CEC3796}" type="datetimeFigureOut">
               <a:rPr lang="es-MX" smtClean="0"/>
-              <a:t>02/08/2022</a:t>
+              <a:t>07/08/2022</a:t>
             </a:fld>
             <a:endParaRPr lang="es-MX" dirty="0"/>
           </a:p>
@@ -2196,7 +2196,7 @@
           <a:p>
             <a:fld id="{5E75A0DC-66C6-4CEC-A5EB-F8C97CEC3796}" type="datetimeFigureOut">
               <a:rPr lang="es-MX" smtClean="0"/>
-              <a:t>02/08/2022</a:t>
+              <a:t>07/08/2022</a:t>
             </a:fld>
             <a:endParaRPr lang="es-MX" dirty="0"/>
           </a:p>
@@ -2376,7 +2376,7 @@
           <a:p>
             <a:fld id="{5E75A0DC-66C6-4CEC-A5EB-F8C97CEC3796}" type="datetimeFigureOut">
               <a:rPr lang="es-MX" smtClean="0"/>
-              <a:t>02/08/2022</a:t>
+              <a:t>07/08/2022</a:t>
             </a:fld>
             <a:endParaRPr lang="es-MX" dirty="0"/>
           </a:p>
@@ -2529,7 +2529,7 @@
           <a:p>
             <a:fld id="{1D8BD707-D9CF-40AE-B4C6-C98DA3205C09}" type="datetimeFigureOut">
               <a:rPr lang="en-US" smtClean="0"/>
-              <a:t>8/2/2022</a:t>
+              <a:t>8/7/2022</a:t>
             </a:fld>
             <a:endParaRPr lang="en-US"/>
           </a:p>
@@ -2689,7 +2689,7 @@
           <a:p>
             <a:fld id="{5E75A0DC-66C6-4CEC-A5EB-F8C97CEC3796}" type="datetimeFigureOut">
               <a:rPr lang="es-MX" smtClean="0"/>
-              <a:t>02/08/2022</a:t>
+              <a:t>07/08/2022</a:t>
             </a:fld>
             <a:endParaRPr lang="es-MX" dirty="0"/>
           </a:p>
@@ -2935,7 +2935,7 @@
           <a:p>
             <a:fld id="{5E75A0DC-66C6-4CEC-A5EB-F8C97CEC3796}" type="datetimeFigureOut">
               <a:rPr lang="es-MX" smtClean="0"/>
-              <a:t>02/08/2022</a:t>
+              <a:t>07/08/2022</a:t>
             </a:fld>
             <a:endParaRPr lang="es-MX" dirty="0"/>
           </a:p>
@@ -3223,7 +3223,7 @@
           <a:p>
             <a:fld id="{5E75A0DC-66C6-4CEC-A5EB-F8C97CEC3796}" type="datetimeFigureOut">
               <a:rPr lang="es-MX" smtClean="0"/>
-              <a:t>02/08/2022</a:t>
+              <a:t>07/08/2022</a:t>
             </a:fld>
             <a:endParaRPr lang="es-MX" dirty="0"/>
           </a:p>
@@ -3645,7 +3645,7 @@
           <a:p>
             <a:fld id="{5E75A0DC-66C6-4CEC-A5EB-F8C97CEC3796}" type="datetimeFigureOut">
               <a:rPr lang="es-MX" smtClean="0"/>
-              <a:t>02/08/2022</a:t>
+              <a:t>07/08/2022</a:t>
             </a:fld>
             <a:endParaRPr lang="es-MX" dirty="0"/>
           </a:p>
@@ -3763,7 +3763,7 @@
           <a:p>
             <a:fld id="{5E75A0DC-66C6-4CEC-A5EB-F8C97CEC3796}" type="datetimeFigureOut">
               <a:rPr lang="es-MX" smtClean="0"/>
-              <a:t>02/08/2022</a:t>
+              <a:t>07/08/2022</a:t>
             </a:fld>
             <a:endParaRPr lang="es-MX" dirty="0"/>
           </a:p>
@@ -3858,7 +3858,7 @@
           <a:p>
             <a:fld id="{5E75A0DC-66C6-4CEC-A5EB-F8C97CEC3796}" type="datetimeFigureOut">
               <a:rPr lang="es-MX" smtClean="0"/>
-              <a:t>02/08/2022</a:t>
+              <a:t>07/08/2022</a:t>
             </a:fld>
             <a:endParaRPr lang="es-MX" dirty="0"/>
           </a:p>
@@ -4135,7 +4135,7 @@
           <a:p>
             <a:fld id="{5E75A0DC-66C6-4CEC-A5EB-F8C97CEC3796}" type="datetimeFigureOut">
               <a:rPr lang="es-MX" smtClean="0"/>
-              <a:t>02/08/2022</a:t>
+              <a:t>07/08/2022</a:t>
             </a:fld>
             <a:endParaRPr lang="es-MX" dirty="0"/>
           </a:p>
@@ -4388,7 +4388,7 @@
           <a:p>
             <a:fld id="{5E75A0DC-66C6-4CEC-A5EB-F8C97CEC3796}" type="datetimeFigureOut">
               <a:rPr lang="es-MX" smtClean="0"/>
-              <a:t>02/08/2022</a:t>
+              <a:t>07/08/2022</a:t>
             </a:fld>
             <a:endParaRPr lang="es-MX" dirty="0"/>
           </a:p>
@@ -4601,7 +4601,7 @@
           <a:p>
             <a:fld id="{5E75A0DC-66C6-4CEC-A5EB-F8C97CEC3796}" type="datetimeFigureOut">
               <a:rPr lang="es-MX" smtClean="0"/>
-              <a:t>02/08/2022</a:t>
+              <a:t>07/08/2022</a:t>
             </a:fld>
             <a:endParaRPr lang="es-MX" dirty="0"/>
           </a:p>

--- a/CalendarioAgo2022/presentaciones/1_Componentes.pptx
+++ b/CalendarioAgo2022/presentaciones/1_Componentes.pptx
@@ -5,35 +5,34 @@
     <p:sldMasterId id="2147483648" r:id="rId1"/>
   </p:sldMasterIdLst>
   <p:notesMasterIdLst>
-    <p:notesMasterId r:id="rId28"/>
+    <p:notesMasterId r:id="rId27"/>
   </p:notesMasterIdLst>
   <p:sldIdLst>
     <p:sldId id="257" r:id="rId2"/>
     <p:sldId id="296" r:id="rId3"/>
     <p:sldId id="258" r:id="rId4"/>
     <p:sldId id="302" r:id="rId5"/>
-    <p:sldId id="309" r:id="rId6"/>
-    <p:sldId id="305" r:id="rId7"/>
-    <p:sldId id="313" r:id="rId8"/>
-    <p:sldId id="314" r:id="rId9"/>
-    <p:sldId id="340" r:id="rId10"/>
-    <p:sldId id="306" r:id="rId11"/>
-    <p:sldId id="307" r:id="rId12"/>
-    <p:sldId id="351" r:id="rId13"/>
-    <p:sldId id="308" r:id="rId14"/>
-    <p:sldId id="320" r:id="rId15"/>
-    <p:sldId id="348" r:id="rId16"/>
-    <p:sldId id="272" r:id="rId17"/>
-    <p:sldId id="353" r:id="rId18"/>
-    <p:sldId id="271" r:id="rId19"/>
-    <p:sldId id="358" r:id="rId20"/>
-    <p:sldId id="285" r:id="rId21"/>
-    <p:sldId id="278" r:id="rId22"/>
-    <p:sldId id="354" r:id="rId23"/>
-    <p:sldId id="280" r:id="rId24"/>
-    <p:sldId id="355" r:id="rId25"/>
-    <p:sldId id="356" r:id="rId26"/>
-    <p:sldId id="282" r:id="rId27"/>
+    <p:sldId id="305" r:id="rId6"/>
+    <p:sldId id="313" r:id="rId7"/>
+    <p:sldId id="314" r:id="rId8"/>
+    <p:sldId id="340" r:id="rId9"/>
+    <p:sldId id="306" r:id="rId10"/>
+    <p:sldId id="307" r:id="rId11"/>
+    <p:sldId id="351" r:id="rId12"/>
+    <p:sldId id="308" r:id="rId13"/>
+    <p:sldId id="320" r:id="rId14"/>
+    <p:sldId id="348" r:id="rId15"/>
+    <p:sldId id="272" r:id="rId16"/>
+    <p:sldId id="353" r:id="rId17"/>
+    <p:sldId id="271" r:id="rId18"/>
+    <p:sldId id="358" r:id="rId19"/>
+    <p:sldId id="285" r:id="rId20"/>
+    <p:sldId id="278" r:id="rId21"/>
+    <p:sldId id="354" r:id="rId22"/>
+    <p:sldId id="280" r:id="rId23"/>
+    <p:sldId id="355" r:id="rId24"/>
+    <p:sldId id="356" r:id="rId25"/>
+    <p:sldId id="282" r:id="rId26"/>
   </p:sldIdLst>
   <p:sldSz cx="9144000" cy="6858000" type="screen4x3"/>
   <p:notesSz cx="6858000" cy="9144000"/>
@@ -233,7 +232,7 @@
           <a:p>
             <a:fld id="{2D445F07-8756-451B-A938-0248325FC7BB}" type="datetimeFigureOut">
               <a:rPr lang="es-MX" smtClean="0"/>
-              <a:t>07/08/2022</a:t>
+              <a:t>08/08/2022</a:t>
             </a:fld>
             <a:endParaRPr lang="es-MX" dirty="0"/>
           </a:p>
@@ -650,7 +649,7 @@
           <a:p>
             <a:fld id="{4D347943-BED9-4F50-9608-342FFFFC6AEF}" type="slidenum">
               <a:rPr lang="es-MX" smtClean="0"/>
-              <a:t>15</a:t>
+              <a:t>14</a:t>
             </a:fld>
             <a:endParaRPr lang="es-MX"/>
           </a:p>
@@ -734,7 +733,7 @@
           <a:p>
             <a:fld id="{5993AEC0-242E-4FA7-9D3C-51E1036AC3CB}" type="slidenum">
               <a:rPr lang="es-MX" smtClean="0"/>
-              <a:t>20</a:t>
+              <a:t>19</a:t>
             </a:fld>
             <a:endParaRPr lang="es-MX"/>
           </a:p>
@@ -818,7 +817,7 @@
           <a:p>
             <a:fld id="{FFE74245-C697-475F-B366-D66ADD0BA1E1}" type="slidenum">
               <a:rPr lang="es-MX" smtClean="0"/>
-              <a:t>21</a:t>
+              <a:t>20</a:t>
             </a:fld>
             <a:endParaRPr lang="es-MX"/>
           </a:p>
@@ -902,7 +901,7 @@
           <a:p>
             <a:fld id="{FFE74245-C697-475F-B366-D66ADD0BA1E1}" type="slidenum">
               <a:rPr lang="es-MX" smtClean="0"/>
-              <a:t>22</a:t>
+              <a:t>21</a:t>
             </a:fld>
             <a:endParaRPr lang="es-MX"/>
           </a:p>
@@ -986,7 +985,7 @@
           <a:p>
             <a:fld id="{FFE74245-C697-475F-B366-D66ADD0BA1E1}" type="slidenum">
               <a:rPr lang="es-MX" smtClean="0"/>
-              <a:t>23</a:t>
+              <a:t>22</a:t>
             </a:fld>
             <a:endParaRPr lang="es-MX"/>
           </a:p>
@@ -1070,7 +1069,7 @@
           <a:p>
             <a:fld id="{FFE74245-C697-475F-B366-D66ADD0BA1E1}" type="slidenum">
               <a:rPr lang="es-MX" smtClean="0"/>
-              <a:t>24</a:t>
+              <a:t>23</a:t>
             </a:fld>
             <a:endParaRPr lang="es-MX"/>
           </a:p>
@@ -1154,7 +1153,7 @@
           <a:p>
             <a:fld id="{FFE74245-C697-475F-B366-D66ADD0BA1E1}" type="slidenum">
               <a:rPr lang="es-MX" smtClean="0"/>
-              <a:t>25</a:t>
+              <a:t>24</a:t>
             </a:fld>
             <a:endParaRPr lang="es-MX"/>
           </a:p>
@@ -1322,7 +1321,7 @@
           <a:p>
             <a:fld id="{4D347943-BED9-4F50-9608-342FFFFC6AEF}" type="slidenum">
               <a:rPr lang="es-MX" smtClean="0"/>
-              <a:t>7</a:t>
+              <a:t>6</a:t>
             </a:fld>
             <a:endParaRPr lang="es-MX"/>
           </a:p>
@@ -1406,7 +1405,7 @@
           <a:p>
             <a:fld id="{4D347943-BED9-4F50-9608-342FFFFC6AEF}" type="slidenum">
               <a:rPr lang="es-MX" smtClean="0"/>
-              <a:t>8</a:t>
+              <a:t>7</a:t>
             </a:fld>
             <a:endParaRPr lang="es-MX"/>
           </a:p>
@@ -1490,7 +1489,7 @@
           <a:p>
             <a:fld id="{5D7662DF-BC41-459C-91F2-8BDB7DA00AEC}" type="slidenum">
               <a:rPr lang="es-MX" smtClean="0"/>
-              <a:t>9</a:t>
+              <a:t>8</a:t>
             </a:fld>
             <a:endParaRPr lang="es-MX"/>
           </a:p>
@@ -1574,7 +1573,7 @@
           <a:p>
             <a:fld id="{4D347943-BED9-4F50-9608-342FFFFC6AEF}" type="slidenum">
               <a:rPr lang="es-MX" smtClean="0"/>
-              <a:t>11</a:t>
+              <a:t>10</a:t>
             </a:fld>
             <a:endParaRPr lang="es-MX"/>
           </a:p>
@@ -1658,7 +1657,7 @@
           <a:p>
             <a:fld id="{4D347943-BED9-4F50-9608-342FFFFC6AEF}" type="slidenum">
               <a:rPr lang="es-MX" smtClean="0"/>
-              <a:t>12</a:t>
+              <a:t>11</a:t>
             </a:fld>
             <a:endParaRPr lang="es-MX"/>
           </a:p>
@@ -1742,7 +1741,7 @@
           <a:p>
             <a:fld id="{4D347943-BED9-4F50-9608-342FFFFC6AEF}" type="slidenum">
               <a:rPr lang="es-MX" smtClean="0"/>
-              <a:t>13</a:t>
+              <a:t>12</a:t>
             </a:fld>
             <a:endParaRPr lang="es-MX"/>
           </a:p>
@@ -1826,7 +1825,7 @@
           <a:p>
             <a:fld id="{4D347943-BED9-4F50-9608-342FFFFC6AEF}" type="slidenum">
               <a:rPr lang="es-MX" smtClean="0"/>
-              <a:t>14</a:t>
+              <a:t>13</a:t>
             </a:fld>
             <a:endParaRPr lang="es-MX"/>
           </a:p>
@@ -2026,7 +2025,7 @@
           <a:p>
             <a:fld id="{5E75A0DC-66C6-4CEC-A5EB-F8C97CEC3796}" type="datetimeFigureOut">
               <a:rPr lang="es-MX" smtClean="0"/>
-              <a:t>07/08/2022</a:t>
+              <a:t>08/08/2022</a:t>
             </a:fld>
             <a:endParaRPr lang="es-MX" dirty="0"/>
           </a:p>
@@ -2196,7 +2195,7 @@
           <a:p>
             <a:fld id="{5E75A0DC-66C6-4CEC-A5EB-F8C97CEC3796}" type="datetimeFigureOut">
               <a:rPr lang="es-MX" smtClean="0"/>
-              <a:t>07/08/2022</a:t>
+              <a:t>08/08/2022</a:t>
             </a:fld>
             <a:endParaRPr lang="es-MX" dirty="0"/>
           </a:p>
@@ -2376,7 +2375,7 @@
           <a:p>
             <a:fld id="{5E75A0DC-66C6-4CEC-A5EB-F8C97CEC3796}" type="datetimeFigureOut">
               <a:rPr lang="es-MX" smtClean="0"/>
-              <a:t>07/08/2022</a:t>
+              <a:t>08/08/2022</a:t>
             </a:fld>
             <a:endParaRPr lang="es-MX" dirty="0"/>
           </a:p>
@@ -2529,7 +2528,7 @@
           <a:p>
             <a:fld id="{1D8BD707-D9CF-40AE-B4C6-C98DA3205C09}" type="datetimeFigureOut">
               <a:rPr lang="en-US" smtClean="0"/>
-              <a:t>8/7/2022</a:t>
+              <a:t>8/8/2022</a:t>
             </a:fld>
             <a:endParaRPr lang="en-US"/>
           </a:p>
@@ -2689,7 +2688,7 @@
           <a:p>
             <a:fld id="{5E75A0DC-66C6-4CEC-A5EB-F8C97CEC3796}" type="datetimeFigureOut">
               <a:rPr lang="es-MX" smtClean="0"/>
-              <a:t>07/08/2022</a:t>
+              <a:t>08/08/2022</a:t>
             </a:fld>
             <a:endParaRPr lang="es-MX" dirty="0"/>
           </a:p>
@@ -2935,7 +2934,7 @@
           <a:p>
             <a:fld id="{5E75A0DC-66C6-4CEC-A5EB-F8C97CEC3796}" type="datetimeFigureOut">
               <a:rPr lang="es-MX" smtClean="0"/>
-              <a:t>07/08/2022</a:t>
+              <a:t>08/08/2022</a:t>
             </a:fld>
             <a:endParaRPr lang="es-MX" dirty="0"/>
           </a:p>
@@ -3223,7 +3222,7 @@
           <a:p>
             <a:fld id="{5E75A0DC-66C6-4CEC-A5EB-F8C97CEC3796}" type="datetimeFigureOut">
               <a:rPr lang="es-MX" smtClean="0"/>
-              <a:t>07/08/2022</a:t>
+              <a:t>08/08/2022</a:t>
             </a:fld>
             <a:endParaRPr lang="es-MX" dirty="0"/>
           </a:p>
@@ -3645,7 +3644,7 @@
           <a:p>
             <a:fld id="{5E75A0DC-66C6-4CEC-A5EB-F8C97CEC3796}" type="datetimeFigureOut">
               <a:rPr lang="es-MX" smtClean="0"/>
-              <a:t>07/08/2022</a:t>
+              <a:t>08/08/2022</a:t>
             </a:fld>
             <a:endParaRPr lang="es-MX" dirty="0"/>
           </a:p>
@@ -3763,7 +3762,7 @@
           <a:p>
             <a:fld id="{5E75A0DC-66C6-4CEC-A5EB-F8C97CEC3796}" type="datetimeFigureOut">
               <a:rPr lang="es-MX" smtClean="0"/>
-              <a:t>07/08/2022</a:t>
+              <a:t>08/08/2022</a:t>
             </a:fld>
             <a:endParaRPr lang="es-MX" dirty="0"/>
           </a:p>
@@ -3858,7 +3857,7 @@
           <a:p>
             <a:fld id="{5E75A0DC-66C6-4CEC-A5EB-F8C97CEC3796}" type="datetimeFigureOut">
               <a:rPr lang="es-MX" smtClean="0"/>
-              <a:t>07/08/2022</a:t>
+              <a:t>08/08/2022</a:t>
             </a:fld>
             <a:endParaRPr lang="es-MX" dirty="0"/>
           </a:p>
@@ -4135,7 +4134,7 @@
           <a:p>
             <a:fld id="{5E75A0DC-66C6-4CEC-A5EB-F8C97CEC3796}" type="datetimeFigureOut">
               <a:rPr lang="es-MX" smtClean="0"/>
-              <a:t>07/08/2022</a:t>
+              <a:t>08/08/2022</a:t>
             </a:fld>
             <a:endParaRPr lang="es-MX" dirty="0"/>
           </a:p>
@@ -4388,7 +4387,7 @@
           <a:p>
             <a:fld id="{5E75A0DC-66C6-4CEC-A5EB-F8C97CEC3796}" type="datetimeFigureOut">
               <a:rPr lang="es-MX" smtClean="0"/>
-              <a:t>07/08/2022</a:t>
+              <a:t>08/08/2022</a:t>
             </a:fld>
             <a:endParaRPr lang="es-MX" dirty="0"/>
           </a:p>
@@ -4601,7 +4600,7 @@
           <a:p>
             <a:fld id="{5E75A0DC-66C6-4CEC-A5EB-F8C97CEC3796}" type="datetimeFigureOut">
               <a:rPr lang="es-MX" smtClean="0"/>
-              <a:t>07/08/2022</a:t>
+              <a:t>08/08/2022</a:t>
             </a:fld>
             <a:endParaRPr lang="es-MX" dirty="0"/>
           </a:p>
@@ -5164,209 +5163,6 @@
       </p:grpSpPr>
       <p:sp>
         <p:nvSpPr>
-          <p:cNvPr id="14" name="object 14"/>
-          <p:cNvSpPr txBox="1"/>
-          <p:nvPr/>
-        </p:nvSpPr>
-        <p:spPr>
-          <a:xfrm>
-            <a:off x="2195736" y="404664"/>
-            <a:ext cx="4987672" cy="953135"/>
-          </a:xfrm>
-          <a:prstGeom prst="rect">
-            <a:avLst/>
-          </a:prstGeom>
-        </p:spPr>
-        <p:txBody>
-          <a:bodyPr vert="horz" wrap="square" lIns="0" tIns="0" rIns="0" bIns="0" rtlCol="0">
-            <a:noAutofit/>
-          </a:bodyPr>
-          <a:lstStyle/>
-          <a:p>
-            <a:pPr marL="12700" algn="ctr"/>
-            <a:r>
-              <a:rPr lang="es-MX" sz="6000" b="1" dirty="0">
-                <a:solidFill>
-                  <a:srgbClr val="002060"/>
-                </a:solidFill>
-                <a:latin typeface="Calibri"/>
-                <a:cs typeface="Calibri"/>
-              </a:rPr>
-              <a:t>Tipos de datos</a:t>
-            </a:r>
-            <a:endParaRPr sz="6000" b="1" dirty="0">
-              <a:solidFill>
-                <a:srgbClr val="002060"/>
-              </a:solidFill>
-              <a:latin typeface="Calibri"/>
-              <a:cs typeface="Calibri"/>
-            </a:endParaRPr>
-          </a:p>
-        </p:txBody>
-      </p:sp>
-      <p:sp>
-        <p:nvSpPr>
-          <p:cNvPr id="15" name="object 15"/>
-          <p:cNvSpPr txBox="1"/>
-          <p:nvPr/>
-        </p:nvSpPr>
-        <p:spPr>
-          <a:xfrm>
-            <a:off x="1359456" y="1548756"/>
-            <a:ext cx="6660231" cy="2320328"/>
-          </a:xfrm>
-          <a:prstGeom prst="rect">
-            <a:avLst/>
-          </a:prstGeom>
-        </p:spPr>
-        <p:txBody>
-          <a:bodyPr vert="horz" wrap="square" lIns="0" tIns="0" rIns="0" bIns="0" rtlCol="0">
-            <a:noAutofit/>
-          </a:bodyPr>
-          <a:lstStyle/>
-          <a:p>
-            <a:pPr marL="12700" marR="12700" algn="just">
-              <a:lnSpc>
-                <a:spcPct val="150000"/>
-              </a:lnSpc>
-            </a:pPr>
-            <a:r>
-              <a:rPr lang="es-MX" sz="2000" dirty="0">
-                <a:solidFill>
-                  <a:schemeClr val="tx1">
-                    <a:lumMod val="95000"/>
-                    <a:lumOff val="5000"/>
-                  </a:schemeClr>
-                </a:solidFill>
-                <a:cs typeface="Calibri"/>
-              </a:rPr>
-              <a:t>Son los valores que puede tomar una variable. Los tipos de datos son los siguientes:</a:t>
-            </a:r>
-          </a:p>
-          <a:p>
-            <a:pPr marL="355600" marR="12700" indent="-342900" algn="just">
-              <a:lnSpc>
-                <a:spcPct val="150000"/>
-              </a:lnSpc>
-              <a:buFont typeface="Arial" panose="020B0604020202020204" pitchFamily="34" charset="0"/>
-              <a:buChar char="•"/>
-            </a:pPr>
-            <a:r>
-              <a:rPr lang="es-MX" sz="2000" b="1" dirty="0">
-                <a:solidFill>
-                  <a:srgbClr val="0070C0"/>
-                </a:solidFill>
-                <a:cs typeface="Calibri"/>
-              </a:rPr>
-              <a:t>Numéricos</a:t>
-            </a:r>
-          </a:p>
-          <a:p>
-            <a:pPr marL="355600" marR="12700" indent="-342900" algn="just">
-              <a:lnSpc>
-                <a:spcPct val="150000"/>
-              </a:lnSpc>
-              <a:buFont typeface="Arial" panose="020B0604020202020204" pitchFamily="34" charset="0"/>
-              <a:buChar char="•"/>
-            </a:pPr>
-            <a:r>
-              <a:rPr lang="es-MX" sz="2000" b="1" dirty="0">
-                <a:solidFill>
-                  <a:srgbClr val="0070C0"/>
-                </a:solidFill>
-                <a:cs typeface="Calibri"/>
-              </a:rPr>
-              <a:t>Alfanuméricos</a:t>
-            </a:r>
-          </a:p>
-          <a:p>
-            <a:pPr marL="355600" marR="12700" indent="-342900" algn="just">
-              <a:lnSpc>
-                <a:spcPct val="150000"/>
-              </a:lnSpc>
-              <a:buFont typeface="Arial" panose="020B0604020202020204" pitchFamily="34" charset="0"/>
-              <a:buChar char="•"/>
-            </a:pPr>
-            <a:r>
-              <a:rPr lang="es-MX" sz="2000" b="1" dirty="0">
-                <a:solidFill>
-                  <a:srgbClr val="0070C0"/>
-                </a:solidFill>
-                <a:cs typeface="Calibri"/>
-              </a:rPr>
-              <a:t>Lógicos</a:t>
-            </a:r>
-          </a:p>
-        </p:txBody>
-      </p:sp>
-      <p:pic>
-        <p:nvPicPr>
-          <p:cNvPr id="22" name="Imagen 21" descr="Imagen que contiene edificio&#10;&#10;Descripción generada automáticamente">
-            <a:extLst>
-              <a:ext uri="{FF2B5EF4-FFF2-40B4-BE49-F238E27FC236}">
-                <a16:creationId xmlns:a16="http://schemas.microsoft.com/office/drawing/2014/main" id="{4D077EF4-3A52-4D71-A97D-66A99B569A3F}"/>
-              </a:ext>
-            </a:extLst>
-          </p:cNvPr>
-          <p:cNvPicPr>
-            <a:picLocks noChangeAspect="1"/>
-          </p:cNvPicPr>
-          <p:nvPr/>
-        </p:nvPicPr>
-        <p:blipFill>
-          <a:blip r:embed="rId2">
-            <a:extLst>
-              <a:ext uri="{28A0092B-C50C-407E-A947-70E740481C1C}">
-                <a14:useLocalDpi xmlns:a14="http://schemas.microsoft.com/office/drawing/2010/main" val="0"/>
-              </a:ext>
-            </a:extLst>
-          </a:blip>
-          <a:stretch>
-            <a:fillRect/>
-          </a:stretch>
-        </p:blipFill>
-        <p:spPr>
-          <a:xfrm>
-            <a:off x="1241884" y="4060041"/>
-            <a:ext cx="6660232" cy="2074187"/>
-          </a:xfrm>
-          <a:prstGeom prst="rect">
-            <a:avLst/>
-          </a:prstGeom>
-        </p:spPr>
-      </p:pic>
-    </p:spTree>
-    <p:extLst>
-      <p:ext uri="{BB962C8B-B14F-4D97-AF65-F5344CB8AC3E}">
-        <p14:creationId xmlns:p14="http://schemas.microsoft.com/office/powerpoint/2010/main" val="3909453550"/>
-      </p:ext>
-    </p:extLst>
-  </p:cSld>
-  <p:clrMapOvr>
-    <a:masterClrMapping/>
-  </p:clrMapOvr>
-</p:sld>
-</file>
-
-<file path=ppt/slides/slide11.xml><?xml version="1.0" encoding="utf-8"?>
-<p:sld xmlns:a="http://schemas.openxmlformats.org/drawingml/2006/main" xmlns:r="http://schemas.openxmlformats.org/officeDocument/2006/relationships" xmlns:p="http://schemas.openxmlformats.org/presentationml/2006/main">
-  <p:cSld>
-    <p:spTree>
-      <p:nvGrpSpPr>
-        <p:cNvPr id="1" name=""/>
-        <p:cNvGrpSpPr/>
-        <p:nvPr/>
-      </p:nvGrpSpPr>
-      <p:grpSpPr>
-        <a:xfrm>
-          <a:off x="0" y="0"/>
-          <a:ext cx="0" cy="0"/>
-          <a:chOff x="0" y="0"/>
-          <a:chExt cx="0" cy="0"/>
-        </a:xfrm>
-      </p:grpSpPr>
-      <p:sp>
-        <p:nvSpPr>
           <p:cNvPr id="38" name="object 38"/>
           <p:cNvSpPr txBox="1"/>
           <p:nvPr/>
@@ -6061,7 +5857,7 @@
 </p:sld>
 </file>
 
-<file path=ppt/slides/slide12.xml><?xml version="1.0" encoding="utf-8"?>
+<file path=ppt/slides/slide11.xml><?xml version="1.0" encoding="utf-8"?>
 <p:sld xmlns:a="http://schemas.openxmlformats.org/drawingml/2006/main" xmlns:r="http://schemas.openxmlformats.org/officeDocument/2006/relationships" xmlns:p="http://schemas.openxmlformats.org/presentationml/2006/main">
   <p:cSld>
     <p:spTree>
@@ -6323,7 +6119,7 @@
 </p:sld>
 </file>
 
-<file path=ppt/slides/slide13.xml><?xml version="1.0" encoding="utf-8"?>
+<file path=ppt/slides/slide12.xml><?xml version="1.0" encoding="utf-8"?>
 <p:sld xmlns:a="http://schemas.openxmlformats.org/drawingml/2006/main" xmlns:r="http://schemas.openxmlformats.org/officeDocument/2006/relationships" xmlns:p="http://schemas.openxmlformats.org/presentationml/2006/main">
   <p:cSld>
     <p:spTree>
@@ -6599,7 +6395,7 @@
 </p:sld>
 </file>
 
-<file path=ppt/slides/slide14.xml><?xml version="1.0" encoding="utf-8"?>
+<file path=ppt/slides/slide13.xml><?xml version="1.0" encoding="utf-8"?>
 <p:sld xmlns:a="http://schemas.openxmlformats.org/drawingml/2006/main" xmlns:r="http://schemas.openxmlformats.org/officeDocument/2006/relationships" xmlns:p="http://schemas.openxmlformats.org/presentationml/2006/main">
   <p:cSld>
     <p:spTree>
@@ -6869,7 +6665,7 @@
 </p:sld>
 </file>
 
-<file path=ppt/slides/slide15.xml><?xml version="1.0" encoding="utf-8"?>
+<file path=ppt/slides/slide14.xml><?xml version="1.0" encoding="utf-8"?>
 <p:sld xmlns:a="http://schemas.openxmlformats.org/drawingml/2006/main" xmlns:r="http://schemas.openxmlformats.org/officeDocument/2006/relationships" xmlns:p="http://schemas.openxmlformats.org/presentationml/2006/main">
   <p:cSld>
     <p:spTree>
@@ -7184,7 +6980,7 @@
 </p:sld>
 </file>
 
-<file path=ppt/slides/slide16.xml><?xml version="1.0" encoding="utf-8"?>
+<file path=ppt/slides/slide15.xml><?xml version="1.0" encoding="utf-8"?>
 <p:sld xmlns:a="http://schemas.openxmlformats.org/drawingml/2006/main" xmlns:r="http://schemas.openxmlformats.org/officeDocument/2006/relationships" xmlns:p="http://schemas.openxmlformats.org/presentationml/2006/main">
   <p:cSld>
     <p:spTree>
@@ -7661,7 +7457,7 @@
 </p:sld>
 </file>
 
-<file path=ppt/slides/slide17.xml><?xml version="1.0" encoding="utf-8"?>
+<file path=ppt/slides/slide16.xml><?xml version="1.0" encoding="utf-8"?>
 <p:sld xmlns:a="http://schemas.openxmlformats.org/drawingml/2006/main" xmlns:r="http://schemas.openxmlformats.org/officeDocument/2006/relationships" xmlns:p="http://schemas.openxmlformats.org/presentationml/2006/main">
   <p:cSld>
     <p:spTree>
@@ -8095,7 +7891,7 @@
 </p:sld>
 </file>
 
-<file path=ppt/slides/slide18.xml><?xml version="1.0" encoding="utf-8"?>
+<file path=ppt/slides/slide17.xml><?xml version="1.0" encoding="utf-8"?>
 <p:sld xmlns:a="http://schemas.openxmlformats.org/drawingml/2006/main" xmlns:r="http://schemas.openxmlformats.org/officeDocument/2006/relationships" xmlns:p="http://schemas.openxmlformats.org/presentationml/2006/main">
   <p:cSld>
     <p:spTree>
@@ -9292,7 +9088,7 @@
 </p:sld>
 </file>
 
-<file path=ppt/slides/slide19.xml><?xml version="1.0" encoding="utf-8"?>
+<file path=ppt/slides/slide18.xml><?xml version="1.0" encoding="utf-8"?>
 <p:sld xmlns:a="http://schemas.openxmlformats.org/drawingml/2006/main" xmlns:r="http://schemas.openxmlformats.org/officeDocument/2006/relationships" xmlns:p="http://schemas.openxmlformats.org/presentationml/2006/main">
   <p:cSld>
     <p:spTree>
@@ -10328,419 +10124,7 @@
 </p:sld>
 </file>
 
-<file path=ppt/slides/slide2.xml><?xml version="1.0" encoding="utf-8"?>
-<p:sld xmlns:a="http://schemas.openxmlformats.org/drawingml/2006/main" xmlns:r="http://schemas.openxmlformats.org/officeDocument/2006/relationships" xmlns:p="http://schemas.openxmlformats.org/presentationml/2006/main">
-  <p:cSld>
-    <p:spTree>
-      <p:nvGrpSpPr>
-        <p:cNvPr id="1" name=""/>
-        <p:cNvGrpSpPr/>
-        <p:nvPr/>
-      </p:nvGrpSpPr>
-      <p:grpSpPr>
-        <a:xfrm>
-          <a:off x="0" y="0"/>
-          <a:ext cx="0" cy="0"/>
-          <a:chOff x="0" y="0"/>
-          <a:chExt cx="0" cy="0"/>
-        </a:xfrm>
-      </p:grpSpPr>
-      <p:sp>
-        <p:nvSpPr>
-          <p:cNvPr id="14" name="object 14"/>
-          <p:cNvSpPr txBox="1"/>
-          <p:nvPr/>
-        </p:nvSpPr>
-        <p:spPr>
-          <a:xfrm>
-            <a:off x="1246829" y="764704"/>
-            <a:ext cx="6650341" cy="685236"/>
-          </a:xfrm>
-          <a:prstGeom prst="rect">
-            <a:avLst/>
-          </a:prstGeom>
-        </p:spPr>
-        <p:txBody>
-          <a:bodyPr vert="horz" wrap="square" lIns="0" tIns="0" rIns="0" bIns="0" rtlCol="0">
-            <a:noAutofit/>
-          </a:bodyPr>
-          <a:lstStyle/>
-          <a:p>
-            <a:pPr marL="12700" algn="ctr"/>
-            <a:r>
-              <a:rPr lang="es-MX" sz="4000" b="1" dirty="0">
-                <a:solidFill>
-                  <a:srgbClr val="002060"/>
-                </a:solidFill>
-                <a:latin typeface="Calibri"/>
-                <a:cs typeface="Calibri"/>
-              </a:rPr>
-              <a:t>Componentes de un programa</a:t>
-            </a:r>
-            <a:endParaRPr sz="4000" b="1" dirty="0">
-              <a:solidFill>
-                <a:srgbClr val="002060"/>
-              </a:solidFill>
-              <a:latin typeface="Calibri"/>
-              <a:cs typeface="Calibri"/>
-            </a:endParaRPr>
-          </a:p>
-        </p:txBody>
-      </p:sp>
-      <p:sp>
-        <p:nvSpPr>
-          <p:cNvPr id="20" name="object 20"/>
-          <p:cNvSpPr txBox="1">
-            <a:spLocks noGrp="1"/>
-          </p:cNvSpPr>
-          <p:nvPr>
-            <p:ph type="sldNum" sz="quarter" idx="7"/>
-          </p:nvPr>
-        </p:nvSpPr>
-        <p:spPr>
-          <a:xfrm>
-            <a:off x="79756" y="4869179"/>
-            <a:ext cx="206248" cy="203200"/>
-          </a:xfrm>
-          <a:prstGeom prst="rect">
-            <a:avLst/>
-          </a:prstGeom>
-        </p:spPr>
-        <p:txBody>
-          <a:bodyPr vert="horz" wrap="square" lIns="0" tIns="0" rIns="0" bIns="0" rtlCol="0">
-            <a:noAutofit/>
-          </a:bodyPr>
-          <a:lstStyle>
-            <a:defPPr>
-              <a:defRPr lang="es-MX"/>
-            </a:defPPr>
-            <a:lvl1pPr marL="0" algn="l" defTabSz="914400" rtl="0" eaLnBrk="1" latinLnBrk="0" hangingPunct="1">
-              <a:defRPr sz="1800" kern="1200">
-                <a:solidFill>
-                  <a:schemeClr val="tx1"/>
-                </a:solidFill>
-                <a:latin typeface="+mn-lt"/>
-                <a:ea typeface="+mn-ea"/>
-                <a:cs typeface="+mn-cs"/>
-              </a:defRPr>
-            </a:lvl1pPr>
-            <a:lvl2pPr marL="457200" algn="l" defTabSz="914400" rtl="0" eaLnBrk="1" latinLnBrk="0" hangingPunct="1">
-              <a:defRPr sz="1800" kern="1200">
-                <a:solidFill>
-                  <a:schemeClr val="tx1"/>
-                </a:solidFill>
-                <a:latin typeface="+mn-lt"/>
-                <a:ea typeface="+mn-ea"/>
-                <a:cs typeface="+mn-cs"/>
-              </a:defRPr>
-            </a:lvl2pPr>
-            <a:lvl3pPr marL="914400" algn="l" defTabSz="914400" rtl="0" eaLnBrk="1" latinLnBrk="0" hangingPunct="1">
-              <a:defRPr sz="1800" kern="1200">
-                <a:solidFill>
-                  <a:schemeClr val="tx1"/>
-                </a:solidFill>
-                <a:latin typeface="+mn-lt"/>
-                <a:ea typeface="+mn-ea"/>
-                <a:cs typeface="+mn-cs"/>
-              </a:defRPr>
-            </a:lvl3pPr>
-            <a:lvl4pPr marL="1371600" algn="l" defTabSz="914400" rtl="0" eaLnBrk="1" latinLnBrk="0" hangingPunct="1">
-              <a:defRPr sz="1800" kern="1200">
-                <a:solidFill>
-                  <a:schemeClr val="tx1"/>
-                </a:solidFill>
-                <a:latin typeface="+mn-lt"/>
-                <a:ea typeface="+mn-ea"/>
-                <a:cs typeface="+mn-cs"/>
-              </a:defRPr>
-            </a:lvl4pPr>
-            <a:lvl5pPr marL="1828800" algn="l" defTabSz="914400" rtl="0" eaLnBrk="1" latinLnBrk="0" hangingPunct="1">
-              <a:defRPr sz="1800" kern="1200">
-                <a:solidFill>
-                  <a:schemeClr val="tx1"/>
-                </a:solidFill>
-                <a:latin typeface="+mn-lt"/>
-                <a:ea typeface="+mn-ea"/>
-                <a:cs typeface="+mn-cs"/>
-              </a:defRPr>
-            </a:lvl5pPr>
-            <a:lvl6pPr marL="2286000" algn="l" defTabSz="914400" rtl="0" eaLnBrk="1" latinLnBrk="0" hangingPunct="1">
-              <a:defRPr sz="1800" kern="1200">
-                <a:solidFill>
-                  <a:schemeClr val="tx1"/>
-                </a:solidFill>
-                <a:latin typeface="+mn-lt"/>
-                <a:ea typeface="+mn-ea"/>
-                <a:cs typeface="+mn-cs"/>
-              </a:defRPr>
-            </a:lvl6pPr>
-            <a:lvl7pPr marL="2743200" algn="l" defTabSz="914400" rtl="0" eaLnBrk="1" latinLnBrk="0" hangingPunct="1">
-              <a:defRPr sz="1800" kern="1200">
-                <a:solidFill>
-                  <a:schemeClr val="tx1"/>
-                </a:solidFill>
-                <a:latin typeface="+mn-lt"/>
-                <a:ea typeface="+mn-ea"/>
-                <a:cs typeface="+mn-cs"/>
-              </a:defRPr>
-            </a:lvl7pPr>
-            <a:lvl8pPr marL="3200400" algn="l" defTabSz="914400" rtl="0" eaLnBrk="1" latinLnBrk="0" hangingPunct="1">
-              <a:defRPr sz="1800" kern="1200">
-                <a:solidFill>
-                  <a:schemeClr val="tx1"/>
-                </a:solidFill>
-                <a:latin typeface="+mn-lt"/>
-                <a:ea typeface="+mn-ea"/>
-                <a:cs typeface="+mn-cs"/>
-              </a:defRPr>
-            </a:lvl8pPr>
-            <a:lvl9pPr marL="3657600" algn="l" defTabSz="914400" rtl="0" eaLnBrk="1" latinLnBrk="0" hangingPunct="1">
-              <a:defRPr sz="1800" kern="1200">
-                <a:solidFill>
-                  <a:schemeClr val="tx1"/>
-                </a:solidFill>
-                <a:latin typeface="+mn-lt"/>
-                <a:ea typeface="+mn-ea"/>
-                <a:cs typeface="+mn-cs"/>
-              </a:defRPr>
-            </a:lvl9pPr>
-          </a:lstStyle>
-          <a:p>
-            <a:pPr marL="25400"/>
-            <a:fld id="{81D60167-4931-47E6-BA6A-407CBD079E47}" type="slidenum">
-              <a:rPr lang="es-MX" sz="1200" spc="-10" smtClean="0">
-                <a:solidFill>
-                  <a:srgbClr val="18BAD4"/>
-                </a:solidFill>
-                <a:latin typeface="Calibri"/>
-                <a:cs typeface="Calibri"/>
-              </a:rPr>
-              <a:pPr marL="25400"/>
-              <a:t>2</a:t>
-            </a:fld>
-            <a:endParaRPr sz="1200">
-              <a:latin typeface="Calibri"/>
-              <a:cs typeface="Calibri"/>
-            </a:endParaRPr>
-          </a:p>
-        </p:txBody>
-      </p:sp>
-      <p:sp>
-        <p:nvSpPr>
-          <p:cNvPr id="24" name="Google Shape;80;p9">
-            <a:extLst>
-              <a:ext uri="{FF2B5EF4-FFF2-40B4-BE49-F238E27FC236}">
-                <a16:creationId xmlns:a16="http://schemas.microsoft.com/office/drawing/2014/main" id="{13CAE77C-7B36-4A08-B548-50662F52C4FB}"/>
-              </a:ext>
-            </a:extLst>
-          </p:cNvPr>
-          <p:cNvSpPr txBox="1"/>
-          <p:nvPr/>
-        </p:nvSpPr>
-        <p:spPr>
-          <a:xfrm>
-            <a:off x="1475656" y="1772816"/>
-            <a:ext cx="4547530" cy="2476313"/>
-          </a:xfrm>
-          <a:prstGeom prst="rect">
-            <a:avLst/>
-          </a:prstGeom>
-          <a:noFill/>
-          <a:ln>
-            <a:noFill/>
-          </a:ln>
-        </p:spPr>
-        <p:txBody>
-          <a:bodyPr spcFirstLastPara="1" wrap="square" lIns="0" tIns="0" rIns="0" bIns="0" anchor="t" anchorCtr="0">
-            <a:noAutofit/>
-          </a:bodyPr>
-          <a:lstStyle/>
-          <a:p>
-            <a:pPr marL="742950" marR="386080" indent="-742950" algn="just">
-              <a:spcAft>
-                <a:spcPts val="600"/>
-              </a:spcAft>
-              <a:buClr>
-                <a:srgbClr val="002060"/>
-              </a:buClr>
-              <a:buSzPts val="2450"/>
-              <a:buFont typeface="+mj-lt"/>
-              <a:buAutoNum type="arabicPeriod"/>
-            </a:pPr>
-            <a:r>
-              <a:rPr lang="en-US" sz="3200" dirty="0" err="1">
-                <a:solidFill>
-                  <a:schemeClr val="tx1">
-                    <a:lumMod val="95000"/>
-                    <a:lumOff val="5000"/>
-                  </a:schemeClr>
-                </a:solidFill>
-                <a:cs typeface="Calibri"/>
-                <a:sym typeface="Corbel"/>
-              </a:rPr>
-              <a:t>Identificador</a:t>
-            </a:r>
-            <a:endParaRPr lang="en-US" sz="3200" dirty="0">
-              <a:solidFill>
-                <a:schemeClr val="tx1">
-                  <a:lumMod val="95000"/>
-                  <a:lumOff val="5000"/>
-                </a:schemeClr>
-              </a:solidFill>
-              <a:cs typeface="Calibri"/>
-              <a:sym typeface="Corbel"/>
-            </a:endParaRPr>
-          </a:p>
-          <a:p>
-            <a:pPr marL="742950" marR="386080" indent="-742950" algn="just">
-              <a:spcAft>
-                <a:spcPts val="600"/>
-              </a:spcAft>
-              <a:buClr>
-                <a:srgbClr val="002060"/>
-              </a:buClr>
-              <a:buSzPts val="2450"/>
-              <a:buFont typeface="+mj-lt"/>
-              <a:buAutoNum type="arabicPeriod"/>
-            </a:pPr>
-            <a:r>
-              <a:rPr lang="en-US" sz="3200" dirty="0">
-                <a:solidFill>
-                  <a:schemeClr val="tx1">
-                    <a:lumMod val="95000"/>
-                    <a:lumOff val="5000"/>
-                  </a:schemeClr>
-                </a:solidFill>
-                <a:cs typeface="Calibri"/>
-                <a:sym typeface="Corbel"/>
-              </a:rPr>
-              <a:t>Variable</a:t>
-            </a:r>
-          </a:p>
-          <a:p>
-            <a:pPr marL="742950" marR="386080" indent="-742950" algn="just">
-              <a:spcAft>
-                <a:spcPts val="600"/>
-              </a:spcAft>
-              <a:buClr>
-                <a:srgbClr val="002060"/>
-              </a:buClr>
-              <a:buSzPts val="2450"/>
-              <a:buFont typeface="+mj-lt"/>
-              <a:buAutoNum type="arabicPeriod"/>
-            </a:pPr>
-            <a:r>
-              <a:rPr lang="en-US" sz="3200" dirty="0" err="1">
-                <a:solidFill>
-                  <a:schemeClr val="tx1">
-                    <a:lumMod val="95000"/>
-                    <a:lumOff val="5000"/>
-                  </a:schemeClr>
-                </a:solidFill>
-                <a:cs typeface="Calibri"/>
-                <a:sym typeface="Corbel"/>
-              </a:rPr>
-              <a:t>Constante</a:t>
-            </a:r>
-            <a:endParaRPr lang="en-US" sz="3200" dirty="0">
-              <a:solidFill>
-                <a:schemeClr val="tx1">
-                  <a:lumMod val="95000"/>
-                  <a:lumOff val="5000"/>
-                </a:schemeClr>
-              </a:solidFill>
-              <a:cs typeface="Calibri"/>
-              <a:sym typeface="Corbel"/>
-            </a:endParaRPr>
-          </a:p>
-          <a:p>
-            <a:pPr marL="742950" marR="386080" indent="-742950" algn="just">
-              <a:spcAft>
-                <a:spcPts val="600"/>
-              </a:spcAft>
-              <a:buClr>
-                <a:srgbClr val="002060"/>
-              </a:buClr>
-              <a:buSzPts val="2450"/>
-              <a:buFont typeface="+mj-lt"/>
-              <a:buAutoNum type="arabicPeriod"/>
-            </a:pPr>
-            <a:r>
-              <a:rPr lang="en-US" sz="3200" dirty="0" err="1">
-                <a:solidFill>
-                  <a:schemeClr val="tx1">
-                    <a:lumMod val="95000"/>
-                    <a:lumOff val="5000"/>
-                  </a:schemeClr>
-                </a:solidFill>
-                <a:cs typeface="Calibri"/>
-                <a:sym typeface="Corbel"/>
-              </a:rPr>
-              <a:t>Instrucciones</a:t>
-            </a:r>
-            <a:endParaRPr sz="3200" dirty="0">
-              <a:solidFill>
-                <a:schemeClr val="tx1">
-                  <a:lumMod val="95000"/>
-                  <a:lumOff val="5000"/>
-                </a:schemeClr>
-              </a:solidFill>
-              <a:cs typeface="Calibri"/>
-              <a:sym typeface="Corbel"/>
-            </a:endParaRPr>
-          </a:p>
-        </p:txBody>
-      </p:sp>
-      <p:pic>
-        <p:nvPicPr>
-          <p:cNvPr id="21" name="Imagen 20" descr="Imagen que contiene computadora, tabla&#10;&#10;Descripción generada automáticamente">
-            <a:extLst>
-              <a:ext uri="{FF2B5EF4-FFF2-40B4-BE49-F238E27FC236}">
-                <a16:creationId xmlns:a16="http://schemas.microsoft.com/office/drawing/2014/main" id="{AE06E90D-55AA-442F-8ED4-8993859CC3CB}"/>
-              </a:ext>
-            </a:extLst>
-          </p:cNvPr>
-          <p:cNvPicPr>
-            <a:picLocks noChangeAspect="1"/>
-          </p:cNvPicPr>
-          <p:nvPr/>
-        </p:nvPicPr>
-        <p:blipFill>
-          <a:blip r:embed="rId2">
-            <a:extLst>
-              <a:ext uri="{28A0092B-C50C-407E-A947-70E740481C1C}">
-                <a14:useLocalDpi xmlns:a14="http://schemas.microsoft.com/office/drawing/2010/main" val="0"/>
-              </a:ext>
-            </a:extLst>
-          </a:blip>
-          <a:stretch>
-            <a:fillRect/>
-          </a:stretch>
-        </p:blipFill>
-        <p:spPr>
-          <a:xfrm>
-            <a:off x="5318691" y="3140968"/>
-            <a:ext cx="3046803" cy="3096344"/>
-          </a:xfrm>
-          <a:prstGeom prst="rect">
-            <a:avLst/>
-          </a:prstGeom>
-        </p:spPr>
-      </p:pic>
-    </p:spTree>
-    <p:extLst>
-      <p:ext uri="{BB962C8B-B14F-4D97-AF65-F5344CB8AC3E}">
-        <p14:creationId xmlns:p14="http://schemas.microsoft.com/office/powerpoint/2010/main" val="2795839144"/>
-      </p:ext>
-    </p:extLst>
-  </p:cSld>
-  <p:clrMapOvr>
-    <a:masterClrMapping/>
-  </p:clrMapOvr>
-</p:sld>
-</file>
-
-<file path=ppt/slides/slide20.xml><?xml version="1.0" encoding="utf-8"?>
+<file path=ppt/slides/slide19.xml><?xml version="1.0" encoding="utf-8"?>
 <p:sld xmlns:a="http://schemas.openxmlformats.org/drawingml/2006/main" xmlns:r="http://schemas.openxmlformats.org/officeDocument/2006/relationships" xmlns:p="http://schemas.openxmlformats.org/presentationml/2006/main">
   <p:cSld>
     <p:spTree>
@@ -11192,7 +10576,383 @@
 </p:sld>
 </file>
 
-<file path=ppt/slides/slide21.xml><?xml version="1.0" encoding="utf-8"?>
+<file path=ppt/slides/slide2.xml><?xml version="1.0" encoding="utf-8"?>
+<p:sld xmlns:a="http://schemas.openxmlformats.org/drawingml/2006/main" xmlns:r="http://schemas.openxmlformats.org/officeDocument/2006/relationships" xmlns:p="http://schemas.openxmlformats.org/presentationml/2006/main">
+  <p:cSld>
+    <p:spTree>
+      <p:nvGrpSpPr>
+        <p:cNvPr id="1" name=""/>
+        <p:cNvGrpSpPr/>
+        <p:nvPr/>
+      </p:nvGrpSpPr>
+      <p:grpSpPr>
+        <a:xfrm>
+          <a:off x="0" y="0"/>
+          <a:ext cx="0" cy="0"/>
+          <a:chOff x="0" y="0"/>
+          <a:chExt cx="0" cy="0"/>
+        </a:xfrm>
+      </p:grpSpPr>
+      <p:sp>
+        <p:nvSpPr>
+          <p:cNvPr id="14" name="object 14"/>
+          <p:cNvSpPr txBox="1"/>
+          <p:nvPr/>
+        </p:nvSpPr>
+        <p:spPr>
+          <a:xfrm>
+            <a:off x="1246829" y="764704"/>
+            <a:ext cx="6650341" cy="685236"/>
+          </a:xfrm>
+          <a:prstGeom prst="rect">
+            <a:avLst/>
+          </a:prstGeom>
+        </p:spPr>
+        <p:txBody>
+          <a:bodyPr vert="horz" wrap="square" lIns="0" tIns="0" rIns="0" bIns="0" rtlCol="0">
+            <a:noAutofit/>
+          </a:bodyPr>
+          <a:lstStyle/>
+          <a:p>
+            <a:pPr marL="12700" algn="ctr"/>
+            <a:r>
+              <a:rPr lang="es-MX" sz="4000" b="1" dirty="0">
+                <a:solidFill>
+                  <a:srgbClr val="002060"/>
+                </a:solidFill>
+                <a:latin typeface="Calibri"/>
+                <a:cs typeface="Calibri"/>
+              </a:rPr>
+              <a:t>Componentes de un programa</a:t>
+            </a:r>
+            <a:endParaRPr sz="4000" b="1" dirty="0">
+              <a:solidFill>
+                <a:srgbClr val="002060"/>
+              </a:solidFill>
+              <a:latin typeface="Calibri"/>
+              <a:cs typeface="Calibri"/>
+            </a:endParaRPr>
+          </a:p>
+        </p:txBody>
+      </p:sp>
+      <p:sp>
+        <p:nvSpPr>
+          <p:cNvPr id="20" name="object 20"/>
+          <p:cNvSpPr txBox="1">
+            <a:spLocks noGrp="1"/>
+          </p:cNvSpPr>
+          <p:nvPr>
+            <p:ph type="sldNum" sz="quarter" idx="7"/>
+          </p:nvPr>
+        </p:nvSpPr>
+        <p:spPr>
+          <a:xfrm>
+            <a:off x="79756" y="4869179"/>
+            <a:ext cx="206248" cy="203200"/>
+          </a:xfrm>
+          <a:prstGeom prst="rect">
+            <a:avLst/>
+          </a:prstGeom>
+        </p:spPr>
+        <p:txBody>
+          <a:bodyPr vert="horz" wrap="square" lIns="0" tIns="0" rIns="0" bIns="0" rtlCol="0">
+            <a:noAutofit/>
+          </a:bodyPr>
+          <a:lstStyle>
+            <a:defPPr>
+              <a:defRPr lang="es-MX"/>
+            </a:defPPr>
+            <a:lvl1pPr marL="0" algn="l" defTabSz="914400" rtl="0" eaLnBrk="1" latinLnBrk="0" hangingPunct="1">
+              <a:defRPr sz="1800" kern="1200">
+                <a:solidFill>
+                  <a:schemeClr val="tx1"/>
+                </a:solidFill>
+                <a:latin typeface="+mn-lt"/>
+                <a:ea typeface="+mn-ea"/>
+                <a:cs typeface="+mn-cs"/>
+              </a:defRPr>
+            </a:lvl1pPr>
+            <a:lvl2pPr marL="457200" algn="l" defTabSz="914400" rtl="0" eaLnBrk="1" latinLnBrk="0" hangingPunct="1">
+              <a:defRPr sz="1800" kern="1200">
+                <a:solidFill>
+                  <a:schemeClr val="tx1"/>
+                </a:solidFill>
+                <a:latin typeface="+mn-lt"/>
+                <a:ea typeface="+mn-ea"/>
+                <a:cs typeface="+mn-cs"/>
+              </a:defRPr>
+            </a:lvl2pPr>
+            <a:lvl3pPr marL="914400" algn="l" defTabSz="914400" rtl="0" eaLnBrk="1" latinLnBrk="0" hangingPunct="1">
+              <a:defRPr sz="1800" kern="1200">
+                <a:solidFill>
+                  <a:schemeClr val="tx1"/>
+                </a:solidFill>
+                <a:latin typeface="+mn-lt"/>
+                <a:ea typeface="+mn-ea"/>
+                <a:cs typeface="+mn-cs"/>
+              </a:defRPr>
+            </a:lvl3pPr>
+            <a:lvl4pPr marL="1371600" algn="l" defTabSz="914400" rtl="0" eaLnBrk="1" latinLnBrk="0" hangingPunct="1">
+              <a:defRPr sz="1800" kern="1200">
+                <a:solidFill>
+                  <a:schemeClr val="tx1"/>
+                </a:solidFill>
+                <a:latin typeface="+mn-lt"/>
+                <a:ea typeface="+mn-ea"/>
+                <a:cs typeface="+mn-cs"/>
+              </a:defRPr>
+            </a:lvl4pPr>
+            <a:lvl5pPr marL="1828800" algn="l" defTabSz="914400" rtl="0" eaLnBrk="1" latinLnBrk="0" hangingPunct="1">
+              <a:defRPr sz="1800" kern="1200">
+                <a:solidFill>
+                  <a:schemeClr val="tx1"/>
+                </a:solidFill>
+                <a:latin typeface="+mn-lt"/>
+                <a:ea typeface="+mn-ea"/>
+                <a:cs typeface="+mn-cs"/>
+              </a:defRPr>
+            </a:lvl5pPr>
+            <a:lvl6pPr marL="2286000" algn="l" defTabSz="914400" rtl="0" eaLnBrk="1" latinLnBrk="0" hangingPunct="1">
+              <a:defRPr sz="1800" kern="1200">
+                <a:solidFill>
+                  <a:schemeClr val="tx1"/>
+                </a:solidFill>
+                <a:latin typeface="+mn-lt"/>
+                <a:ea typeface="+mn-ea"/>
+                <a:cs typeface="+mn-cs"/>
+              </a:defRPr>
+            </a:lvl6pPr>
+            <a:lvl7pPr marL="2743200" algn="l" defTabSz="914400" rtl="0" eaLnBrk="1" latinLnBrk="0" hangingPunct="1">
+              <a:defRPr sz="1800" kern="1200">
+                <a:solidFill>
+                  <a:schemeClr val="tx1"/>
+                </a:solidFill>
+                <a:latin typeface="+mn-lt"/>
+                <a:ea typeface="+mn-ea"/>
+                <a:cs typeface="+mn-cs"/>
+              </a:defRPr>
+            </a:lvl7pPr>
+            <a:lvl8pPr marL="3200400" algn="l" defTabSz="914400" rtl="0" eaLnBrk="1" latinLnBrk="0" hangingPunct="1">
+              <a:defRPr sz="1800" kern="1200">
+                <a:solidFill>
+                  <a:schemeClr val="tx1"/>
+                </a:solidFill>
+                <a:latin typeface="+mn-lt"/>
+                <a:ea typeface="+mn-ea"/>
+                <a:cs typeface="+mn-cs"/>
+              </a:defRPr>
+            </a:lvl8pPr>
+            <a:lvl9pPr marL="3657600" algn="l" defTabSz="914400" rtl="0" eaLnBrk="1" latinLnBrk="0" hangingPunct="1">
+              <a:defRPr sz="1800" kern="1200">
+                <a:solidFill>
+                  <a:schemeClr val="tx1"/>
+                </a:solidFill>
+                <a:latin typeface="+mn-lt"/>
+                <a:ea typeface="+mn-ea"/>
+                <a:cs typeface="+mn-cs"/>
+              </a:defRPr>
+            </a:lvl9pPr>
+          </a:lstStyle>
+          <a:p>
+            <a:pPr marL="25400"/>
+            <a:fld id="{81D60167-4931-47E6-BA6A-407CBD079E47}" type="slidenum">
+              <a:rPr lang="es-MX" sz="1200" spc="-10" smtClean="0">
+                <a:solidFill>
+                  <a:srgbClr val="18BAD4"/>
+                </a:solidFill>
+                <a:latin typeface="Calibri"/>
+                <a:cs typeface="Calibri"/>
+              </a:rPr>
+              <a:pPr marL="25400"/>
+              <a:t>2</a:t>
+            </a:fld>
+            <a:endParaRPr sz="1200">
+              <a:latin typeface="Calibri"/>
+              <a:cs typeface="Calibri"/>
+            </a:endParaRPr>
+          </a:p>
+        </p:txBody>
+      </p:sp>
+      <p:sp>
+        <p:nvSpPr>
+          <p:cNvPr id="24" name="Google Shape;80;p9">
+            <a:extLst>
+              <a:ext uri="{FF2B5EF4-FFF2-40B4-BE49-F238E27FC236}">
+                <a16:creationId xmlns:a16="http://schemas.microsoft.com/office/drawing/2014/main" id="{13CAE77C-7B36-4A08-B548-50662F52C4FB}"/>
+              </a:ext>
+            </a:extLst>
+          </p:cNvPr>
+          <p:cNvSpPr txBox="1"/>
+          <p:nvPr/>
+        </p:nvSpPr>
+        <p:spPr>
+          <a:xfrm>
+            <a:off x="1475656" y="1844824"/>
+            <a:ext cx="4547530" cy="2476313"/>
+          </a:xfrm>
+          <a:prstGeom prst="rect">
+            <a:avLst/>
+          </a:prstGeom>
+          <a:noFill/>
+          <a:ln>
+            <a:noFill/>
+          </a:ln>
+        </p:spPr>
+        <p:txBody>
+          <a:bodyPr spcFirstLastPara="1" wrap="square" lIns="0" tIns="0" rIns="0" bIns="0" anchor="t" anchorCtr="0">
+            <a:noAutofit/>
+          </a:bodyPr>
+          <a:lstStyle/>
+          <a:p>
+            <a:pPr marL="742950" marR="386080" indent="-742950" algn="just">
+              <a:spcAft>
+                <a:spcPts val="600"/>
+              </a:spcAft>
+              <a:buClr>
+                <a:srgbClr val="002060"/>
+              </a:buClr>
+              <a:buSzPts val="2450"/>
+              <a:buFont typeface="+mj-lt"/>
+              <a:buAutoNum type="arabicPeriod"/>
+            </a:pPr>
+            <a:r>
+              <a:rPr lang="en-US" sz="3200" dirty="0" err="1">
+                <a:solidFill>
+                  <a:schemeClr val="tx1">
+                    <a:lumMod val="95000"/>
+                    <a:lumOff val="5000"/>
+                  </a:schemeClr>
+                </a:solidFill>
+                <a:cs typeface="Calibri"/>
+                <a:sym typeface="Corbel"/>
+              </a:rPr>
+              <a:t>Identificador</a:t>
+            </a:r>
+            <a:endParaRPr lang="en-US" sz="3200" dirty="0">
+              <a:solidFill>
+                <a:schemeClr val="tx1">
+                  <a:lumMod val="95000"/>
+                  <a:lumOff val="5000"/>
+                </a:schemeClr>
+              </a:solidFill>
+              <a:cs typeface="Calibri"/>
+              <a:sym typeface="Corbel"/>
+            </a:endParaRPr>
+          </a:p>
+          <a:p>
+            <a:pPr marL="742950" marR="386080" indent="-742950" algn="just">
+              <a:spcAft>
+                <a:spcPts val="600"/>
+              </a:spcAft>
+              <a:buClr>
+                <a:srgbClr val="002060"/>
+              </a:buClr>
+              <a:buSzPts val="2450"/>
+              <a:buFont typeface="+mj-lt"/>
+              <a:buAutoNum type="arabicPeriod"/>
+            </a:pPr>
+            <a:r>
+              <a:rPr lang="en-US" sz="3200" dirty="0">
+                <a:solidFill>
+                  <a:schemeClr val="tx1">
+                    <a:lumMod val="95000"/>
+                    <a:lumOff val="5000"/>
+                  </a:schemeClr>
+                </a:solidFill>
+                <a:cs typeface="Calibri"/>
+                <a:sym typeface="Corbel"/>
+              </a:rPr>
+              <a:t>Variable</a:t>
+            </a:r>
+          </a:p>
+          <a:p>
+            <a:pPr marL="742950" marR="386080" indent="-742950" algn="just">
+              <a:spcAft>
+                <a:spcPts val="600"/>
+              </a:spcAft>
+              <a:buClr>
+                <a:srgbClr val="002060"/>
+              </a:buClr>
+              <a:buSzPts val="2450"/>
+              <a:buFont typeface="+mj-lt"/>
+              <a:buAutoNum type="arabicPeriod"/>
+            </a:pPr>
+            <a:r>
+              <a:rPr lang="en-US" sz="3200" dirty="0" err="1">
+                <a:solidFill>
+                  <a:schemeClr val="tx1">
+                    <a:lumMod val="95000"/>
+                    <a:lumOff val="5000"/>
+                  </a:schemeClr>
+                </a:solidFill>
+                <a:cs typeface="Calibri"/>
+                <a:sym typeface="Corbel"/>
+              </a:rPr>
+              <a:t>Instrucciones</a:t>
+            </a:r>
+            <a:endParaRPr sz="3200" dirty="0">
+              <a:solidFill>
+                <a:schemeClr val="tx1">
+                  <a:lumMod val="95000"/>
+                  <a:lumOff val="5000"/>
+                </a:schemeClr>
+              </a:solidFill>
+              <a:cs typeface="Calibri"/>
+              <a:sym typeface="Corbel"/>
+            </a:endParaRPr>
+          </a:p>
+        </p:txBody>
+      </p:sp>
+      <p:pic>
+        <p:nvPicPr>
+          <p:cNvPr id="21" name="Imagen 20" descr="Imagen que contiene computadora, tabla&#10;&#10;Descripción generada automáticamente">
+            <a:extLst>
+              <a:ext uri="{FF2B5EF4-FFF2-40B4-BE49-F238E27FC236}">
+                <a16:creationId xmlns:a16="http://schemas.microsoft.com/office/drawing/2014/main" id="{AE06E90D-55AA-442F-8ED4-8993859CC3CB}"/>
+              </a:ext>
+            </a:extLst>
+          </p:cNvPr>
+          <p:cNvPicPr>
+            <a:picLocks noChangeAspect="1"/>
+          </p:cNvPicPr>
+          <p:nvPr/>
+        </p:nvPicPr>
+        <p:blipFill>
+          <a:blip r:embed="rId2">
+            <a:extLst>
+              <a:ext uri="{28A0092B-C50C-407E-A947-70E740481C1C}">
+                <a14:useLocalDpi xmlns:a14="http://schemas.microsoft.com/office/drawing/2010/main" val="0"/>
+              </a:ext>
+            </a:extLst>
+          </a:blip>
+          <a:stretch>
+            <a:fillRect/>
+          </a:stretch>
+        </p:blipFill>
+        <p:spPr>
+          <a:xfrm>
+            <a:off x="5318691" y="3140968"/>
+            <a:ext cx="3046803" cy="3096344"/>
+          </a:xfrm>
+          <a:prstGeom prst="rect">
+            <a:avLst/>
+          </a:prstGeom>
+        </p:spPr>
+      </p:pic>
+    </p:spTree>
+    <p:extLst>
+      <p:ext uri="{BB962C8B-B14F-4D97-AF65-F5344CB8AC3E}">
+        <p14:creationId xmlns:p14="http://schemas.microsoft.com/office/powerpoint/2010/main" val="2795839144"/>
+      </p:ext>
+    </p:extLst>
+  </p:cSld>
+  <p:clrMapOvr>
+    <a:masterClrMapping/>
+  </p:clrMapOvr>
+</p:sld>
+</file>
+
+<file path=ppt/slides/slide20.xml><?xml version="1.0" encoding="utf-8"?>
 <p:sld xmlns:a="http://schemas.openxmlformats.org/drawingml/2006/main" xmlns:r="http://schemas.openxmlformats.org/officeDocument/2006/relationships" xmlns:p="http://schemas.openxmlformats.org/presentationml/2006/main">
   <p:cSld>
     <p:spTree>
@@ -11533,7 +11293,7 @@
 </p:sld>
 </file>
 
-<file path=ppt/slides/slide22.xml><?xml version="1.0" encoding="utf-8"?>
+<file path=ppt/slides/slide21.xml><?xml version="1.0" encoding="utf-8"?>
 <p:sld xmlns:a="http://schemas.openxmlformats.org/drawingml/2006/main" xmlns:r="http://schemas.openxmlformats.org/officeDocument/2006/relationships" xmlns:p="http://schemas.openxmlformats.org/presentationml/2006/main">
   <p:cSld>
     <p:spTree>
@@ -12020,7 +11780,7 @@
 </p:sld>
 </file>
 
-<file path=ppt/slides/slide23.xml><?xml version="1.0" encoding="utf-8"?>
+<file path=ppt/slides/slide22.xml><?xml version="1.0" encoding="utf-8"?>
 <p:sld xmlns:a="http://schemas.openxmlformats.org/drawingml/2006/main" xmlns:r="http://schemas.openxmlformats.org/officeDocument/2006/relationships" xmlns:p="http://schemas.openxmlformats.org/presentationml/2006/main">
   <p:cSld>
     <p:spTree>
@@ -12440,7 +12200,7 @@
 </p:sld>
 </file>
 
-<file path=ppt/slides/slide24.xml><?xml version="1.0" encoding="utf-8"?>
+<file path=ppt/slides/slide23.xml><?xml version="1.0" encoding="utf-8"?>
 <p:sld xmlns:a="http://schemas.openxmlformats.org/drawingml/2006/main" xmlns:r="http://schemas.openxmlformats.org/officeDocument/2006/relationships" xmlns:p="http://schemas.openxmlformats.org/presentationml/2006/main">
   <p:cSld>
     <p:spTree>
@@ -12780,7 +12540,7 @@
 </p:sld>
 </file>
 
-<file path=ppt/slides/slide25.xml><?xml version="1.0" encoding="utf-8"?>
+<file path=ppt/slides/slide24.xml><?xml version="1.0" encoding="utf-8"?>
 <p:sld xmlns:a="http://schemas.openxmlformats.org/drawingml/2006/main" xmlns:r="http://schemas.openxmlformats.org/officeDocument/2006/relationships" xmlns:p="http://schemas.openxmlformats.org/presentationml/2006/main">
   <p:cSld>
     <p:spTree>
@@ -13313,7 +13073,7 @@
 </p:sld>
 </file>
 
-<file path=ppt/slides/slide26.xml><?xml version="1.0" encoding="utf-8"?>
+<file path=ppt/slides/slide25.xml><?xml version="1.0" encoding="utf-8"?>
 <p:sld xmlns:a="http://schemas.openxmlformats.org/drawingml/2006/main" xmlns:r="http://schemas.openxmlformats.org/officeDocument/2006/relationships" xmlns:p="http://schemas.openxmlformats.org/presentationml/2006/main">
   <p:cSld>
     <p:spTree>
@@ -14537,7 +14297,7 @@
                 <a:cs typeface="Calibri"/>
               </a:rPr>
               <a:pPr marL="25400"/>
-              <a:t>26</a:t>
+              <a:t>25</a:t>
             </a:fld>
             <a:endParaRPr dirty="0">
               <a:latin typeface="Calibri"/>
@@ -20869,7 +20629,7 @@
         </p:nvSpPr>
         <p:spPr>
           <a:xfrm>
-            <a:off x="2910838" y="2241232"/>
+            <a:off x="2910838" y="2152840"/>
             <a:ext cx="2968625" cy="584835"/>
           </a:xfrm>
           <a:prstGeom prst="rect">
@@ -20891,7 +20651,7 @@
                 <a:latin typeface="Calibri"/>
                 <a:cs typeface="Calibri"/>
               </a:rPr>
-              <a:t>Constante</a:t>
+              <a:t>Instrucciones</a:t>
             </a:r>
             <a:endParaRPr sz="3600" b="1" dirty="0">
               <a:solidFill>
@@ -20947,7 +20707,7 @@
           <p:cNvPr id="26" name="object 15">
             <a:extLst>
               <a:ext uri="{FF2B5EF4-FFF2-40B4-BE49-F238E27FC236}">
-                <a16:creationId xmlns:a16="http://schemas.microsoft.com/office/drawing/2014/main" id="{D308712A-7E99-43A8-A469-B2DDF7D1C5F0}"/>
+                <a16:creationId xmlns:a16="http://schemas.microsoft.com/office/drawing/2014/main" id="{15B23E23-7572-4A36-8696-59ED22CA6912}"/>
               </a:ext>
             </a:extLst>
           </p:cNvPr>
@@ -20956,8 +20716,8 @@
         </p:nvSpPr>
         <p:spPr>
           <a:xfrm>
-            <a:off x="2910838" y="3052497"/>
-            <a:ext cx="5693610" cy="3093383"/>
+            <a:off x="2910838" y="2964670"/>
+            <a:ext cx="5553404" cy="2274233"/>
           </a:xfrm>
           <a:prstGeom prst="rect">
             <a:avLst/>
@@ -20980,7 +20740,7 @@
                 </a:solidFill>
                 <a:cs typeface="Calibri"/>
               </a:rPr>
-              <a:t>Es un identificador al que se le asigna un valor fijo; es decir, no cambia durante la ejecución del programa. Puede ser un número, un carácter o una lista de caracteres. </a:t>
+              <a:t>Unidad ejecutable más pequeña de un programa. Las instrucciones controlan el flujo u orden de ejecución.</a:t>
             </a:r>
           </a:p>
           <a:p>
@@ -21007,11 +20767,248 @@
                 </a:solidFill>
                 <a:cs typeface="Calibri"/>
               </a:rPr>
-              <a:t>Ejemplos:   </a:t>
-            </a:r>
-          </a:p>
-          <a:p>
-            <a:pPr marL="12700" marR="12700" algn="just"/>
+              <a:t>Ejemplos: and, break, </a:t>
+            </a:r>
+            <a:r>
+              <a:rPr lang="es-MX" sz="2000" dirty="0" err="1">
+                <a:solidFill>
+                  <a:schemeClr val="tx1">
+                    <a:lumMod val="95000"/>
+                    <a:lumOff val="5000"/>
+                  </a:schemeClr>
+                </a:solidFill>
+                <a:cs typeface="Calibri"/>
+              </a:rPr>
+              <a:t>continue</a:t>
+            </a:r>
+            <a:r>
+              <a:rPr lang="es-MX" sz="2000" dirty="0">
+                <a:solidFill>
+                  <a:schemeClr val="tx1">
+                    <a:lumMod val="95000"/>
+                    <a:lumOff val="5000"/>
+                  </a:schemeClr>
+                </a:solidFill>
+                <a:cs typeface="Calibri"/>
+              </a:rPr>
+              <a:t>, </a:t>
+            </a:r>
+            <a:r>
+              <a:rPr lang="es-MX" sz="2000" dirty="0" err="1">
+                <a:solidFill>
+                  <a:schemeClr val="tx1">
+                    <a:lumMod val="95000"/>
+                    <a:lumOff val="5000"/>
+                  </a:schemeClr>
+                </a:solidFill>
+                <a:cs typeface="Calibri"/>
+              </a:rPr>
+              <a:t>elif</a:t>
+            </a:r>
+            <a:r>
+              <a:rPr lang="es-MX" sz="2000" dirty="0">
+                <a:solidFill>
+                  <a:schemeClr val="tx1">
+                    <a:lumMod val="95000"/>
+                    <a:lumOff val="5000"/>
+                  </a:schemeClr>
+                </a:solidFill>
+                <a:cs typeface="Calibri"/>
+              </a:rPr>
+              <a:t>, </a:t>
+            </a:r>
+            <a:r>
+              <a:rPr lang="es-MX" sz="2000" dirty="0" err="1">
+                <a:solidFill>
+                  <a:schemeClr val="tx1">
+                    <a:lumMod val="95000"/>
+                    <a:lumOff val="5000"/>
+                  </a:schemeClr>
+                </a:solidFill>
+                <a:cs typeface="Calibri"/>
+              </a:rPr>
+              <a:t>else</a:t>
+            </a:r>
+            <a:r>
+              <a:rPr lang="es-MX" sz="2000" dirty="0">
+                <a:solidFill>
+                  <a:schemeClr val="tx1">
+                    <a:lumMod val="95000"/>
+                    <a:lumOff val="5000"/>
+                  </a:schemeClr>
+                </a:solidFill>
+                <a:cs typeface="Calibri"/>
+              </a:rPr>
+              <a:t>, </a:t>
+            </a:r>
+            <a:r>
+              <a:rPr lang="es-MX" sz="2000" dirty="0" err="1">
+                <a:solidFill>
+                  <a:schemeClr val="tx1">
+                    <a:lumMod val="95000"/>
+                    <a:lumOff val="5000"/>
+                  </a:schemeClr>
+                </a:solidFill>
+                <a:cs typeface="Calibri"/>
+              </a:rPr>
+              <a:t>for</a:t>
+            </a:r>
+            <a:r>
+              <a:rPr lang="es-MX" sz="2000" dirty="0">
+                <a:solidFill>
+                  <a:schemeClr val="tx1">
+                    <a:lumMod val="95000"/>
+                    <a:lumOff val="5000"/>
+                  </a:schemeClr>
+                </a:solidFill>
+                <a:cs typeface="Calibri"/>
+              </a:rPr>
+              <a:t>, </a:t>
+            </a:r>
+            <a:r>
+              <a:rPr lang="es-MX" sz="2000" dirty="0" err="1">
+                <a:solidFill>
+                  <a:schemeClr val="tx1">
+                    <a:lumMod val="95000"/>
+                    <a:lumOff val="5000"/>
+                  </a:schemeClr>
+                </a:solidFill>
+                <a:cs typeface="Calibri"/>
+              </a:rPr>
+              <a:t>if</a:t>
+            </a:r>
+            <a:r>
+              <a:rPr lang="es-MX" sz="2000" dirty="0">
+                <a:solidFill>
+                  <a:schemeClr val="tx1">
+                    <a:lumMod val="95000"/>
+                    <a:lumOff val="5000"/>
+                  </a:schemeClr>
+                </a:solidFill>
+                <a:cs typeface="Calibri"/>
+              </a:rPr>
+              <a:t>, </a:t>
+            </a:r>
+            <a:r>
+              <a:rPr lang="es-MX" sz="2000" dirty="0" err="1">
+                <a:solidFill>
+                  <a:schemeClr val="tx1">
+                    <a:lumMod val="95000"/>
+                    <a:lumOff val="5000"/>
+                  </a:schemeClr>
+                </a:solidFill>
+                <a:cs typeface="Calibri"/>
+              </a:rPr>
+              <a:t>import</a:t>
+            </a:r>
+            <a:r>
+              <a:rPr lang="es-MX" sz="2000" dirty="0">
+                <a:solidFill>
+                  <a:schemeClr val="tx1">
+                    <a:lumMod val="95000"/>
+                    <a:lumOff val="5000"/>
+                  </a:schemeClr>
+                </a:solidFill>
+                <a:cs typeface="Calibri"/>
+              </a:rPr>
+              <a:t>, </a:t>
+            </a:r>
+            <a:r>
+              <a:rPr lang="es-MX" sz="2000" dirty="0" err="1">
+                <a:solidFill>
+                  <a:schemeClr val="tx1">
+                    <a:lumMod val="95000"/>
+                    <a:lumOff val="5000"/>
+                  </a:schemeClr>
+                </a:solidFill>
+                <a:cs typeface="Calibri"/>
+              </a:rPr>
+              <a:t>is</a:t>
+            </a:r>
+            <a:r>
+              <a:rPr lang="es-MX" sz="2000" dirty="0">
+                <a:solidFill>
+                  <a:schemeClr val="tx1">
+                    <a:lumMod val="95000"/>
+                    <a:lumOff val="5000"/>
+                  </a:schemeClr>
+                </a:solidFill>
+                <a:cs typeface="Calibri"/>
+              </a:rPr>
+              <a:t>, </a:t>
+            </a:r>
+            <a:r>
+              <a:rPr lang="es-MX" sz="2000" dirty="0" err="1">
+                <a:solidFill>
+                  <a:schemeClr val="tx1">
+                    <a:lumMod val="95000"/>
+                    <a:lumOff val="5000"/>
+                  </a:schemeClr>
+                </a:solidFill>
+                <a:cs typeface="Calibri"/>
+              </a:rPr>
+              <a:t>not</a:t>
+            </a:r>
+            <a:r>
+              <a:rPr lang="es-MX" sz="2000" dirty="0">
+                <a:solidFill>
+                  <a:schemeClr val="tx1">
+                    <a:lumMod val="95000"/>
+                    <a:lumOff val="5000"/>
+                  </a:schemeClr>
+                </a:solidFill>
+                <a:cs typeface="Calibri"/>
+              </a:rPr>
+              <a:t>, </a:t>
+            </a:r>
+            <a:r>
+              <a:rPr lang="es-MX" sz="2000" dirty="0" err="1">
+                <a:solidFill>
+                  <a:schemeClr val="tx1">
+                    <a:lumMod val="95000"/>
+                    <a:lumOff val="5000"/>
+                  </a:schemeClr>
+                </a:solidFill>
+                <a:cs typeface="Calibri"/>
+              </a:rPr>
+              <a:t>or</a:t>
+            </a:r>
+            <a:r>
+              <a:rPr lang="es-MX" sz="2000" dirty="0">
+                <a:solidFill>
+                  <a:schemeClr val="tx1">
+                    <a:lumMod val="95000"/>
+                    <a:lumOff val="5000"/>
+                  </a:schemeClr>
+                </a:solidFill>
+                <a:cs typeface="Calibri"/>
+              </a:rPr>
+              <a:t>, p</a:t>
+            </a:r>
+            <a:r>
+              <a:rPr lang="en-US" sz="2000" dirty="0" err="1">
+                <a:solidFill>
+                  <a:schemeClr val="tx1">
+                    <a:lumMod val="95000"/>
+                    <a:lumOff val="5000"/>
+                  </a:schemeClr>
+                </a:solidFill>
+                <a:cs typeface="Calibri"/>
+              </a:rPr>
+              <a:t>rint</a:t>
+            </a:r>
+            <a:r>
+              <a:rPr lang="en-US" sz="2000" dirty="0">
+                <a:solidFill>
+                  <a:schemeClr val="tx1">
+                    <a:lumMod val="95000"/>
+                    <a:lumOff val="5000"/>
+                  </a:schemeClr>
+                </a:solidFill>
+                <a:cs typeface="Calibri"/>
+              </a:rPr>
+              <a:t>, return, while, with, etc.</a:t>
+            </a:r>
             <a:endParaRPr lang="es-MX" sz="2000" dirty="0">
               <a:solidFill>
                 <a:schemeClr val="tx1">
@@ -21022,81 +21019,12 @@
               <a:cs typeface="Calibri"/>
             </a:endParaRPr>
           </a:p>
-          <a:p>
-            <a:pPr marL="12700" marR="12700" algn="just"/>
-            <a:r>
-              <a:rPr lang="es-MX" sz="2000" dirty="0">
-                <a:solidFill>
-                  <a:schemeClr val="tx1">
-                    <a:lumMod val="95000"/>
-                    <a:lumOff val="5000"/>
-                  </a:schemeClr>
-                </a:solidFill>
-                <a:cs typeface="Calibri"/>
-              </a:rPr>
-              <a:t>PUERTO = 3307</a:t>
-            </a:r>
-          </a:p>
-          <a:p>
-            <a:pPr marL="12700" marR="12700" algn="just"/>
-            <a:r>
-              <a:rPr lang="es-MX" sz="2000" dirty="0">
-                <a:solidFill>
-                  <a:schemeClr val="tx1">
-                    <a:lumMod val="95000"/>
-                    <a:lumOff val="5000"/>
-                  </a:schemeClr>
-                </a:solidFill>
-                <a:cs typeface="Calibri"/>
-              </a:rPr>
-              <a:t>USUARIO = "</a:t>
-            </a:r>
-            <a:r>
-              <a:rPr lang="es-MX" sz="2000" dirty="0" err="1">
-                <a:solidFill>
-                  <a:schemeClr val="tx1">
-                    <a:lumMod val="95000"/>
-                    <a:lumOff val="5000"/>
-                  </a:schemeClr>
-                </a:solidFill>
-                <a:cs typeface="Calibri"/>
-              </a:rPr>
-              <a:t>root</a:t>
-            </a:r>
-            <a:r>
-              <a:rPr lang="es-MX" sz="2000" dirty="0">
-                <a:solidFill>
-                  <a:schemeClr val="tx1">
-                    <a:lumMod val="95000"/>
-                    <a:lumOff val="5000"/>
-                  </a:schemeClr>
-                </a:solidFill>
-                <a:cs typeface="Calibri"/>
-              </a:rPr>
-              <a:t>"</a:t>
-            </a:r>
-          </a:p>
-          <a:p>
-            <a:pPr marL="12700" marR="12700" algn="just"/>
-            <a:r>
-              <a:rPr lang="es-MX" sz="2000" dirty="0">
-                <a:solidFill>
-                  <a:schemeClr val="tx1">
-                    <a:lumMod val="95000"/>
-                    <a:lumOff val="5000"/>
-                  </a:schemeClr>
-                </a:solidFill>
-                <a:cs typeface="Calibri"/>
-              </a:rPr>
-              <a:t>PASSWORD = "123456"</a:t>
-            </a:r>
-          </a:p>
         </p:txBody>
       </p:sp>
     </p:spTree>
     <p:extLst>
       <p:ext uri="{BB962C8B-B14F-4D97-AF65-F5344CB8AC3E}">
-        <p14:creationId xmlns:p14="http://schemas.microsoft.com/office/powerpoint/2010/main" val="1383226917"/>
+        <p14:creationId xmlns:p14="http://schemas.microsoft.com/office/powerpoint/2010/main" val="478672269"/>
       </p:ext>
     </p:extLst>
   </p:cSld>
@@ -21125,1965 +21053,14 @@
       </p:grpSpPr>
       <p:sp>
         <p:nvSpPr>
-          <p:cNvPr id="2" name="object 2"/>
-          <p:cNvSpPr/>
+          <p:cNvPr id="14" name="object 14"/>
+          <p:cNvSpPr txBox="1"/>
           <p:nvPr/>
         </p:nvSpPr>
         <p:spPr>
           <a:xfrm>
-            <a:off x="0" y="1160525"/>
-            <a:ext cx="940308" cy="896112"/>
-          </a:xfrm>
-          <a:prstGeom prst="rect">
-            <a:avLst/>
-          </a:prstGeom>
-          <a:blipFill>
-            <a:blip r:embed="rId2" cstate="print"/>
-            <a:stretch>
-              <a:fillRect/>
-            </a:stretch>
-          </a:blipFill>
-        </p:spPr>
-        <p:txBody>
-          <a:bodyPr wrap="square" lIns="0" tIns="0" rIns="0" bIns="0" rtlCol="0">
-            <a:noAutofit/>
-          </a:bodyPr>
-          <a:lstStyle/>
-          <a:p>
-            <a:endParaRPr/>
-          </a:p>
-        </p:txBody>
-      </p:sp>
-      <p:sp>
-        <p:nvSpPr>
-          <p:cNvPr id="3" name="object 3"/>
-          <p:cNvSpPr/>
-          <p:nvPr/>
-        </p:nvSpPr>
-        <p:spPr>
-          <a:xfrm>
-            <a:off x="420623" y="2533650"/>
-            <a:ext cx="2065020" cy="1789176"/>
-          </a:xfrm>
-          <a:prstGeom prst="rect">
-            <a:avLst/>
-          </a:prstGeom>
-          <a:blipFill>
-            <a:blip r:embed="rId3" cstate="print"/>
-            <a:stretch>
-              <a:fillRect/>
-            </a:stretch>
-          </a:blipFill>
-        </p:spPr>
-        <p:txBody>
-          <a:bodyPr wrap="square" lIns="0" tIns="0" rIns="0" bIns="0" rtlCol="0">
-            <a:noAutofit/>
-          </a:bodyPr>
-          <a:lstStyle/>
-          <a:p>
-            <a:endParaRPr/>
-          </a:p>
-        </p:txBody>
-      </p:sp>
-      <p:sp>
-        <p:nvSpPr>
-          <p:cNvPr id="4" name="object 4"/>
-          <p:cNvSpPr/>
-          <p:nvPr/>
-        </p:nvSpPr>
-        <p:spPr>
-          <a:xfrm>
-            <a:off x="-4572" y="3987546"/>
-            <a:ext cx="1778508" cy="2048255"/>
-          </a:xfrm>
-          <a:prstGeom prst="rect">
-            <a:avLst/>
-          </a:prstGeom>
-          <a:blipFill>
-            <a:blip r:embed="rId4" cstate="print"/>
-            <a:stretch>
-              <a:fillRect/>
-            </a:stretch>
-          </a:blipFill>
-        </p:spPr>
-        <p:txBody>
-          <a:bodyPr wrap="square" lIns="0" tIns="0" rIns="0" bIns="0" rtlCol="0">
-            <a:noAutofit/>
-          </a:bodyPr>
-          <a:lstStyle/>
-          <a:p>
-            <a:endParaRPr/>
-          </a:p>
-        </p:txBody>
-      </p:sp>
-      <p:sp>
-        <p:nvSpPr>
-          <p:cNvPr id="5" name="object 5"/>
-          <p:cNvSpPr/>
-          <p:nvPr/>
-        </p:nvSpPr>
-        <p:spPr>
-          <a:xfrm>
-            <a:off x="762000" y="1735074"/>
-            <a:ext cx="819912" cy="710184"/>
-          </a:xfrm>
-          <a:custGeom>
-            <a:avLst/>
-            <a:gdLst/>
-            <a:ahLst/>
-            <a:cxnLst/>
-            <a:rect l="l" t="t" r="r" b="b"/>
-            <a:pathLst>
-              <a:path w="819912" h="710184">
-                <a:moveTo>
-                  <a:pt x="0" y="355091"/>
-                </a:moveTo>
-                <a:lnTo>
-                  <a:pt x="203657" y="710184"/>
-                </a:lnTo>
-                <a:lnTo>
-                  <a:pt x="616204" y="710184"/>
-                </a:lnTo>
-                <a:lnTo>
-                  <a:pt x="819912" y="355091"/>
-                </a:lnTo>
-                <a:lnTo>
-                  <a:pt x="616204" y="0"/>
-                </a:lnTo>
-                <a:lnTo>
-                  <a:pt x="203657" y="0"/>
-                </a:lnTo>
-                <a:lnTo>
-                  <a:pt x="0" y="355091"/>
-                </a:lnTo>
-                <a:close/>
-              </a:path>
-            </a:pathLst>
-          </a:custGeom>
-          <a:ln w="76200">
-            <a:solidFill>
-              <a:srgbClr val="174669"/>
-            </a:solidFill>
-          </a:ln>
-        </p:spPr>
-        <p:txBody>
-          <a:bodyPr wrap="square" lIns="0" tIns="0" rIns="0" bIns="0" rtlCol="0">
-            <a:noAutofit/>
-          </a:bodyPr>
-          <a:lstStyle/>
-          <a:p>
-            <a:endParaRPr/>
-          </a:p>
-        </p:txBody>
-      </p:sp>
-      <p:sp>
-        <p:nvSpPr>
-          <p:cNvPr id="6" name="object 6"/>
-          <p:cNvSpPr/>
-          <p:nvPr/>
-        </p:nvSpPr>
-        <p:spPr>
-          <a:xfrm>
-            <a:off x="996721" y="2050541"/>
-            <a:ext cx="82270" cy="184404"/>
-          </a:xfrm>
-          <a:custGeom>
-            <a:avLst/>
-            <a:gdLst/>
-            <a:ahLst/>
-            <a:cxnLst/>
-            <a:rect l="l" t="t" r="r" b="b"/>
-            <a:pathLst>
-              <a:path w="82270" h="184404">
-                <a:moveTo>
-                  <a:pt x="82270" y="0"/>
-                </a:moveTo>
-                <a:lnTo>
-                  <a:pt x="0" y="0"/>
-                </a:lnTo>
-                <a:lnTo>
-                  <a:pt x="0" y="184404"/>
-                </a:lnTo>
-                <a:lnTo>
-                  <a:pt x="82270" y="184404"/>
-                </a:lnTo>
-                <a:lnTo>
-                  <a:pt x="82270" y="50546"/>
-                </a:lnTo>
-                <a:lnTo>
-                  <a:pt x="50571" y="50546"/>
-                </a:lnTo>
-                <a:lnTo>
-                  <a:pt x="47510" y="50037"/>
-                </a:lnTo>
-                <a:lnTo>
-                  <a:pt x="35750" y="35813"/>
-                </a:lnTo>
-                <a:lnTo>
-                  <a:pt x="36283" y="32766"/>
-                </a:lnTo>
-                <a:lnTo>
-                  <a:pt x="50571" y="20955"/>
-                </a:lnTo>
-                <a:lnTo>
-                  <a:pt x="82270" y="20955"/>
-                </a:lnTo>
-                <a:lnTo>
-                  <a:pt x="82270" y="0"/>
-                </a:lnTo>
-                <a:close/>
-              </a:path>
-              <a:path w="82270" h="184404">
-                <a:moveTo>
-                  <a:pt x="82270" y="20955"/>
-                </a:moveTo>
-                <a:lnTo>
-                  <a:pt x="50571" y="20955"/>
-                </a:lnTo>
-                <a:lnTo>
-                  <a:pt x="53644" y="21462"/>
-                </a:lnTo>
-                <a:lnTo>
-                  <a:pt x="58750" y="23495"/>
-                </a:lnTo>
-                <a:lnTo>
-                  <a:pt x="62852" y="27559"/>
-                </a:lnTo>
-                <a:lnTo>
-                  <a:pt x="64376" y="30099"/>
-                </a:lnTo>
-                <a:lnTo>
-                  <a:pt x="64884" y="32766"/>
-                </a:lnTo>
-                <a:lnTo>
-                  <a:pt x="65405" y="35813"/>
-                </a:lnTo>
-                <a:lnTo>
-                  <a:pt x="64884" y="38862"/>
-                </a:lnTo>
-                <a:lnTo>
-                  <a:pt x="50571" y="50546"/>
-                </a:lnTo>
-                <a:lnTo>
-                  <a:pt x="82270" y="50546"/>
-                </a:lnTo>
-                <a:lnTo>
-                  <a:pt x="82270" y="20955"/>
-                </a:lnTo>
-                <a:close/>
-              </a:path>
-            </a:pathLst>
-          </a:custGeom>
-          <a:solidFill>
-            <a:srgbClr val="174669"/>
-          </a:solidFill>
-        </p:spPr>
-        <p:txBody>
-          <a:bodyPr wrap="square" lIns="0" tIns="0" rIns="0" bIns="0" rtlCol="0">
-            <a:noAutofit/>
-          </a:bodyPr>
-          <a:lstStyle/>
-          <a:p>
-            <a:endParaRPr/>
-          </a:p>
-        </p:txBody>
-      </p:sp>
-      <p:sp>
-        <p:nvSpPr>
-          <p:cNvPr id="7" name="object 7"/>
-          <p:cNvSpPr/>
-          <p:nvPr/>
-        </p:nvSpPr>
-        <p:spPr>
-          <a:xfrm>
-            <a:off x="1091209" y="1928622"/>
-            <a:ext cx="256006" cy="324612"/>
-          </a:xfrm>
-          <a:custGeom>
-            <a:avLst/>
-            <a:gdLst/>
-            <a:ahLst/>
-            <a:cxnLst/>
-            <a:rect l="l" t="t" r="r" b="b"/>
-            <a:pathLst>
-              <a:path w="256006" h="324612">
-                <a:moveTo>
-                  <a:pt x="131800" y="0"/>
-                </a:moveTo>
-                <a:lnTo>
-                  <a:pt x="103822" y="30606"/>
-                </a:lnTo>
-                <a:lnTo>
-                  <a:pt x="99758" y="42417"/>
-                </a:lnTo>
-                <a:lnTo>
-                  <a:pt x="80911" y="82168"/>
-                </a:lnTo>
-                <a:lnTo>
-                  <a:pt x="76327" y="86740"/>
-                </a:lnTo>
-                <a:lnTo>
-                  <a:pt x="69202" y="93979"/>
-                </a:lnTo>
-                <a:lnTo>
-                  <a:pt x="52400" y="109727"/>
-                </a:lnTo>
-                <a:lnTo>
-                  <a:pt x="30022" y="130175"/>
-                </a:lnTo>
-                <a:lnTo>
-                  <a:pt x="0" y="130175"/>
-                </a:lnTo>
-                <a:lnTo>
-                  <a:pt x="0" y="280669"/>
-                </a:lnTo>
-                <a:lnTo>
-                  <a:pt x="31546" y="280669"/>
-                </a:lnTo>
-                <a:lnTo>
-                  <a:pt x="41732" y="285876"/>
-                </a:lnTo>
-                <a:lnTo>
-                  <a:pt x="55968" y="291973"/>
-                </a:lnTo>
-                <a:lnTo>
-                  <a:pt x="94665" y="306704"/>
-                </a:lnTo>
-                <a:lnTo>
-                  <a:pt x="138925" y="319024"/>
-                </a:lnTo>
-                <a:lnTo>
-                  <a:pt x="149618" y="321563"/>
-                </a:lnTo>
-                <a:lnTo>
-                  <a:pt x="160312" y="323088"/>
-                </a:lnTo>
-                <a:lnTo>
-                  <a:pt x="169976" y="324103"/>
-                </a:lnTo>
-                <a:lnTo>
-                  <a:pt x="179679" y="324612"/>
-                </a:lnTo>
-                <a:lnTo>
-                  <a:pt x="195935" y="324612"/>
-                </a:lnTo>
-                <a:lnTo>
-                  <a:pt x="232638" y="310768"/>
-                </a:lnTo>
-                <a:lnTo>
-                  <a:pt x="234162" y="296037"/>
-                </a:lnTo>
-                <a:lnTo>
-                  <a:pt x="233654" y="292480"/>
-                </a:lnTo>
-                <a:lnTo>
-                  <a:pt x="232638" y="289432"/>
-                </a:lnTo>
-                <a:lnTo>
-                  <a:pt x="230479" y="286385"/>
-                </a:lnTo>
-                <a:lnTo>
-                  <a:pt x="227558" y="283717"/>
-                </a:lnTo>
-                <a:lnTo>
-                  <a:pt x="230098" y="283337"/>
-                </a:lnTo>
-                <a:lnTo>
-                  <a:pt x="232638" y="282193"/>
-                </a:lnTo>
-                <a:lnTo>
-                  <a:pt x="235178" y="281177"/>
-                </a:lnTo>
-                <a:lnTo>
-                  <a:pt x="237210" y="279145"/>
-                </a:lnTo>
-                <a:lnTo>
-                  <a:pt x="243306" y="250570"/>
-                </a:lnTo>
-                <a:lnTo>
-                  <a:pt x="243306" y="245999"/>
-                </a:lnTo>
-                <a:lnTo>
-                  <a:pt x="242798" y="243458"/>
-                </a:lnTo>
-                <a:lnTo>
-                  <a:pt x="241782" y="241426"/>
-                </a:lnTo>
-                <a:lnTo>
-                  <a:pt x="239242" y="237870"/>
-                </a:lnTo>
-                <a:lnTo>
-                  <a:pt x="236194" y="234823"/>
-                </a:lnTo>
-                <a:lnTo>
-                  <a:pt x="238734" y="234314"/>
-                </a:lnTo>
-                <a:lnTo>
-                  <a:pt x="250418" y="202056"/>
-                </a:lnTo>
-                <a:lnTo>
-                  <a:pt x="250418" y="196976"/>
-                </a:lnTo>
-                <a:lnTo>
-                  <a:pt x="249910" y="194437"/>
-                </a:lnTo>
-                <a:lnTo>
-                  <a:pt x="247878" y="190373"/>
-                </a:lnTo>
-                <a:lnTo>
-                  <a:pt x="244830" y="187325"/>
-                </a:lnTo>
-                <a:lnTo>
-                  <a:pt x="242798" y="185800"/>
-                </a:lnTo>
-                <a:lnTo>
-                  <a:pt x="244830" y="185292"/>
-                </a:lnTo>
-                <a:lnTo>
-                  <a:pt x="256006" y="153162"/>
-                </a:lnTo>
-                <a:lnTo>
-                  <a:pt x="254990" y="147954"/>
-                </a:lnTo>
-                <a:lnTo>
-                  <a:pt x="220319" y="130175"/>
-                </a:lnTo>
-                <a:lnTo>
-                  <a:pt x="131800" y="123062"/>
-                </a:lnTo>
-                <a:lnTo>
-                  <a:pt x="135369" y="116839"/>
-                </a:lnTo>
-                <a:lnTo>
-                  <a:pt x="147574" y="77088"/>
-                </a:lnTo>
-                <a:lnTo>
-                  <a:pt x="152158" y="32130"/>
-                </a:lnTo>
-                <a:lnTo>
-                  <a:pt x="152158" y="16890"/>
-                </a:lnTo>
-                <a:lnTo>
-                  <a:pt x="135890" y="507"/>
-                </a:lnTo>
-                <a:lnTo>
-                  <a:pt x="131800" y="0"/>
-                </a:lnTo>
-                <a:close/>
-              </a:path>
-            </a:pathLst>
-          </a:custGeom>
-          <a:solidFill>
-            <a:srgbClr val="174669"/>
-          </a:solidFill>
-        </p:spPr>
-        <p:txBody>
-          <a:bodyPr wrap="square" lIns="0" tIns="0" rIns="0" bIns="0" rtlCol="0">
-            <a:noAutofit/>
-          </a:bodyPr>
-          <a:lstStyle/>
-          <a:p>
-            <a:endParaRPr/>
-          </a:p>
-        </p:txBody>
-      </p:sp>
-      <p:sp>
-        <p:nvSpPr>
-          <p:cNvPr id="8" name="object 8"/>
-          <p:cNvSpPr/>
-          <p:nvPr/>
-        </p:nvSpPr>
-        <p:spPr>
-          <a:xfrm>
-            <a:off x="373380" y="1752612"/>
-            <a:ext cx="111251" cy="0"/>
-          </a:xfrm>
-          <a:custGeom>
-            <a:avLst/>
-            <a:gdLst/>
-            <a:ahLst/>
-            <a:cxnLst/>
-            <a:rect l="l" t="t" r="r" b="b"/>
-            <a:pathLst>
-              <a:path w="111251">
-                <a:moveTo>
-                  <a:pt x="0" y="0"/>
-                </a:moveTo>
-                <a:lnTo>
-                  <a:pt x="111251" y="0"/>
-                </a:lnTo>
-              </a:path>
-            </a:pathLst>
-          </a:custGeom>
-          <a:ln w="57633">
-            <a:solidFill>
-              <a:srgbClr val="18BAD4"/>
-            </a:solidFill>
-          </a:ln>
-        </p:spPr>
-        <p:txBody>
-          <a:bodyPr wrap="square" lIns="0" tIns="0" rIns="0" bIns="0" rtlCol="0">
-            <a:noAutofit/>
-          </a:bodyPr>
-          <a:lstStyle/>
-          <a:p>
-            <a:endParaRPr/>
-          </a:p>
-        </p:txBody>
-      </p:sp>
-      <p:sp>
-        <p:nvSpPr>
-          <p:cNvPr id="9" name="object 9"/>
-          <p:cNvSpPr/>
-          <p:nvPr/>
-        </p:nvSpPr>
-        <p:spPr>
-          <a:xfrm>
-            <a:off x="379475" y="1774698"/>
-            <a:ext cx="99060" cy="28955"/>
-          </a:xfrm>
-          <a:custGeom>
-            <a:avLst/>
-            <a:gdLst/>
-            <a:ahLst/>
-            <a:cxnLst/>
-            <a:rect l="l" t="t" r="r" b="b"/>
-            <a:pathLst>
-              <a:path w="99059" h="28955">
-                <a:moveTo>
-                  <a:pt x="0" y="0"/>
-                </a:moveTo>
-                <a:lnTo>
-                  <a:pt x="0" y="4190"/>
-                </a:lnTo>
-                <a:lnTo>
-                  <a:pt x="584" y="7747"/>
-                </a:lnTo>
-                <a:lnTo>
-                  <a:pt x="2374" y="11302"/>
-                </a:lnTo>
-                <a:lnTo>
-                  <a:pt x="4724" y="14224"/>
-                </a:lnTo>
-                <a:lnTo>
-                  <a:pt x="8255" y="16001"/>
-                </a:lnTo>
-                <a:lnTo>
-                  <a:pt x="45389" y="28321"/>
-                </a:lnTo>
-                <a:lnTo>
-                  <a:pt x="49530" y="28955"/>
-                </a:lnTo>
-                <a:lnTo>
-                  <a:pt x="53644" y="28321"/>
-                </a:lnTo>
-                <a:lnTo>
-                  <a:pt x="90805" y="16001"/>
-                </a:lnTo>
-                <a:lnTo>
-                  <a:pt x="94335" y="14224"/>
-                </a:lnTo>
-                <a:lnTo>
-                  <a:pt x="96685" y="11302"/>
-                </a:lnTo>
-                <a:lnTo>
-                  <a:pt x="98450" y="7747"/>
-                </a:lnTo>
-                <a:lnTo>
-                  <a:pt x="99060" y="4190"/>
-                </a:lnTo>
-                <a:lnTo>
-                  <a:pt x="99060" y="0"/>
-                </a:lnTo>
-                <a:lnTo>
-                  <a:pt x="0" y="0"/>
-                </a:lnTo>
-                <a:close/>
-              </a:path>
-            </a:pathLst>
-          </a:custGeom>
-          <a:ln w="12192">
-            <a:solidFill>
-              <a:srgbClr val="18BAD4"/>
-            </a:solidFill>
-          </a:ln>
-        </p:spPr>
-        <p:txBody>
-          <a:bodyPr wrap="square" lIns="0" tIns="0" rIns="0" bIns="0" rtlCol="0">
-            <a:noAutofit/>
-          </a:bodyPr>
-          <a:lstStyle/>
-          <a:p>
-            <a:endParaRPr/>
-          </a:p>
-        </p:txBody>
-      </p:sp>
-      <p:sp>
-        <p:nvSpPr>
-          <p:cNvPr id="10" name="object 10"/>
-          <p:cNvSpPr/>
-          <p:nvPr/>
-        </p:nvSpPr>
-        <p:spPr>
-          <a:xfrm>
-            <a:off x="368834" y="1546099"/>
-            <a:ext cx="35001" cy="161543"/>
-          </a:xfrm>
-          <a:custGeom>
-            <a:avLst/>
-            <a:gdLst/>
-            <a:ahLst/>
-            <a:cxnLst/>
-            <a:rect l="l" t="t" r="r" b="b"/>
-            <a:pathLst>
-              <a:path w="35001" h="161543">
-                <a:moveTo>
-                  <a:pt x="35001" y="161543"/>
-                </a:moveTo>
-                <a:lnTo>
-                  <a:pt x="14477" y="68961"/>
-                </a:lnTo>
-                <a:lnTo>
-                  <a:pt x="0" y="0"/>
-                </a:lnTo>
-              </a:path>
-            </a:pathLst>
-          </a:custGeom>
-          <a:ln w="12191">
-            <a:solidFill>
-              <a:srgbClr val="18BAD4"/>
-            </a:solidFill>
-          </a:ln>
-        </p:spPr>
-        <p:txBody>
-          <a:bodyPr wrap="square" lIns="0" tIns="0" rIns="0" bIns="0" rtlCol="0">
-            <a:noAutofit/>
-          </a:bodyPr>
-          <a:lstStyle/>
-          <a:p>
-            <a:endParaRPr/>
-          </a:p>
-        </p:txBody>
-      </p:sp>
-      <p:sp>
-        <p:nvSpPr>
-          <p:cNvPr id="11" name="object 11"/>
-          <p:cNvSpPr/>
-          <p:nvPr/>
-        </p:nvSpPr>
-        <p:spPr>
-          <a:xfrm>
-            <a:off x="304800" y="1410463"/>
-            <a:ext cx="248412" cy="297179"/>
-          </a:xfrm>
-          <a:custGeom>
-            <a:avLst/>
-            <a:gdLst/>
-            <a:ahLst/>
-            <a:cxnLst/>
-            <a:rect l="l" t="t" r="r" b="b"/>
-            <a:pathLst>
-              <a:path w="248412" h="297179">
-                <a:moveTo>
-                  <a:pt x="173659" y="297179"/>
-                </a:moveTo>
-                <a:lnTo>
-                  <a:pt x="176606" y="284225"/>
-                </a:lnTo>
-                <a:lnTo>
-                  <a:pt x="180708" y="271907"/>
-                </a:lnTo>
-                <a:lnTo>
-                  <a:pt x="185432" y="260096"/>
-                </a:lnTo>
-                <a:lnTo>
-                  <a:pt x="190715" y="249427"/>
-                </a:lnTo>
-                <a:lnTo>
-                  <a:pt x="196621" y="239522"/>
-                </a:lnTo>
-                <a:lnTo>
-                  <a:pt x="202488" y="229488"/>
-                </a:lnTo>
-                <a:lnTo>
-                  <a:pt x="215442" y="210692"/>
-                </a:lnTo>
-                <a:lnTo>
-                  <a:pt x="221919" y="201295"/>
-                </a:lnTo>
-                <a:lnTo>
-                  <a:pt x="227799" y="191897"/>
-                </a:lnTo>
-                <a:lnTo>
-                  <a:pt x="245465" y="149478"/>
-                </a:lnTo>
-                <a:lnTo>
-                  <a:pt x="247802" y="130683"/>
-                </a:lnTo>
-                <a:lnTo>
-                  <a:pt x="248412" y="124205"/>
-                </a:lnTo>
-                <a:lnTo>
-                  <a:pt x="247230" y="111251"/>
-                </a:lnTo>
-                <a:lnTo>
-                  <a:pt x="245465" y="98933"/>
-                </a:lnTo>
-                <a:lnTo>
-                  <a:pt x="227215" y="54737"/>
-                </a:lnTo>
-                <a:lnTo>
-                  <a:pt x="193662" y="21209"/>
-                </a:lnTo>
-                <a:lnTo>
-                  <a:pt x="148932" y="2412"/>
-                </a:lnTo>
-                <a:lnTo>
-                  <a:pt x="124206" y="0"/>
-                </a:lnTo>
-                <a:lnTo>
-                  <a:pt x="75946" y="10033"/>
-                </a:lnTo>
-                <a:lnTo>
-                  <a:pt x="36499" y="36449"/>
-                </a:lnTo>
-                <a:lnTo>
-                  <a:pt x="10007" y="75946"/>
-                </a:lnTo>
-                <a:lnTo>
-                  <a:pt x="0" y="124205"/>
-                </a:lnTo>
-                <a:lnTo>
-                  <a:pt x="10007" y="171830"/>
-                </a:lnTo>
-                <a:lnTo>
-                  <a:pt x="32969" y="210692"/>
-                </a:lnTo>
-                <a:lnTo>
-                  <a:pt x="45923" y="229488"/>
-                </a:lnTo>
-                <a:lnTo>
-                  <a:pt x="51790" y="239522"/>
-                </a:lnTo>
-                <a:lnTo>
-                  <a:pt x="57696" y="249427"/>
-                </a:lnTo>
-                <a:lnTo>
-                  <a:pt x="62979" y="260096"/>
-                </a:lnTo>
-                <a:lnTo>
-                  <a:pt x="67703" y="271907"/>
-                </a:lnTo>
-                <a:lnTo>
-                  <a:pt x="71805" y="284225"/>
-                </a:lnTo>
-                <a:lnTo>
-                  <a:pt x="74752" y="297179"/>
-                </a:lnTo>
-              </a:path>
-            </a:pathLst>
-          </a:custGeom>
-          <a:ln w="12192">
-            <a:solidFill>
-              <a:srgbClr val="18BAD4"/>
-            </a:solidFill>
-          </a:ln>
-        </p:spPr>
-        <p:txBody>
-          <a:bodyPr wrap="square" lIns="0" tIns="0" rIns="0" bIns="0" rtlCol="0">
-            <a:noAutofit/>
-          </a:bodyPr>
-          <a:lstStyle/>
-          <a:p>
-            <a:endParaRPr/>
-          </a:p>
-        </p:txBody>
-      </p:sp>
-      <p:sp>
-        <p:nvSpPr>
-          <p:cNvPr id="12" name="object 12"/>
-          <p:cNvSpPr/>
-          <p:nvPr/>
-        </p:nvSpPr>
-        <p:spPr>
-          <a:xfrm>
-            <a:off x="454178" y="1546099"/>
-            <a:ext cx="35001" cy="161543"/>
-          </a:xfrm>
-          <a:custGeom>
-            <a:avLst/>
-            <a:gdLst/>
-            <a:ahLst/>
-            <a:cxnLst/>
-            <a:rect l="l" t="t" r="r" b="b"/>
-            <a:pathLst>
-              <a:path w="35001" h="161543">
-                <a:moveTo>
-                  <a:pt x="35001" y="0"/>
-                </a:moveTo>
-                <a:lnTo>
-                  <a:pt x="20523" y="68961"/>
-                </a:lnTo>
-                <a:lnTo>
-                  <a:pt x="0" y="161543"/>
-                </a:lnTo>
-              </a:path>
-            </a:pathLst>
-          </a:custGeom>
-          <a:ln w="12191">
-            <a:solidFill>
-              <a:srgbClr val="18BAD4"/>
-            </a:solidFill>
-          </a:ln>
-        </p:spPr>
-        <p:txBody>
-          <a:bodyPr wrap="square" lIns="0" tIns="0" rIns="0" bIns="0" rtlCol="0">
-            <a:noAutofit/>
-          </a:bodyPr>
-          <a:lstStyle/>
-          <a:p>
-            <a:endParaRPr/>
-          </a:p>
-        </p:txBody>
-      </p:sp>
-      <p:sp>
-        <p:nvSpPr>
-          <p:cNvPr id="13" name="object 13"/>
-          <p:cNvSpPr/>
-          <p:nvPr/>
-        </p:nvSpPr>
-        <p:spPr>
-          <a:xfrm>
-            <a:off x="385598" y="1540001"/>
-            <a:ext cx="86817" cy="19812"/>
-          </a:xfrm>
-          <a:custGeom>
-            <a:avLst/>
-            <a:gdLst/>
-            <a:ahLst/>
-            <a:cxnLst/>
-            <a:rect l="l" t="t" r="r" b="b"/>
-            <a:pathLst>
-              <a:path w="86817" h="19812">
-                <a:moveTo>
-                  <a:pt x="0" y="1905"/>
-                </a:moveTo>
-                <a:lnTo>
-                  <a:pt x="19939" y="19812"/>
-                </a:lnTo>
-                <a:lnTo>
-                  <a:pt x="39890" y="1905"/>
-                </a:lnTo>
-                <a:lnTo>
-                  <a:pt x="41656" y="635"/>
-                </a:lnTo>
-                <a:lnTo>
-                  <a:pt x="43408" y="0"/>
-                </a:lnTo>
-                <a:lnTo>
-                  <a:pt x="45161" y="635"/>
-                </a:lnTo>
-                <a:lnTo>
-                  <a:pt x="46926" y="1905"/>
-                </a:lnTo>
-                <a:lnTo>
-                  <a:pt x="66878" y="19812"/>
-                </a:lnTo>
-                <a:lnTo>
-                  <a:pt x="86817" y="1905"/>
-                </a:lnTo>
-              </a:path>
-            </a:pathLst>
-          </a:custGeom>
-          <a:ln w="12192">
-            <a:solidFill>
-              <a:srgbClr val="18BAD4"/>
-            </a:solidFill>
-          </a:ln>
-        </p:spPr>
-        <p:txBody>
-          <a:bodyPr wrap="square" lIns="0" tIns="0" rIns="0" bIns="0" rtlCol="0">
-            <a:noAutofit/>
-          </a:bodyPr>
-          <a:lstStyle/>
-          <a:p>
-            <a:endParaRPr/>
-          </a:p>
-        </p:txBody>
-      </p:sp>
-      <p:sp>
-        <p:nvSpPr>
-          <p:cNvPr id="14" name="object 14"/>
-          <p:cNvSpPr/>
-          <p:nvPr/>
-        </p:nvSpPr>
-        <p:spPr>
-          <a:xfrm>
-            <a:off x="379475" y="1710689"/>
-            <a:ext cx="99060" cy="0"/>
-          </a:xfrm>
-          <a:custGeom>
-            <a:avLst/>
-            <a:gdLst/>
-            <a:ahLst/>
-            <a:cxnLst/>
-            <a:rect l="l" t="t" r="r" b="b"/>
-            <a:pathLst>
-              <a:path w="99059">
-                <a:moveTo>
-                  <a:pt x="0" y="0"/>
-                </a:moveTo>
-                <a:lnTo>
-                  <a:pt x="99060" y="0"/>
-                </a:lnTo>
-              </a:path>
-            </a:pathLst>
-          </a:custGeom>
-          <a:ln w="12192">
-            <a:solidFill>
-              <a:srgbClr val="18BAD4"/>
-            </a:solidFill>
-          </a:ln>
-        </p:spPr>
-        <p:txBody>
-          <a:bodyPr wrap="square" lIns="0" tIns="0" rIns="0" bIns="0" rtlCol="0">
-            <a:noAutofit/>
-          </a:bodyPr>
-          <a:lstStyle/>
-          <a:p>
-            <a:endParaRPr/>
-          </a:p>
-        </p:txBody>
-      </p:sp>
-      <p:sp>
-        <p:nvSpPr>
-          <p:cNvPr id="15" name="object 15"/>
-          <p:cNvSpPr/>
-          <p:nvPr/>
-        </p:nvSpPr>
-        <p:spPr>
-          <a:xfrm>
-            <a:off x="739140" y="957835"/>
-            <a:ext cx="428244" cy="371855"/>
-          </a:xfrm>
-          <a:custGeom>
-            <a:avLst/>
-            <a:gdLst/>
-            <a:ahLst/>
-            <a:cxnLst/>
-            <a:rect l="l" t="t" r="r" b="b"/>
-            <a:pathLst>
-              <a:path w="428244" h="371855">
-                <a:moveTo>
-                  <a:pt x="321602" y="0"/>
-                </a:moveTo>
-                <a:lnTo>
-                  <a:pt x="106641" y="0"/>
-                </a:lnTo>
-                <a:lnTo>
-                  <a:pt x="0" y="185927"/>
-                </a:lnTo>
-                <a:lnTo>
-                  <a:pt x="106641" y="371855"/>
-                </a:lnTo>
-                <a:lnTo>
-                  <a:pt x="321602" y="371855"/>
-                </a:lnTo>
-                <a:lnTo>
-                  <a:pt x="428244" y="185927"/>
-                </a:lnTo>
-                <a:lnTo>
-                  <a:pt x="321602" y="0"/>
-                </a:lnTo>
-                <a:close/>
-              </a:path>
-            </a:pathLst>
-          </a:custGeom>
-          <a:solidFill>
-            <a:srgbClr val="3192E0"/>
-          </a:solidFill>
-        </p:spPr>
-        <p:txBody>
-          <a:bodyPr wrap="square" lIns="0" tIns="0" rIns="0" bIns="0" rtlCol="0">
-            <a:noAutofit/>
-          </a:bodyPr>
-          <a:lstStyle/>
-          <a:p>
-            <a:endParaRPr/>
-          </a:p>
-        </p:txBody>
-      </p:sp>
-      <p:sp>
-        <p:nvSpPr>
-          <p:cNvPr id="16" name="object 16"/>
-          <p:cNvSpPr/>
-          <p:nvPr/>
-        </p:nvSpPr>
-        <p:spPr>
-          <a:xfrm>
-            <a:off x="421386" y="857251"/>
-            <a:ext cx="358140" cy="246125"/>
-          </a:xfrm>
-          <a:custGeom>
-            <a:avLst/>
-            <a:gdLst/>
-            <a:ahLst/>
-            <a:cxnLst/>
-            <a:rect l="l" t="t" r="r" b="b"/>
-            <a:pathLst>
-              <a:path w="358140" h="246125">
-                <a:moveTo>
-                  <a:pt x="0" y="90677"/>
-                </a:moveTo>
-                <a:lnTo>
-                  <a:pt x="89154" y="246125"/>
-                </a:lnTo>
-                <a:lnTo>
-                  <a:pt x="268986" y="246125"/>
-                </a:lnTo>
-                <a:lnTo>
-                  <a:pt x="358140" y="90677"/>
-                </a:lnTo>
-                <a:lnTo>
-                  <a:pt x="306133" y="0"/>
-                </a:lnTo>
-              </a:path>
-            </a:pathLst>
-          </a:custGeom>
-          <a:ln w="19812">
-            <a:solidFill>
-              <a:srgbClr val="00E0C5"/>
-            </a:solidFill>
-          </a:ln>
-        </p:spPr>
-        <p:txBody>
-          <a:bodyPr wrap="square" lIns="0" tIns="0" rIns="0" bIns="0" rtlCol="0">
-            <a:noAutofit/>
-          </a:bodyPr>
-          <a:lstStyle/>
-          <a:p>
-            <a:endParaRPr/>
-          </a:p>
-        </p:txBody>
-      </p:sp>
-      <p:sp>
-        <p:nvSpPr>
-          <p:cNvPr id="17" name="object 17"/>
-          <p:cNvSpPr/>
-          <p:nvPr/>
-        </p:nvSpPr>
-        <p:spPr>
-          <a:xfrm>
-            <a:off x="421386" y="857251"/>
-            <a:ext cx="52006" cy="90677"/>
-          </a:xfrm>
-          <a:custGeom>
-            <a:avLst/>
-            <a:gdLst/>
-            <a:ahLst/>
-            <a:cxnLst/>
-            <a:rect l="l" t="t" r="r" b="b"/>
-            <a:pathLst>
-              <a:path w="52006" h="90677">
-                <a:moveTo>
-                  <a:pt x="52006" y="0"/>
-                </a:moveTo>
-                <a:lnTo>
-                  <a:pt x="0" y="90677"/>
-                </a:lnTo>
-              </a:path>
-            </a:pathLst>
-          </a:custGeom>
-          <a:ln w="19812">
-            <a:solidFill>
-              <a:srgbClr val="00E0C5"/>
-            </a:solidFill>
-          </a:ln>
-        </p:spPr>
-        <p:txBody>
-          <a:bodyPr wrap="square" lIns="0" tIns="0" rIns="0" bIns="0" rtlCol="0">
-            <a:noAutofit/>
-          </a:bodyPr>
-          <a:lstStyle/>
-          <a:p>
-            <a:endParaRPr/>
-          </a:p>
-        </p:txBody>
-      </p:sp>
-      <p:sp>
-        <p:nvSpPr>
-          <p:cNvPr id="18" name="object 18"/>
-          <p:cNvSpPr/>
-          <p:nvPr/>
-        </p:nvSpPr>
-        <p:spPr>
-          <a:xfrm>
-            <a:off x="336804" y="2309623"/>
-            <a:ext cx="185902" cy="207263"/>
-          </a:xfrm>
-          <a:custGeom>
-            <a:avLst/>
-            <a:gdLst/>
-            <a:ahLst/>
-            <a:cxnLst/>
-            <a:rect l="l" t="t" r="r" b="b"/>
-            <a:pathLst>
-              <a:path w="185902" h="207263">
-                <a:moveTo>
-                  <a:pt x="133807" y="0"/>
-                </a:moveTo>
-                <a:lnTo>
-                  <a:pt x="128866" y="762"/>
-                </a:lnTo>
-                <a:lnTo>
-                  <a:pt x="123939" y="1397"/>
-                </a:lnTo>
-                <a:lnTo>
-                  <a:pt x="119011" y="2793"/>
-                </a:lnTo>
-                <a:lnTo>
-                  <a:pt x="88734" y="27686"/>
-                </a:lnTo>
-                <a:lnTo>
-                  <a:pt x="82397" y="52577"/>
-                </a:lnTo>
-                <a:lnTo>
-                  <a:pt x="83083" y="60325"/>
-                </a:lnTo>
-                <a:lnTo>
-                  <a:pt x="85216" y="68199"/>
-                </a:lnTo>
-                <a:lnTo>
-                  <a:pt x="88023" y="75183"/>
-                </a:lnTo>
-                <a:lnTo>
-                  <a:pt x="91541" y="81661"/>
-                </a:lnTo>
-                <a:lnTo>
-                  <a:pt x="0" y="190245"/>
-                </a:lnTo>
-                <a:lnTo>
-                  <a:pt x="10579" y="197992"/>
-                </a:lnTo>
-                <a:lnTo>
-                  <a:pt x="20446" y="207263"/>
-                </a:lnTo>
-                <a:lnTo>
-                  <a:pt x="111975" y="99313"/>
-                </a:lnTo>
-                <a:lnTo>
-                  <a:pt x="155713" y="99313"/>
-                </a:lnTo>
-                <a:lnTo>
-                  <a:pt x="158457" y="97916"/>
-                </a:lnTo>
-                <a:lnTo>
-                  <a:pt x="184480" y="62483"/>
-                </a:lnTo>
-                <a:lnTo>
-                  <a:pt x="185902" y="52577"/>
-                </a:lnTo>
-                <a:lnTo>
-                  <a:pt x="185204" y="46862"/>
-                </a:lnTo>
-                <a:lnTo>
-                  <a:pt x="184480" y="41910"/>
-                </a:lnTo>
-                <a:lnTo>
-                  <a:pt x="183070" y="36956"/>
-                </a:lnTo>
-                <a:lnTo>
-                  <a:pt x="181686" y="31876"/>
-                </a:lnTo>
-                <a:lnTo>
-                  <a:pt x="162661" y="9270"/>
-                </a:lnTo>
-                <a:lnTo>
-                  <a:pt x="158457" y="6350"/>
-                </a:lnTo>
-                <a:lnTo>
-                  <a:pt x="154216" y="4317"/>
-                </a:lnTo>
-                <a:lnTo>
-                  <a:pt x="149288" y="2793"/>
-                </a:lnTo>
-                <a:lnTo>
-                  <a:pt x="144348" y="1397"/>
-                </a:lnTo>
-                <a:lnTo>
-                  <a:pt x="133807" y="0"/>
-                </a:lnTo>
-                <a:close/>
-              </a:path>
-              <a:path w="185902" h="207263">
-                <a:moveTo>
-                  <a:pt x="155713" y="99313"/>
-                </a:moveTo>
-                <a:lnTo>
-                  <a:pt x="111975" y="99313"/>
-                </a:lnTo>
-                <a:lnTo>
-                  <a:pt x="116903" y="101473"/>
-                </a:lnTo>
-                <a:lnTo>
-                  <a:pt x="122529" y="102997"/>
-                </a:lnTo>
-                <a:lnTo>
-                  <a:pt x="133807" y="104266"/>
-                </a:lnTo>
-                <a:lnTo>
-                  <a:pt x="139420" y="103631"/>
-                </a:lnTo>
-                <a:lnTo>
-                  <a:pt x="144348" y="102997"/>
-                </a:lnTo>
-                <a:lnTo>
-                  <a:pt x="149288" y="102235"/>
-                </a:lnTo>
-                <a:lnTo>
-                  <a:pt x="154216" y="100075"/>
-                </a:lnTo>
-                <a:lnTo>
-                  <a:pt x="155713" y="99313"/>
-                </a:lnTo>
-                <a:close/>
-              </a:path>
-            </a:pathLst>
-          </a:custGeom>
-          <a:solidFill>
-            <a:srgbClr val="174669"/>
-          </a:solidFill>
-        </p:spPr>
-        <p:txBody>
-          <a:bodyPr wrap="square" lIns="0" tIns="0" rIns="0" bIns="0" rtlCol="0">
-            <a:noAutofit/>
-          </a:bodyPr>
-          <a:lstStyle/>
-          <a:p>
-            <a:endParaRPr/>
-          </a:p>
-        </p:txBody>
-      </p:sp>
-      <p:sp>
-        <p:nvSpPr>
-          <p:cNvPr id="19" name="object 19"/>
-          <p:cNvSpPr/>
-          <p:nvPr/>
-        </p:nvSpPr>
-        <p:spPr>
-          <a:xfrm>
-            <a:off x="53339" y="2340102"/>
-            <a:ext cx="149326" cy="172212"/>
-          </a:xfrm>
-          <a:custGeom>
-            <a:avLst/>
-            <a:gdLst/>
-            <a:ahLst/>
-            <a:cxnLst/>
-            <a:rect l="l" t="t" r="r" b="b"/>
-            <a:pathLst>
-              <a:path w="149326" h="172212">
-                <a:moveTo>
-                  <a:pt x="106254" y="99949"/>
-                </a:moveTo>
-                <a:lnTo>
-                  <a:pt x="71822" y="99949"/>
-                </a:lnTo>
-                <a:lnTo>
-                  <a:pt x="127977" y="172212"/>
-                </a:lnTo>
-                <a:lnTo>
-                  <a:pt x="137934" y="163702"/>
-                </a:lnTo>
-                <a:lnTo>
-                  <a:pt x="149326" y="155956"/>
-                </a:lnTo>
-                <a:lnTo>
-                  <a:pt x="106254" y="99949"/>
-                </a:lnTo>
-                <a:close/>
-              </a:path>
-              <a:path w="149326" h="172212">
-                <a:moveTo>
-                  <a:pt x="56188" y="0"/>
-                </a:moveTo>
-                <a:lnTo>
-                  <a:pt x="45504" y="0"/>
-                </a:lnTo>
-                <a:lnTo>
-                  <a:pt x="40525" y="762"/>
-                </a:lnTo>
-                <a:lnTo>
-                  <a:pt x="35547" y="2159"/>
-                </a:lnTo>
-                <a:lnTo>
-                  <a:pt x="31296" y="4318"/>
-                </a:lnTo>
-                <a:lnTo>
-                  <a:pt x="26318" y="6350"/>
-                </a:lnTo>
-                <a:lnTo>
-                  <a:pt x="2153" y="36830"/>
-                </a:lnTo>
-                <a:lnTo>
-                  <a:pt x="0" y="47498"/>
-                </a:lnTo>
-                <a:lnTo>
-                  <a:pt x="0" y="58165"/>
-                </a:lnTo>
-                <a:lnTo>
-                  <a:pt x="727" y="63119"/>
-                </a:lnTo>
-                <a:lnTo>
-                  <a:pt x="2153" y="68072"/>
-                </a:lnTo>
-                <a:lnTo>
-                  <a:pt x="4279" y="72262"/>
-                </a:lnTo>
-                <a:lnTo>
-                  <a:pt x="6404" y="77215"/>
-                </a:lnTo>
-                <a:lnTo>
-                  <a:pt x="9258" y="80772"/>
-                </a:lnTo>
-                <a:lnTo>
-                  <a:pt x="12081" y="85089"/>
-                </a:lnTo>
-                <a:lnTo>
-                  <a:pt x="15662" y="88519"/>
-                </a:lnTo>
-                <a:lnTo>
-                  <a:pt x="49783" y="103505"/>
-                </a:lnTo>
-                <a:lnTo>
-                  <a:pt x="57616" y="103505"/>
-                </a:lnTo>
-                <a:lnTo>
-                  <a:pt x="64719" y="101981"/>
-                </a:lnTo>
-                <a:lnTo>
-                  <a:pt x="71822" y="99949"/>
-                </a:lnTo>
-                <a:lnTo>
-                  <a:pt x="106254" y="99949"/>
-                </a:lnTo>
-                <a:lnTo>
-                  <a:pt x="93167" y="82931"/>
-                </a:lnTo>
-                <a:lnTo>
-                  <a:pt x="96710" y="77977"/>
-                </a:lnTo>
-                <a:lnTo>
-                  <a:pt x="99542" y="73025"/>
-                </a:lnTo>
-                <a:lnTo>
-                  <a:pt x="101688" y="67310"/>
-                </a:lnTo>
-                <a:lnTo>
-                  <a:pt x="103124" y="60960"/>
-                </a:lnTo>
-                <a:lnTo>
-                  <a:pt x="103822" y="56007"/>
-                </a:lnTo>
-                <a:lnTo>
-                  <a:pt x="103822" y="45338"/>
-                </a:lnTo>
-                <a:lnTo>
-                  <a:pt x="84632" y="11302"/>
-                </a:lnTo>
-                <a:lnTo>
-                  <a:pt x="61167" y="762"/>
-                </a:lnTo>
-                <a:lnTo>
-                  <a:pt x="56188" y="0"/>
-                </a:lnTo>
-                <a:close/>
-              </a:path>
-            </a:pathLst>
-          </a:custGeom>
-          <a:solidFill>
-            <a:srgbClr val="174669"/>
-          </a:solidFill>
-        </p:spPr>
-        <p:txBody>
-          <a:bodyPr wrap="square" lIns="0" tIns="0" rIns="0" bIns="0" rtlCol="0">
-            <a:noAutofit/>
-          </a:bodyPr>
-          <a:lstStyle/>
-          <a:p>
-            <a:endParaRPr/>
-          </a:p>
-        </p:txBody>
-      </p:sp>
-      <p:sp>
-        <p:nvSpPr>
-          <p:cNvPr id="20" name="object 20"/>
-          <p:cNvSpPr/>
-          <p:nvPr/>
-        </p:nvSpPr>
-        <p:spPr>
-          <a:xfrm>
-            <a:off x="0" y="2637283"/>
-            <a:ext cx="158496" cy="126491"/>
-          </a:xfrm>
-          <a:custGeom>
-            <a:avLst/>
-            <a:gdLst/>
-            <a:ahLst/>
-            <a:cxnLst/>
-            <a:rect l="l" t="t" r="r" b="b"/>
-            <a:pathLst>
-              <a:path w="158496" h="126491">
-                <a:moveTo>
-                  <a:pt x="3491" y="22605"/>
-                </a:moveTo>
-                <a:lnTo>
-                  <a:pt x="0" y="23142"/>
-                </a:lnTo>
-                <a:lnTo>
-                  <a:pt x="0" y="126491"/>
-                </a:lnTo>
-                <a:lnTo>
-                  <a:pt x="4911" y="126491"/>
-                </a:lnTo>
-                <a:lnTo>
-                  <a:pt x="9866" y="125729"/>
-                </a:lnTo>
-                <a:lnTo>
-                  <a:pt x="19777" y="122935"/>
-                </a:lnTo>
-                <a:lnTo>
-                  <a:pt x="24037" y="121538"/>
-                </a:lnTo>
-                <a:lnTo>
-                  <a:pt x="28267" y="118744"/>
-                </a:lnTo>
-                <a:lnTo>
-                  <a:pt x="32527" y="115823"/>
-                </a:lnTo>
-                <a:lnTo>
-                  <a:pt x="36758" y="113029"/>
-                </a:lnTo>
-                <a:lnTo>
-                  <a:pt x="53740" y="76326"/>
-                </a:lnTo>
-                <a:lnTo>
-                  <a:pt x="53044" y="67817"/>
-                </a:lnTo>
-                <a:lnTo>
-                  <a:pt x="113391" y="43179"/>
-                </a:lnTo>
-                <a:lnTo>
-                  <a:pt x="43134" y="43179"/>
-                </a:lnTo>
-                <a:lnTo>
-                  <a:pt x="32527" y="32512"/>
-                </a:lnTo>
-                <a:lnTo>
-                  <a:pt x="27572" y="29717"/>
-                </a:lnTo>
-                <a:lnTo>
-                  <a:pt x="23312" y="27558"/>
-                </a:lnTo>
-                <a:lnTo>
-                  <a:pt x="18357" y="25400"/>
-                </a:lnTo>
-                <a:lnTo>
-                  <a:pt x="13402" y="24002"/>
-                </a:lnTo>
-                <a:lnTo>
-                  <a:pt x="8446" y="23367"/>
-                </a:lnTo>
-                <a:lnTo>
-                  <a:pt x="3491" y="22605"/>
-                </a:lnTo>
-                <a:close/>
-              </a:path>
-              <a:path w="158496" h="126491">
-                <a:moveTo>
-                  <a:pt x="147891" y="0"/>
-                </a:moveTo>
-                <a:lnTo>
-                  <a:pt x="43134" y="43179"/>
-                </a:lnTo>
-                <a:lnTo>
-                  <a:pt x="113391" y="43179"/>
-                </a:lnTo>
-                <a:lnTo>
-                  <a:pt x="158496" y="24764"/>
-                </a:lnTo>
-                <a:lnTo>
-                  <a:pt x="152120" y="12700"/>
-                </a:lnTo>
-                <a:lnTo>
-                  <a:pt x="147891" y="0"/>
-                </a:lnTo>
-                <a:close/>
-              </a:path>
-            </a:pathLst>
-          </a:custGeom>
-          <a:solidFill>
-            <a:srgbClr val="174669"/>
-          </a:solidFill>
-        </p:spPr>
-        <p:txBody>
-          <a:bodyPr wrap="square" lIns="0" tIns="0" rIns="0" bIns="0" rtlCol="0">
-            <a:noAutofit/>
-          </a:bodyPr>
-          <a:lstStyle/>
-          <a:p>
-            <a:endParaRPr/>
-          </a:p>
-        </p:txBody>
-      </p:sp>
-      <p:sp>
-        <p:nvSpPr>
-          <p:cNvPr id="21" name="object 21"/>
-          <p:cNvSpPr/>
-          <p:nvPr/>
-        </p:nvSpPr>
-        <p:spPr>
-          <a:xfrm>
-            <a:off x="204241" y="2724151"/>
-            <a:ext cx="103606" cy="185927"/>
-          </a:xfrm>
-          <a:custGeom>
-            <a:avLst/>
-            <a:gdLst/>
-            <a:ahLst/>
-            <a:cxnLst/>
-            <a:rect l="l" t="t" r="r" b="b"/>
-            <a:pathLst>
-              <a:path w="103606" h="185927">
-                <a:moveTo>
-                  <a:pt x="43294" y="0"/>
-                </a:moveTo>
-                <a:lnTo>
-                  <a:pt x="40449" y="83057"/>
-                </a:lnTo>
-                <a:lnTo>
-                  <a:pt x="34785" y="84455"/>
-                </a:lnTo>
-                <a:lnTo>
-                  <a:pt x="29082" y="87249"/>
-                </a:lnTo>
-                <a:lnTo>
-                  <a:pt x="23418" y="90169"/>
-                </a:lnTo>
-                <a:lnTo>
-                  <a:pt x="18453" y="93725"/>
-                </a:lnTo>
-                <a:lnTo>
-                  <a:pt x="14185" y="97281"/>
-                </a:lnTo>
-                <a:lnTo>
-                  <a:pt x="11366" y="101473"/>
-                </a:lnTo>
-                <a:lnTo>
-                  <a:pt x="7785" y="105791"/>
-                </a:lnTo>
-                <a:lnTo>
-                  <a:pt x="0" y="139064"/>
-                </a:lnTo>
-                <a:lnTo>
-                  <a:pt x="698" y="144018"/>
-                </a:lnTo>
-                <a:lnTo>
-                  <a:pt x="12064" y="166750"/>
-                </a:lnTo>
-                <a:lnTo>
-                  <a:pt x="15608" y="171069"/>
-                </a:lnTo>
-                <a:lnTo>
-                  <a:pt x="19151" y="174625"/>
-                </a:lnTo>
-                <a:lnTo>
-                  <a:pt x="23418" y="177419"/>
-                </a:lnTo>
-                <a:lnTo>
-                  <a:pt x="27660" y="179577"/>
-                </a:lnTo>
-                <a:lnTo>
-                  <a:pt x="32626" y="181610"/>
-                </a:lnTo>
-                <a:lnTo>
-                  <a:pt x="36906" y="183769"/>
-                </a:lnTo>
-                <a:lnTo>
-                  <a:pt x="46837" y="185293"/>
-                </a:lnTo>
-                <a:lnTo>
-                  <a:pt x="51803" y="185927"/>
-                </a:lnTo>
-                <a:lnTo>
-                  <a:pt x="56768" y="185293"/>
-                </a:lnTo>
-                <a:lnTo>
-                  <a:pt x="92252" y="166116"/>
-                </a:lnTo>
-                <a:lnTo>
-                  <a:pt x="95059" y="161798"/>
-                </a:lnTo>
-                <a:lnTo>
-                  <a:pt x="97917" y="157480"/>
-                </a:lnTo>
-                <a:lnTo>
-                  <a:pt x="100037" y="153288"/>
-                </a:lnTo>
-                <a:lnTo>
-                  <a:pt x="102882" y="143382"/>
-                </a:lnTo>
-                <a:lnTo>
-                  <a:pt x="103513" y="139064"/>
-                </a:lnTo>
-                <a:lnTo>
-                  <a:pt x="103606" y="128397"/>
-                </a:lnTo>
-                <a:lnTo>
-                  <a:pt x="102882" y="123443"/>
-                </a:lnTo>
-                <a:lnTo>
-                  <a:pt x="80187" y="90169"/>
-                </a:lnTo>
-                <a:lnTo>
-                  <a:pt x="67411" y="84455"/>
-                </a:lnTo>
-                <a:lnTo>
-                  <a:pt x="70234" y="1397"/>
-                </a:lnTo>
-                <a:lnTo>
-                  <a:pt x="61747" y="1397"/>
-                </a:lnTo>
-                <a:lnTo>
-                  <a:pt x="52501" y="762"/>
-                </a:lnTo>
-                <a:lnTo>
-                  <a:pt x="43294" y="0"/>
-                </a:lnTo>
-                <a:close/>
-              </a:path>
-              <a:path w="103606" h="185927">
-                <a:moveTo>
-                  <a:pt x="70256" y="762"/>
-                </a:moveTo>
-                <a:lnTo>
-                  <a:pt x="61747" y="1397"/>
-                </a:lnTo>
-                <a:lnTo>
-                  <a:pt x="70234" y="1397"/>
-                </a:lnTo>
-                <a:lnTo>
-                  <a:pt x="70256" y="762"/>
-                </a:lnTo>
-                <a:close/>
-              </a:path>
-            </a:pathLst>
-          </a:custGeom>
-          <a:solidFill>
-            <a:srgbClr val="174669"/>
-          </a:solidFill>
-        </p:spPr>
-        <p:txBody>
-          <a:bodyPr wrap="square" lIns="0" tIns="0" rIns="0" bIns="0" rtlCol="0">
-            <a:noAutofit/>
-          </a:bodyPr>
-          <a:lstStyle/>
-          <a:p>
-            <a:endParaRPr/>
-          </a:p>
-        </p:txBody>
-      </p:sp>
-      <p:sp>
-        <p:nvSpPr>
-          <p:cNvPr id="22" name="object 22"/>
-          <p:cNvSpPr/>
-          <p:nvPr/>
-        </p:nvSpPr>
-        <p:spPr>
-          <a:xfrm>
-            <a:off x="387122" y="2582417"/>
-            <a:ext cx="187401" cy="103632"/>
-          </a:xfrm>
-          <a:custGeom>
-            <a:avLst/>
-            <a:gdLst/>
-            <a:ahLst/>
-            <a:cxnLst/>
-            <a:rect l="l" t="t" r="r" b="b"/>
-            <a:pathLst>
-              <a:path w="187401" h="103632">
-                <a:moveTo>
-                  <a:pt x="2844" y="21844"/>
-                </a:moveTo>
-                <a:lnTo>
-                  <a:pt x="2120" y="35179"/>
-                </a:lnTo>
-                <a:lnTo>
-                  <a:pt x="0" y="47879"/>
-                </a:lnTo>
-                <a:lnTo>
-                  <a:pt x="84150" y="58547"/>
-                </a:lnTo>
-                <a:lnTo>
-                  <a:pt x="84874" y="64135"/>
-                </a:lnTo>
-                <a:lnTo>
-                  <a:pt x="86982" y="69723"/>
-                </a:lnTo>
-                <a:lnTo>
-                  <a:pt x="89090" y="74041"/>
-                </a:lnTo>
-                <a:lnTo>
-                  <a:pt x="91236" y="78994"/>
-                </a:lnTo>
-                <a:lnTo>
-                  <a:pt x="94043" y="83185"/>
-                </a:lnTo>
-                <a:lnTo>
-                  <a:pt x="97586" y="86741"/>
-                </a:lnTo>
-                <a:lnTo>
-                  <a:pt x="101117" y="90170"/>
-                </a:lnTo>
-                <a:lnTo>
-                  <a:pt x="104673" y="93726"/>
-                </a:lnTo>
-                <a:lnTo>
-                  <a:pt x="128015" y="102870"/>
-                </a:lnTo>
-                <a:lnTo>
-                  <a:pt x="132930" y="103632"/>
-                </a:lnTo>
-                <a:lnTo>
-                  <a:pt x="137883" y="103632"/>
-                </a:lnTo>
-                <a:lnTo>
-                  <a:pt x="142836" y="102870"/>
-                </a:lnTo>
-                <a:lnTo>
-                  <a:pt x="147789" y="102235"/>
-                </a:lnTo>
-                <a:lnTo>
-                  <a:pt x="152742" y="100076"/>
-                </a:lnTo>
-                <a:lnTo>
-                  <a:pt x="157695" y="98679"/>
-                </a:lnTo>
-                <a:lnTo>
-                  <a:pt x="162636" y="95885"/>
-                </a:lnTo>
-                <a:lnTo>
-                  <a:pt x="166903" y="93091"/>
-                </a:lnTo>
-                <a:lnTo>
-                  <a:pt x="177495" y="82423"/>
-                </a:lnTo>
-                <a:lnTo>
-                  <a:pt x="179603" y="78232"/>
-                </a:lnTo>
-                <a:lnTo>
-                  <a:pt x="182448" y="74041"/>
-                </a:lnTo>
-                <a:lnTo>
-                  <a:pt x="185280" y="64135"/>
-                </a:lnTo>
-                <a:lnTo>
-                  <a:pt x="186702" y="59944"/>
-                </a:lnTo>
-                <a:lnTo>
-                  <a:pt x="187401" y="54229"/>
-                </a:lnTo>
-                <a:lnTo>
-                  <a:pt x="187401" y="49403"/>
-                </a:lnTo>
-                <a:lnTo>
-                  <a:pt x="185978" y="39497"/>
-                </a:lnTo>
-                <a:lnTo>
-                  <a:pt x="182942" y="32385"/>
-                </a:lnTo>
-                <a:lnTo>
-                  <a:pt x="87680" y="32385"/>
-                </a:lnTo>
-                <a:lnTo>
-                  <a:pt x="2844" y="21844"/>
-                </a:lnTo>
-                <a:close/>
-              </a:path>
-              <a:path w="187401" h="103632">
-                <a:moveTo>
-                  <a:pt x="132930" y="0"/>
-                </a:moveTo>
-                <a:lnTo>
-                  <a:pt x="95465" y="19050"/>
-                </a:lnTo>
-                <a:lnTo>
-                  <a:pt x="87680" y="32385"/>
-                </a:lnTo>
-                <a:lnTo>
-                  <a:pt x="182942" y="32385"/>
-                </a:lnTo>
-                <a:lnTo>
-                  <a:pt x="161950" y="7747"/>
-                </a:lnTo>
-                <a:lnTo>
-                  <a:pt x="157695" y="4953"/>
-                </a:lnTo>
-                <a:lnTo>
-                  <a:pt x="142836" y="762"/>
-                </a:lnTo>
-                <a:lnTo>
-                  <a:pt x="137883" y="762"/>
-                </a:lnTo>
-                <a:lnTo>
-                  <a:pt x="132930" y="0"/>
-                </a:lnTo>
-                <a:close/>
-              </a:path>
-            </a:pathLst>
-          </a:custGeom>
-          <a:solidFill>
-            <a:srgbClr val="174669"/>
-          </a:solidFill>
-        </p:spPr>
-        <p:txBody>
-          <a:bodyPr wrap="square" lIns="0" tIns="0" rIns="0" bIns="0" rtlCol="0">
-            <a:noAutofit/>
-          </a:bodyPr>
-          <a:lstStyle/>
-          <a:p>
-            <a:endParaRPr/>
-          </a:p>
-        </p:txBody>
-      </p:sp>
-      <p:sp>
-        <p:nvSpPr>
-          <p:cNvPr id="23" name="object 23"/>
-          <p:cNvSpPr/>
-          <p:nvPr/>
-        </p:nvSpPr>
-        <p:spPr>
-          <a:xfrm>
-            <a:off x="156971" y="2490977"/>
-            <a:ext cx="219430" cy="220980"/>
-          </a:xfrm>
-          <a:custGeom>
-            <a:avLst/>
-            <a:gdLst/>
-            <a:ahLst/>
-            <a:cxnLst/>
-            <a:rect l="l" t="t" r="r" b="b"/>
-            <a:pathLst>
-              <a:path w="219430" h="220980">
-                <a:moveTo>
-                  <a:pt x="109728" y="0"/>
-                </a:moveTo>
-                <a:lnTo>
-                  <a:pt x="67233" y="8509"/>
-                </a:lnTo>
-                <a:lnTo>
-                  <a:pt x="32550" y="32638"/>
-                </a:lnTo>
-                <a:lnTo>
-                  <a:pt x="8496" y="67563"/>
-                </a:lnTo>
-                <a:lnTo>
-                  <a:pt x="0" y="110109"/>
-                </a:lnTo>
-                <a:lnTo>
-                  <a:pt x="698" y="121538"/>
-                </a:lnTo>
-                <a:lnTo>
-                  <a:pt x="13449" y="162687"/>
-                </a:lnTo>
-                <a:lnTo>
-                  <a:pt x="40347" y="195325"/>
-                </a:lnTo>
-                <a:lnTo>
-                  <a:pt x="67233" y="211709"/>
-                </a:lnTo>
-                <a:lnTo>
-                  <a:pt x="77152" y="216026"/>
-                </a:lnTo>
-                <a:lnTo>
-                  <a:pt x="87757" y="218186"/>
-                </a:lnTo>
-                <a:lnTo>
-                  <a:pt x="98399" y="220218"/>
-                </a:lnTo>
-                <a:lnTo>
-                  <a:pt x="109728" y="220980"/>
-                </a:lnTo>
-                <a:lnTo>
-                  <a:pt x="121031" y="220218"/>
-                </a:lnTo>
-                <a:lnTo>
-                  <a:pt x="162102" y="207518"/>
-                </a:lnTo>
-                <a:lnTo>
-                  <a:pt x="194652" y="180467"/>
-                </a:lnTo>
-                <a:lnTo>
-                  <a:pt x="215201" y="143510"/>
-                </a:lnTo>
-                <a:lnTo>
-                  <a:pt x="219430" y="121538"/>
-                </a:lnTo>
-                <a:lnTo>
-                  <a:pt x="219430" y="99441"/>
-                </a:lnTo>
-                <a:lnTo>
-                  <a:pt x="217309" y="88137"/>
-                </a:lnTo>
-                <a:lnTo>
-                  <a:pt x="215201" y="77470"/>
-                </a:lnTo>
-                <a:lnTo>
-                  <a:pt x="210934" y="67563"/>
-                </a:lnTo>
-                <a:lnTo>
-                  <a:pt x="206705" y="57531"/>
-                </a:lnTo>
-                <a:lnTo>
-                  <a:pt x="179781" y="25654"/>
-                </a:lnTo>
-                <a:lnTo>
-                  <a:pt x="142278" y="4952"/>
-                </a:lnTo>
-                <a:lnTo>
-                  <a:pt x="121031" y="762"/>
-                </a:lnTo>
-                <a:lnTo>
-                  <a:pt x="109728" y="0"/>
-                </a:lnTo>
-                <a:close/>
-              </a:path>
-            </a:pathLst>
-          </a:custGeom>
-          <a:solidFill>
-            <a:srgbClr val="174669"/>
-          </a:solidFill>
-        </p:spPr>
-        <p:txBody>
-          <a:bodyPr wrap="square" lIns="0" tIns="0" rIns="0" bIns="0" rtlCol="0">
-            <a:noAutofit/>
-          </a:bodyPr>
-          <a:lstStyle/>
-          <a:p>
-            <a:endParaRPr/>
-          </a:p>
-        </p:txBody>
-      </p:sp>
-      <p:sp>
-        <p:nvSpPr>
-          <p:cNvPr id="24" name="object 24"/>
-          <p:cNvSpPr txBox="1"/>
-          <p:nvPr/>
-        </p:nvSpPr>
-        <p:spPr>
-          <a:xfrm>
-            <a:off x="2910838" y="2152840"/>
-            <a:ext cx="2968625" cy="584835"/>
+            <a:off x="611560" y="161731"/>
+            <a:ext cx="8352066" cy="1115569"/>
           </a:xfrm>
           <a:prstGeom prst="rect">
             <a:avLst/>
@@ -23097,35 +21074,38 @@
           <a:p>
             <a:pPr marL="12700"/>
             <a:r>
-              <a:rPr lang="es-MX" sz="3600" b="1" dirty="0">
+              <a:rPr lang="es-MX" sz="3200" b="1" dirty="0">
                 <a:solidFill>
                   <a:srgbClr val="002060"/>
                 </a:solidFill>
                 <a:latin typeface="Calibri"/>
                 <a:cs typeface="Calibri"/>
               </a:rPr>
-              <a:t>Instrucciones</a:t>
-            </a:r>
-            <a:endParaRPr sz="3600" b="1" dirty="0">
-              <a:solidFill>
-                <a:srgbClr val="002060"/>
-              </a:solidFill>
-              <a:latin typeface="Calibri"/>
-              <a:cs typeface="Calibri"/>
-            </a:endParaRPr>
-          </a:p>
-        </p:txBody>
-      </p:sp>
-      <p:sp>
-        <p:nvSpPr>
-          <p:cNvPr id="25" name="object 25"/>
+              <a:t>Reglas y convenciones de nombres para variables y constantes </a:t>
+            </a:r>
+            <a:r>
+              <a:rPr lang="es-MX" sz="2800" b="1" dirty="0">
+                <a:solidFill>
+                  <a:srgbClr val="002060"/>
+                </a:solidFill>
+                <a:latin typeface="Calibri"/>
+                <a:cs typeface="Calibri"/>
+              </a:rPr>
+              <a:t>(Python)</a:t>
+            </a:r>
+          </a:p>
+        </p:txBody>
+      </p:sp>
+      <p:sp>
+        <p:nvSpPr>
+          <p:cNvPr id="15" name="object 15"/>
           <p:cNvSpPr txBox="1"/>
           <p:nvPr/>
         </p:nvSpPr>
         <p:spPr>
           <a:xfrm>
-            <a:off x="1275715" y="3021076"/>
-            <a:ext cx="334645" cy="774700"/>
+            <a:off x="286004" y="1542305"/>
+            <a:ext cx="8458708" cy="4069962"/>
           </a:xfrm>
           <a:prstGeom prst="rect">
             <a:avLst/>
@@ -23137,52 +21117,13 @@
           </a:bodyPr>
           <a:lstStyle/>
           <a:p>
-            <a:pPr marL="12700"/>
-            <a:r>
-              <a:rPr lang="es-MX" sz="4800" b="1" spc="-25" dirty="0">
-                <a:solidFill>
-                  <a:srgbClr val="FFFFFF"/>
-                </a:solidFill>
-                <a:latin typeface="Calibri"/>
-                <a:cs typeface="Calibri"/>
-              </a:rPr>
-              <a:t>4</a:t>
-            </a:r>
-            <a:endParaRPr sz="4800" dirty="0">
-              <a:latin typeface="Calibri"/>
-              <a:cs typeface="Calibri"/>
-            </a:endParaRPr>
-          </a:p>
-        </p:txBody>
-      </p:sp>
-      <p:sp>
-        <p:nvSpPr>
-          <p:cNvPr id="26" name="object 15">
-            <a:extLst>
-              <a:ext uri="{FF2B5EF4-FFF2-40B4-BE49-F238E27FC236}">
-                <a16:creationId xmlns:a16="http://schemas.microsoft.com/office/drawing/2014/main" id="{15B23E23-7572-4A36-8696-59ED22CA6912}"/>
-              </a:ext>
-            </a:extLst>
-          </p:cNvPr>
-          <p:cNvSpPr txBox="1"/>
-          <p:nvPr/>
-        </p:nvSpPr>
-        <p:spPr>
-          <a:xfrm>
-            <a:off x="2910838" y="2964670"/>
-            <a:ext cx="5553404" cy="2274233"/>
-          </a:xfrm>
-          <a:prstGeom prst="rect">
-            <a:avLst/>
-          </a:prstGeom>
-        </p:spPr>
-        <p:txBody>
-          <a:bodyPr vert="horz" wrap="square" lIns="0" tIns="0" rIns="0" bIns="0" rtlCol="0">
-            <a:noAutofit/>
-          </a:bodyPr>
-          <a:lstStyle/>
-          <a:p>
-            <a:pPr marL="12700" marR="12700" algn="just"/>
+            <a:pPr marL="355600" marR="12700" indent="-342900" algn="just">
+              <a:spcAft>
+                <a:spcPts val="1200"/>
+              </a:spcAft>
+              <a:buFont typeface="Wingdings" panose="05000000000000000000" pitchFamily="2" charset="2"/>
+              <a:buChar char="v"/>
+            </a:pPr>
             <a:r>
               <a:rPr lang="es-MX" sz="2000" dirty="0">
                 <a:solidFill>
@@ -23193,11 +21134,255 @@
                 </a:solidFill>
                 <a:cs typeface="Calibri"/>
               </a:rPr>
-              <a:t>Unidad ejecutable más pequeña de un programa. Las instrucciones controlan el flujo u orden de ejecución.</a:t>
-            </a:r>
-          </a:p>
-          <a:p>
-            <a:pPr marL="12700" marR="12700" algn="just"/>
+              <a:t>El </a:t>
+            </a:r>
+            <a:r>
+              <a:rPr lang="es-MX" sz="2000" b="1" dirty="0">
+                <a:solidFill>
+                  <a:schemeClr val="accent6">
+                    <a:lumMod val="75000"/>
+                  </a:schemeClr>
+                </a:solidFill>
+                <a:cs typeface="Calibri"/>
+              </a:rPr>
+              <a:t>primer carácter no </a:t>
+            </a:r>
+            <a:r>
+              <a:rPr lang="es-MX" sz="2000" dirty="0">
+                <a:solidFill>
+                  <a:schemeClr val="tx1">
+                    <a:lumMod val="95000"/>
+                    <a:lumOff val="5000"/>
+                  </a:schemeClr>
+                </a:solidFill>
+                <a:cs typeface="Calibri"/>
+              </a:rPr>
+              <a:t>puede ser un </a:t>
+            </a:r>
+            <a:r>
+              <a:rPr lang="es-MX" sz="2000" b="1" dirty="0">
+                <a:solidFill>
+                  <a:schemeClr val="accent6">
+                    <a:lumMod val="75000"/>
+                  </a:schemeClr>
+                </a:solidFill>
+                <a:cs typeface="Calibri"/>
+              </a:rPr>
+              <a:t>número</a:t>
+            </a:r>
+            <a:r>
+              <a:rPr lang="es-MX" sz="2000" dirty="0">
+                <a:solidFill>
+                  <a:schemeClr val="accent6">
+                    <a:lumMod val="75000"/>
+                  </a:schemeClr>
+                </a:solidFill>
+                <a:cs typeface="Calibri"/>
+              </a:rPr>
+              <a:t> </a:t>
+            </a:r>
+            <a:r>
+              <a:rPr lang="es-MX" sz="2000" b="1" dirty="0">
+                <a:solidFill>
+                  <a:schemeClr val="tx1">
+                    <a:lumMod val="95000"/>
+                    <a:lumOff val="5000"/>
+                  </a:schemeClr>
+                </a:solidFill>
+                <a:cs typeface="Calibri"/>
+              </a:rPr>
+              <a:t>o dígito. </a:t>
+            </a:r>
+          </a:p>
+          <a:p>
+            <a:pPr marL="355600" marR="12700" indent="-342900" algn="just">
+              <a:spcAft>
+                <a:spcPts val="1200"/>
+              </a:spcAft>
+              <a:buFont typeface="Wingdings" panose="05000000000000000000" pitchFamily="2" charset="2"/>
+              <a:buChar char="v"/>
+            </a:pPr>
+            <a:r>
+              <a:rPr lang="es-MX" sz="2000" dirty="0">
+                <a:solidFill>
+                  <a:schemeClr val="tx1">
+                    <a:lumMod val="95000"/>
+                    <a:lumOff val="5000"/>
+                  </a:schemeClr>
+                </a:solidFill>
+                <a:cs typeface="Calibri"/>
+              </a:rPr>
+              <a:t>Inicie con letra o guion bajo _ (El resto puede ser letra, número o guion bajo _)</a:t>
+            </a:r>
+          </a:p>
+          <a:p>
+            <a:pPr marL="469900" marR="12700" lvl="1" algn="just">
+              <a:spcAft>
+                <a:spcPts val="1200"/>
+              </a:spcAft>
+            </a:pPr>
+            <a:r>
+              <a:rPr lang="es-MX" sz="2000" dirty="0">
+                <a:solidFill>
+                  <a:schemeClr val="tx1">
+                    <a:lumMod val="95000"/>
+                    <a:lumOff val="5000"/>
+                  </a:schemeClr>
+                </a:solidFill>
+                <a:cs typeface="Calibri"/>
+              </a:rPr>
+              <a:t>NOTA: Los nombres que comienzan con guion bajo (_simple, _ _o doble) se reservan para variables con significado especial.</a:t>
+            </a:r>
+          </a:p>
+          <a:p>
+            <a:pPr marL="355600" marR="12700" indent="-342900" algn="just">
+              <a:spcAft>
+                <a:spcPts val="1200"/>
+              </a:spcAft>
+              <a:buFont typeface="Wingdings" panose="05000000000000000000" pitchFamily="2" charset="2"/>
+              <a:buChar char="v"/>
+            </a:pPr>
+            <a:r>
+              <a:rPr lang="es-MX" sz="2000" dirty="0">
+                <a:solidFill>
+                  <a:schemeClr val="tx1">
+                    <a:lumMod val="95000"/>
+                    <a:lumOff val="5000"/>
+                  </a:schemeClr>
+                </a:solidFill>
+                <a:cs typeface="Calibri"/>
+              </a:rPr>
+              <a:t>No use </a:t>
+            </a:r>
+            <a:r>
+              <a:rPr lang="es-MX" sz="2000" b="1" dirty="0">
+                <a:solidFill>
+                  <a:schemeClr val="accent6">
+                    <a:lumMod val="75000"/>
+                  </a:schemeClr>
+                </a:solidFill>
+                <a:cs typeface="Calibri"/>
+              </a:rPr>
+              <a:t>símbolos especiales </a:t>
+            </a:r>
+            <a:r>
+              <a:rPr lang="es-MX" sz="2000" dirty="0">
+                <a:solidFill>
+                  <a:schemeClr val="tx1">
+                    <a:lumMod val="95000"/>
+                    <a:lumOff val="5000"/>
+                  </a:schemeClr>
+                </a:solidFill>
+                <a:cs typeface="Calibri"/>
+              </a:rPr>
+              <a:t>como !, @, #, $, %, etc.</a:t>
+            </a:r>
+          </a:p>
+          <a:p>
+            <a:pPr marL="355600" marR="12700" indent="-342900" algn="just">
+              <a:spcAft>
+                <a:spcPts val="1200"/>
+              </a:spcAft>
+              <a:buFont typeface="Wingdings" panose="05000000000000000000" pitchFamily="2" charset="2"/>
+              <a:buChar char="v"/>
+            </a:pPr>
+            <a:r>
+              <a:rPr lang="es-MX" sz="2000" dirty="0">
+                <a:solidFill>
+                  <a:schemeClr val="tx1">
+                    <a:lumMod val="95000"/>
+                    <a:lumOff val="5000"/>
+                  </a:schemeClr>
+                </a:solidFill>
+                <a:cs typeface="Calibri"/>
+              </a:rPr>
+              <a:t>Los nombres de las variables pueden tener la combinación de letras en minúsculas (a - z) o MAYÚSCULAS (A - Z) o dígitos (0 - 9) o un guion bajo (_). </a:t>
+            </a:r>
+          </a:p>
+          <a:p>
+            <a:pPr marL="12700" marR="12700" algn="just">
+              <a:spcAft>
+                <a:spcPts val="600"/>
+              </a:spcAft>
+            </a:pPr>
+            <a:r>
+              <a:rPr lang="es-MX" sz="2000" dirty="0">
+                <a:solidFill>
+                  <a:schemeClr val="tx1">
+                    <a:lumMod val="95000"/>
+                    <a:lumOff val="5000"/>
+                  </a:schemeClr>
+                </a:solidFill>
+                <a:cs typeface="Calibri"/>
+              </a:rPr>
+              <a:t>      Por ejemplo:</a:t>
+            </a:r>
+          </a:p>
+          <a:p>
+            <a:pPr marL="812800" marR="12700" lvl="1" indent="-342900" algn="just">
+              <a:buFont typeface="Arial" panose="020B0604020202020204" pitchFamily="34" charset="0"/>
+              <a:buChar char="•"/>
+            </a:pPr>
+            <a:r>
+              <a:rPr lang="es-MX" sz="2000" dirty="0" err="1">
+                <a:solidFill>
+                  <a:schemeClr val="tx1">
+                    <a:lumMod val="95000"/>
+                    <a:lumOff val="5000"/>
+                  </a:schemeClr>
+                </a:solidFill>
+                <a:cs typeface="Calibri"/>
+              </a:rPr>
+              <a:t>snake_case</a:t>
+            </a:r>
+            <a:r>
+              <a:rPr lang="es-MX" sz="2000" dirty="0">
+                <a:solidFill>
+                  <a:schemeClr val="tx1">
+                    <a:lumMod val="95000"/>
+                    <a:lumOff val="5000"/>
+                  </a:schemeClr>
+                </a:solidFill>
+                <a:cs typeface="Calibri"/>
+              </a:rPr>
+              <a:t> </a:t>
+            </a:r>
+          </a:p>
+          <a:p>
+            <a:pPr marL="812800" marR="12700" lvl="1" indent="-342900" algn="just">
+              <a:buFont typeface="Arial" panose="020B0604020202020204" pitchFamily="34" charset="0"/>
+              <a:buChar char="•"/>
+            </a:pPr>
+            <a:r>
+              <a:rPr lang="es-MX" sz="2000" dirty="0">
+                <a:solidFill>
+                  <a:schemeClr val="tx1">
+                    <a:lumMod val="95000"/>
+                    <a:lumOff val="5000"/>
+                  </a:schemeClr>
+                </a:solidFill>
+                <a:cs typeface="Calibri"/>
+              </a:rPr>
+              <a:t>MACRO_CASE </a:t>
+            </a:r>
+          </a:p>
+          <a:p>
+            <a:pPr marL="812800" marR="12700" lvl="1" indent="-342900" algn="just">
+              <a:buFont typeface="Arial" panose="020B0604020202020204" pitchFamily="34" charset="0"/>
+              <a:buChar char="•"/>
+            </a:pPr>
+            <a:r>
+              <a:rPr lang="es-MX" sz="2000" dirty="0" err="1">
+                <a:solidFill>
+                  <a:schemeClr val="tx1">
+                    <a:lumMod val="95000"/>
+                    <a:lumOff val="5000"/>
+                  </a:schemeClr>
+                </a:solidFill>
+                <a:cs typeface="Calibri"/>
+              </a:rPr>
+              <a:t>camelCase</a:t>
+            </a:r>
             <a:endParaRPr lang="es-MX" sz="2000" dirty="0">
               <a:solidFill>
                 <a:schemeClr val="tx1">
@@ -23208,8 +21393,177 @@
               <a:cs typeface="Calibri"/>
             </a:endParaRPr>
           </a:p>
-          <a:p>
-            <a:pPr marL="12700" marR="12700" algn="just"/>
+        </p:txBody>
+      </p:sp>
+      <p:sp>
+        <p:nvSpPr>
+          <p:cNvPr id="20" name="object 20"/>
+          <p:cNvSpPr txBox="1">
+            <a:spLocks noGrp="1"/>
+          </p:cNvSpPr>
+          <p:nvPr>
+            <p:ph type="sldNum" sz="quarter" idx="7"/>
+          </p:nvPr>
+        </p:nvSpPr>
+        <p:spPr>
+          <a:xfrm>
+            <a:off x="79756" y="4869179"/>
+            <a:ext cx="206248" cy="203200"/>
+          </a:xfrm>
+          <a:prstGeom prst="rect">
+            <a:avLst/>
+          </a:prstGeom>
+        </p:spPr>
+        <p:txBody>
+          <a:bodyPr vert="horz" wrap="square" lIns="0" tIns="0" rIns="0" bIns="0" rtlCol="0">
+            <a:noAutofit/>
+          </a:bodyPr>
+          <a:lstStyle>
+            <a:defPPr>
+              <a:defRPr lang="es-MX"/>
+            </a:defPPr>
+            <a:lvl1pPr marL="0" algn="l" defTabSz="914400" rtl="0" eaLnBrk="1" latinLnBrk="0" hangingPunct="1">
+              <a:defRPr sz="1800" kern="1200">
+                <a:solidFill>
+                  <a:schemeClr val="tx1"/>
+                </a:solidFill>
+                <a:latin typeface="+mn-lt"/>
+                <a:ea typeface="+mn-ea"/>
+                <a:cs typeface="+mn-cs"/>
+              </a:defRPr>
+            </a:lvl1pPr>
+            <a:lvl2pPr marL="457200" algn="l" defTabSz="914400" rtl="0" eaLnBrk="1" latinLnBrk="0" hangingPunct="1">
+              <a:defRPr sz="1800" kern="1200">
+                <a:solidFill>
+                  <a:schemeClr val="tx1"/>
+                </a:solidFill>
+                <a:latin typeface="+mn-lt"/>
+                <a:ea typeface="+mn-ea"/>
+                <a:cs typeface="+mn-cs"/>
+              </a:defRPr>
+            </a:lvl2pPr>
+            <a:lvl3pPr marL="914400" algn="l" defTabSz="914400" rtl="0" eaLnBrk="1" latinLnBrk="0" hangingPunct="1">
+              <a:defRPr sz="1800" kern="1200">
+                <a:solidFill>
+                  <a:schemeClr val="tx1"/>
+                </a:solidFill>
+                <a:latin typeface="+mn-lt"/>
+                <a:ea typeface="+mn-ea"/>
+                <a:cs typeface="+mn-cs"/>
+              </a:defRPr>
+            </a:lvl3pPr>
+            <a:lvl4pPr marL="1371600" algn="l" defTabSz="914400" rtl="0" eaLnBrk="1" latinLnBrk="0" hangingPunct="1">
+              <a:defRPr sz="1800" kern="1200">
+                <a:solidFill>
+                  <a:schemeClr val="tx1"/>
+                </a:solidFill>
+                <a:latin typeface="+mn-lt"/>
+                <a:ea typeface="+mn-ea"/>
+                <a:cs typeface="+mn-cs"/>
+              </a:defRPr>
+            </a:lvl4pPr>
+            <a:lvl5pPr marL="1828800" algn="l" defTabSz="914400" rtl="0" eaLnBrk="1" latinLnBrk="0" hangingPunct="1">
+              <a:defRPr sz="1800" kern="1200">
+                <a:solidFill>
+                  <a:schemeClr val="tx1"/>
+                </a:solidFill>
+                <a:latin typeface="+mn-lt"/>
+                <a:ea typeface="+mn-ea"/>
+                <a:cs typeface="+mn-cs"/>
+              </a:defRPr>
+            </a:lvl5pPr>
+            <a:lvl6pPr marL="2286000" algn="l" defTabSz="914400" rtl="0" eaLnBrk="1" latinLnBrk="0" hangingPunct="1">
+              <a:defRPr sz="1800" kern="1200">
+                <a:solidFill>
+                  <a:schemeClr val="tx1"/>
+                </a:solidFill>
+                <a:latin typeface="+mn-lt"/>
+                <a:ea typeface="+mn-ea"/>
+                <a:cs typeface="+mn-cs"/>
+              </a:defRPr>
+            </a:lvl6pPr>
+            <a:lvl7pPr marL="2743200" algn="l" defTabSz="914400" rtl="0" eaLnBrk="1" latinLnBrk="0" hangingPunct="1">
+              <a:defRPr sz="1800" kern="1200">
+                <a:solidFill>
+                  <a:schemeClr val="tx1"/>
+                </a:solidFill>
+                <a:latin typeface="+mn-lt"/>
+                <a:ea typeface="+mn-ea"/>
+                <a:cs typeface="+mn-cs"/>
+              </a:defRPr>
+            </a:lvl7pPr>
+            <a:lvl8pPr marL="3200400" algn="l" defTabSz="914400" rtl="0" eaLnBrk="1" latinLnBrk="0" hangingPunct="1">
+              <a:defRPr sz="1800" kern="1200">
+                <a:solidFill>
+                  <a:schemeClr val="tx1"/>
+                </a:solidFill>
+                <a:latin typeface="+mn-lt"/>
+                <a:ea typeface="+mn-ea"/>
+                <a:cs typeface="+mn-cs"/>
+              </a:defRPr>
+            </a:lvl8pPr>
+            <a:lvl9pPr marL="3657600" algn="l" defTabSz="914400" rtl="0" eaLnBrk="1" latinLnBrk="0" hangingPunct="1">
+              <a:defRPr sz="1800" kern="1200">
+                <a:solidFill>
+                  <a:schemeClr val="tx1"/>
+                </a:solidFill>
+                <a:latin typeface="+mn-lt"/>
+                <a:ea typeface="+mn-ea"/>
+                <a:cs typeface="+mn-cs"/>
+              </a:defRPr>
+            </a:lvl9pPr>
+          </a:lstStyle>
+          <a:p>
+            <a:pPr marL="25400"/>
+            <a:fld id="{81D60167-4931-47E6-BA6A-407CBD079E47}" type="slidenum">
+              <a:rPr lang="es-MX" sz="1200" spc="-10" smtClean="0">
+                <a:solidFill>
+                  <a:srgbClr val="18BAD4"/>
+                </a:solidFill>
+                <a:latin typeface="Calibri"/>
+                <a:cs typeface="Calibri"/>
+              </a:rPr>
+              <a:pPr marL="25400"/>
+              <a:t>6</a:t>
+            </a:fld>
+            <a:endParaRPr sz="1200">
+              <a:latin typeface="Calibri"/>
+              <a:cs typeface="Calibri"/>
+            </a:endParaRPr>
+          </a:p>
+        </p:txBody>
+      </p:sp>
+      <p:sp>
+        <p:nvSpPr>
+          <p:cNvPr id="22" name="object 15">
+            <a:extLst>
+              <a:ext uri="{FF2B5EF4-FFF2-40B4-BE49-F238E27FC236}">
+                <a16:creationId xmlns:a16="http://schemas.microsoft.com/office/drawing/2014/main" id="{10B94919-D168-4B34-AC32-ABC0FD9656D1}"/>
+              </a:ext>
+            </a:extLst>
+          </p:cNvPr>
+          <p:cNvSpPr txBox="1"/>
+          <p:nvPr/>
+        </p:nvSpPr>
+        <p:spPr>
+          <a:xfrm>
+            <a:off x="286004" y="5877272"/>
+            <a:ext cx="7487108" cy="426341"/>
+          </a:xfrm>
+          <a:prstGeom prst="rect">
+            <a:avLst/>
+          </a:prstGeom>
+        </p:spPr>
+        <p:txBody>
+          <a:bodyPr vert="horz" wrap="square" lIns="0" tIns="0" rIns="0" bIns="0" rtlCol="0">
+            <a:noAutofit/>
+          </a:bodyPr>
+          <a:lstStyle/>
+          <a:p>
+            <a:pPr marL="355600" marR="12700" indent="-342900" algn="just">
+              <a:buFont typeface="Wingdings" panose="05000000000000000000" pitchFamily="2" charset="2"/>
+              <a:buChar char="v"/>
+            </a:pPr>
             <a:r>
               <a:rPr lang="es-MX" sz="2000" dirty="0">
                 <a:solidFill>
@@ -23220,264 +21574,37 @@
                 </a:solidFill>
                 <a:cs typeface="Calibri"/>
               </a:rPr>
-              <a:t>Ejemplos: and, break, </a:t>
-            </a:r>
-            <a:r>
-              <a:rPr lang="es-MX" sz="2000" dirty="0" err="1">
-                <a:solidFill>
-                  <a:schemeClr val="tx1">
-                    <a:lumMod val="95000"/>
-                    <a:lumOff val="5000"/>
+              <a:t>No pueden usarse como identificadores, las </a:t>
+            </a:r>
+            <a:r>
+              <a:rPr lang="es-MX" sz="2000" b="1" dirty="0">
+                <a:solidFill>
+                  <a:schemeClr val="accent6">
+                    <a:lumMod val="75000"/>
                   </a:schemeClr>
                 </a:solidFill>
                 <a:cs typeface="Calibri"/>
               </a:rPr>
-              <a:t>continue</a:t>
+              <a:t>palabras reservadas</a:t>
             </a:r>
             <a:r>
               <a:rPr lang="es-MX" sz="2000" dirty="0">
                 <a:solidFill>
-                  <a:schemeClr val="tx1">
-                    <a:lumMod val="95000"/>
-                    <a:lumOff val="5000"/>
+                  <a:schemeClr val="accent6">
+                    <a:lumMod val="75000"/>
                   </a:schemeClr>
                 </a:solidFill>
                 <a:cs typeface="Calibri"/>
               </a:rPr>
-              <a:t>, </a:t>
-            </a:r>
-            <a:r>
-              <a:rPr lang="es-MX" sz="2000" dirty="0" err="1">
-                <a:solidFill>
-                  <a:schemeClr val="tx1">
-                    <a:lumMod val="95000"/>
-                    <a:lumOff val="5000"/>
-                  </a:schemeClr>
-                </a:solidFill>
-                <a:cs typeface="Calibri"/>
-              </a:rPr>
-              <a:t>elif</a:t>
-            </a:r>
-            <a:r>
-              <a:rPr lang="es-MX" sz="2000" dirty="0">
-                <a:solidFill>
-                  <a:schemeClr val="tx1">
-                    <a:lumMod val="95000"/>
-                    <a:lumOff val="5000"/>
-                  </a:schemeClr>
-                </a:solidFill>
-                <a:cs typeface="Calibri"/>
-              </a:rPr>
-              <a:t>, </a:t>
-            </a:r>
-            <a:r>
-              <a:rPr lang="es-MX" sz="2000" dirty="0" err="1">
-                <a:solidFill>
-                  <a:schemeClr val="tx1">
-                    <a:lumMod val="95000"/>
-                    <a:lumOff val="5000"/>
-                  </a:schemeClr>
-                </a:solidFill>
-                <a:cs typeface="Calibri"/>
-              </a:rPr>
-              <a:t>else</a:t>
-            </a:r>
-            <a:r>
-              <a:rPr lang="es-MX" sz="2000" dirty="0">
-                <a:solidFill>
-                  <a:schemeClr val="tx1">
-                    <a:lumMod val="95000"/>
-                    <a:lumOff val="5000"/>
-                  </a:schemeClr>
-                </a:solidFill>
-                <a:cs typeface="Calibri"/>
-              </a:rPr>
-              <a:t>, </a:t>
-            </a:r>
-            <a:r>
-              <a:rPr lang="es-MX" sz="2000" dirty="0" err="1">
-                <a:solidFill>
-                  <a:schemeClr val="tx1">
-                    <a:lumMod val="95000"/>
-                    <a:lumOff val="5000"/>
-                  </a:schemeClr>
-                </a:solidFill>
-                <a:cs typeface="Calibri"/>
-              </a:rPr>
-              <a:t>for</a:t>
-            </a:r>
-            <a:r>
-              <a:rPr lang="es-MX" sz="2000" dirty="0">
-                <a:solidFill>
-                  <a:schemeClr val="tx1">
-                    <a:lumMod val="95000"/>
-                    <a:lumOff val="5000"/>
-                  </a:schemeClr>
-                </a:solidFill>
-                <a:cs typeface="Calibri"/>
-              </a:rPr>
-              <a:t>, </a:t>
-            </a:r>
-            <a:r>
-              <a:rPr lang="es-MX" sz="2000" dirty="0" err="1">
-                <a:solidFill>
-                  <a:schemeClr val="tx1">
-                    <a:lumMod val="95000"/>
-                    <a:lumOff val="5000"/>
-                  </a:schemeClr>
-                </a:solidFill>
-                <a:cs typeface="Calibri"/>
-              </a:rPr>
-              <a:t>if</a:t>
-            </a:r>
-            <a:r>
-              <a:rPr lang="es-MX" sz="2000" dirty="0">
-                <a:solidFill>
-                  <a:schemeClr val="tx1">
-                    <a:lumMod val="95000"/>
-                    <a:lumOff val="5000"/>
-                  </a:schemeClr>
-                </a:solidFill>
-                <a:cs typeface="Calibri"/>
-              </a:rPr>
-              <a:t>, </a:t>
-            </a:r>
-            <a:r>
-              <a:rPr lang="es-MX" sz="2000" dirty="0" err="1">
-                <a:solidFill>
-                  <a:schemeClr val="tx1">
-                    <a:lumMod val="95000"/>
-                    <a:lumOff val="5000"/>
-                  </a:schemeClr>
-                </a:solidFill>
-                <a:cs typeface="Calibri"/>
-              </a:rPr>
-              <a:t>import</a:t>
-            </a:r>
-            <a:r>
-              <a:rPr lang="es-MX" sz="2000" dirty="0">
-                <a:solidFill>
-                  <a:schemeClr val="tx1">
-                    <a:lumMod val="95000"/>
-                    <a:lumOff val="5000"/>
-                  </a:schemeClr>
-                </a:solidFill>
-                <a:cs typeface="Calibri"/>
-              </a:rPr>
-              <a:t>, </a:t>
-            </a:r>
-            <a:r>
-              <a:rPr lang="es-MX" sz="2000" dirty="0" err="1">
-                <a:solidFill>
-                  <a:schemeClr val="tx1">
-                    <a:lumMod val="95000"/>
-                    <a:lumOff val="5000"/>
-                  </a:schemeClr>
-                </a:solidFill>
-                <a:cs typeface="Calibri"/>
-              </a:rPr>
-              <a:t>is</a:t>
-            </a:r>
-            <a:r>
-              <a:rPr lang="es-MX" sz="2000" dirty="0">
-                <a:solidFill>
-                  <a:schemeClr val="tx1">
-                    <a:lumMod val="95000"/>
-                    <a:lumOff val="5000"/>
-                  </a:schemeClr>
-                </a:solidFill>
-                <a:cs typeface="Calibri"/>
-              </a:rPr>
-              <a:t>, </a:t>
-            </a:r>
-            <a:r>
-              <a:rPr lang="es-MX" sz="2000" dirty="0" err="1">
-                <a:solidFill>
-                  <a:schemeClr val="tx1">
-                    <a:lumMod val="95000"/>
-                    <a:lumOff val="5000"/>
-                  </a:schemeClr>
-                </a:solidFill>
-                <a:cs typeface="Calibri"/>
-              </a:rPr>
-              <a:t>not</a:t>
-            </a:r>
-            <a:r>
-              <a:rPr lang="es-MX" sz="2000" dirty="0">
-                <a:solidFill>
-                  <a:schemeClr val="tx1">
-                    <a:lumMod val="95000"/>
-                    <a:lumOff val="5000"/>
-                  </a:schemeClr>
-                </a:solidFill>
-                <a:cs typeface="Calibri"/>
-              </a:rPr>
-              <a:t>, </a:t>
-            </a:r>
-            <a:r>
-              <a:rPr lang="es-MX" sz="2000" dirty="0" err="1">
-                <a:solidFill>
-                  <a:schemeClr val="tx1">
-                    <a:lumMod val="95000"/>
-                    <a:lumOff val="5000"/>
-                  </a:schemeClr>
-                </a:solidFill>
-                <a:cs typeface="Calibri"/>
-              </a:rPr>
-              <a:t>or</a:t>
-            </a:r>
-            <a:r>
-              <a:rPr lang="es-MX" sz="2000" dirty="0">
-                <a:solidFill>
-                  <a:schemeClr val="tx1">
-                    <a:lumMod val="95000"/>
-                    <a:lumOff val="5000"/>
-                  </a:schemeClr>
-                </a:solidFill>
-                <a:cs typeface="Calibri"/>
-              </a:rPr>
-              <a:t>, p</a:t>
-            </a:r>
-            <a:r>
-              <a:rPr lang="en-US" sz="2000" dirty="0" err="1">
-                <a:solidFill>
-                  <a:schemeClr val="tx1">
-                    <a:lumMod val="95000"/>
-                    <a:lumOff val="5000"/>
-                  </a:schemeClr>
-                </a:solidFill>
-                <a:cs typeface="Calibri"/>
-              </a:rPr>
-              <a:t>rint</a:t>
-            </a:r>
-            <a:r>
-              <a:rPr lang="en-US" sz="2000" dirty="0">
-                <a:solidFill>
-                  <a:schemeClr val="tx1">
-                    <a:lumMod val="95000"/>
-                    <a:lumOff val="5000"/>
-                  </a:schemeClr>
-                </a:solidFill>
-                <a:cs typeface="Calibri"/>
-              </a:rPr>
-              <a:t>, return, while, with, etc.</a:t>
-            </a:r>
-            <a:endParaRPr lang="es-MX" sz="2000" dirty="0">
-              <a:solidFill>
-                <a:schemeClr val="tx1">
-                  <a:lumMod val="95000"/>
-                  <a:lumOff val="5000"/>
-                </a:schemeClr>
-              </a:solidFill>
-              <a:cs typeface="Calibri"/>
-            </a:endParaRPr>
+              <a:t>. </a:t>
+            </a:r>
           </a:p>
         </p:txBody>
       </p:sp>
     </p:spTree>
     <p:extLst>
       <p:ext uri="{BB962C8B-B14F-4D97-AF65-F5344CB8AC3E}">
-        <p14:creationId xmlns:p14="http://schemas.microsoft.com/office/powerpoint/2010/main" val="478672269"/>
+        <p14:creationId xmlns:p14="http://schemas.microsoft.com/office/powerpoint/2010/main" val="3527467189"/>
       </p:ext>
     </p:extLst>
   </p:cSld>
@@ -23512,586 +21639,6 @@
         </p:nvSpPr>
         <p:spPr>
           <a:xfrm>
-            <a:off x="611560" y="161731"/>
-            <a:ext cx="8352066" cy="1115569"/>
-          </a:xfrm>
-          <a:prstGeom prst="rect">
-            <a:avLst/>
-          </a:prstGeom>
-        </p:spPr>
-        <p:txBody>
-          <a:bodyPr vert="horz" wrap="square" lIns="0" tIns="0" rIns="0" bIns="0" rtlCol="0">
-            <a:noAutofit/>
-          </a:bodyPr>
-          <a:lstStyle/>
-          <a:p>
-            <a:pPr marL="12700"/>
-            <a:r>
-              <a:rPr lang="es-MX" sz="3200" b="1" dirty="0">
-                <a:solidFill>
-                  <a:srgbClr val="002060"/>
-                </a:solidFill>
-                <a:latin typeface="Calibri"/>
-                <a:cs typeface="Calibri"/>
-              </a:rPr>
-              <a:t>Reglas y convenciones de nombres para variables y constantes </a:t>
-            </a:r>
-            <a:r>
-              <a:rPr lang="es-MX" sz="2800" b="1" dirty="0">
-                <a:solidFill>
-                  <a:srgbClr val="002060"/>
-                </a:solidFill>
-                <a:latin typeface="Calibri"/>
-                <a:cs typeface="Calibri"/>
-              </a:rPr>
-              <a:t>(Python)</a:t>
-            </a:r>
-          </a:p>
-        </p:txBody>
-      </p:sp>
-      <p:sp>
-        <p:nvSpPr>
-          <p:cNvPr id="15" name="object 15"/>
-          <p:cNvSpPr txBox="1"/>
-          <p:nvPr/>
-        </p:nvSpPr>
-        <p:spPr>
-          <a:xfrm>
-            <a:off x="286004" y="1542305"/>
-            <a:ext cx="8458708" cy="4069962"/>
-          </a:xfrm>
-          <a:prstGeom prst="rect">
-            <a:avLst/>
-          </a:prstGeom>
-        </p:spPr>
-        <p:txBody>
-          <a:bodyPr vert="horz" wrap="square" lIns="0" tIns="0" rIns="0" bIns="0" rtlCol="0">
-            <a:noAutofit/>
-          </a:bodyPr>
-          <a:lstStyle/>
-          <a:p>
-            <a:pPr marL="355600" marR="12700" indent="-342900" algn="just">
-              <a:spcAft>
-                <a:spcPts val="1200"/>
-              </a:spcAft>
-              <a:buFont typeface="Wingdings" panose="05000000000000000000" pitchFamily="2" charset="2"/>
-              <a:buChar char="v"/>
-            </a:pPr>
-            <a:r>
-              <a:rPr lang="es-MX" sz="2000" dirty="0">
-                <a:solidFill>
-                  <a:schemeClr val="tx1">
-                    <a:lumMod val="95000"/>
-                    <a:lumOff val="5000"/>
-                  </a:schemeClr>
-                </a:solidFill>
-                <a:cs typeface="Calibri"/>
-              </a:rPr>
-              <a:t>El </a:t>
-            </a:r>
-            <a:r>
-              <a:rPr lang="es-MX" sz="2000" b="1" dirty="0">
-                <a:solidFill>
-                  <a:schemeClr val="accent6">
-                    <a:lumMod val="75000"/>
-                  </a:schemeClr>
-                </a:solidFill>
-                <a:cs typeface="Calibri"/>
-              </a:rPr>
-              <a:t>primer carácter no </a:t>
-            </a:r>
-            <a:r>
-              <a:rPr lang="es-MX" sz="2000" dirty="0">
-                <a:solidFill>
-                  <a:schemeClr val="tx1">
-                    <a:lumMod val="95000"/>
-                    <a:lumOff val="5000"/>
-                  </a:schemeClr>
-                </a:solidFill>
-                <a:cs typeface="Calibri"/>
-              </a:rPr>
-              <a:t>puede ser un </a:t>
-            </a:r>
-            <a:r>
-              <a:rPr lang="es-MX" sz="2000" b="1" dirty="0">
-                <a:solidFill>
-                  <a:schemeClr val="accent6">
-                    <a:lumMod val="75000"/>
-                  </a:schemeClr>
-                </a:solidFill>
-                <a:cs typeface="Calibri"/>
-              </a:rPr>
-              <a:t>número</a:t>
-            </a:r>
-            <a:r>
-              <a:rPr lang="es-MX" sz="2000" dirty="0">
-                <a:solidFill>
-                  <a:schemeClr val="accent6">
-                    <a:lumMod val="75000"/>
-                  </a:schemeClr>
-                </a:solidFill>
-                <a:cs typeface="Calibri"/>
-              </a:rPr>
-              <a:t> </a:t>
-            </a:r>
-            <a:r>
-              <a:rPr lang="es-MX" sz="2000" b="1" dirty="0">
-                <a:solidFill>
-                  <a:schemeClr val="tx1">
-                    <a:lumMod val="95000"/>
-                    <a:lumOff val="5000"/>
-                  </a:schemeClr>
-                </a:solidFill>
-                <a:cs typeface="Calibri"/>
-              </a:rPr>
-              <a:t>o dígito. </a:t>
-            </a:r>
-          </a:p>
-          <a:p>
-            <a:pPr marL="355600" marR="12700" indent="-342900" algn="just">
-              <a:spcAft>
-                <a:spcPts val="1200"/>
-              </a:spcAft>
-              <a:buFont typeface="Wingdings" panose="05000000000000000000" pitchFamily="2" charset="2"/>
-              <a:buChar char="v"/>
-            </a:pPr>
-            <a:r>
-              <a:rPr lang="es-MX" sz="2000" dirty="0">
-                <a:solidFill>
-                  <a:schemeClr val="tx1">
-                    <a:lumMod val="95000"/>
-                    <a:lumOff val="5000"/>
-                  </a:schemeClr>
-                </a:solidFill>
-                <a:cs typeface="Calibri"/>
-              </a:rPr>
-              <a:t>Inicie con letra o guion bajo _ (El resto puede ser letra, número o guion bajo _)</a:t>
-            </a:r>
-          </a:p>
-          <a:p>
-            <a:pPr marL="469900" marR="12700" lvl="1" algn="just">
-              <a:spcAft>
-                <a:spcPts val="1200"/>
-              </a:spcAft>
-            </a:pPr>
-            <a:r>
-              <a:rPr lang="es-MX" sz="2000" dirty="0">
-                <a:solidFill>
-                  <a:schemeClr val="tx1">
-                    <a:lumMod val="95000"/>
-                    <a:lumOff val="5000"/>
-                  </a:schemeClr>
-                </a:solidFill>
-                <a:cs typeface="Calibri"/>
-              </a:rPr>
-              <a:t>NOTA: Los nombres que comienzan con guion bajo (_simple, _ _o doble) se reservan para variables con significado especial.</a:t>
-            </a:r>
-          </a:p>
-          <a:p>
-            <a:pPr marL="355600" marR="12700" indent="-342900" algn="just">
-              <a:spcAft>
-                <a:spcPts val="1200"/>
-              </a:spcAft>
-              <a:buFont typeface="Wingdings" panose="05000000000000000000" pitchFamily="2" charset="2"/>
-              <a:buChar char="v"/>
-            </a:pPr>
-            <a:r>
-              <a:rPr lang="es-MX" sz="2000" dirty="0">
-                <a:solidFill>
-                  <a:schemeClr val="tx1">
-                    <a:lumMod val="95000"/>
-                    <a:lumOff val="5000"/>
-                  </a:schemeClr>
-                </a:solidFill>
-                <a:cs typeface="Calibri"/>
-              </a:rPr>
-              <a:t>No use </a:t>
-            </a:r>
-            <a:r>
-              <a:rPr lang="es-MX" sz="2000" b="1" dirty="0">
-                <a:solidFill>
-                  <a:schemeClr val="accent6">
-                    <a:lumMod val="75000"/>
-                  </a:schemeClr>
-                </a:solidFill>
-                <a:cs typeface="Calibri"/>
-              </a:rPr>
-              <a:t>símbolos especiales </a:t>
-            </a:r>
-            <a:r>
-              <a:rPr lang="es-MX" sz="2000" dirty="0">
-                <a:solidFill>
-                  <a:schemeClr val="tx1">
-                    <a:lumMod val="95000"/>
-                    <a:lumOff val="5000"/>
-                  </a:schemeClr>
-                </a:solidFill>
-                <a:cs typeface="Calibri"/>
-              </a:rPr>
-              <a:t>como !, @, #, $, %, etc.</a:t>
-            </a:r>
-          </a:p>
-          <a:p>
-            <a:pPr marL="355600" marR="12700" indent="-342900" algn="just">
-              <a:spcAft>
-                <a:spcPts val="1200"/>
-              </a:spcAft>
-              <a:buFont typeface="Wingdings" panose="05000000000000000000" pitchFamily="2" charset="2"/>
-              <a:buChar char="v"/>
-            </a:pPr>
-            <a:r>
-              <a:rPr lang="es-MX" sz="2000" dirty="0">
-                <a:solidFill>
-                  <a:schemeClr val="tx1">
-                    <a:lumMod val="95000"/>
-                    <a:lumOff val="5000"/>
-                  </a:schemeClr>
-                </a:solidFill>
-                <a:cs typeface="Calibri"/>
-              </a:rPr>
-              <a:t>Los nombres de las variables pueden tener la combinación de letras en minúsculas (a - z) o MAYÚSCULAS (A - Z) o dígitos (0 - 9) o un guion bajo (_). </a:t>
-            </a:r>
-          </a:p>
-          <a:p>
-            <a:pPr marL="12700" marR="12700" algn="just">
-              <a:spcAft>
-                <a:spcPts val="600"/>
-              </a:spcAft>
-            </a:pPr>
-            <a:r>
-              <a:rPr lang="es-MX" sz="2000" dirty="0">
-                <a:solidFill>
-                  <a:schemeClr val="tx1">
-                    <a:lumMod val="95000"/>
-                    <a:lumOff val="5000"/>
-                  </a:schemeClr>
-                </a:solidFill>
-                <a:cs typeface="Calibri"/>
-              </a:rPr>
-              <a:t>      Por ejemplo:</a:t>
-            </a:r>
-          </a:p>
-          <a:p>
-            <a:pPr marL="812800" marR="12700" lvl="1" indent="-342900" algn="just">
-              <a:buFont typeface="Arial" panose="020B0604020202020204" pitchFamily="34" charset="0"/>
-              <a:buChar char="•"/>
-            </a:pPr>
-            <a:r>
-              <a:rPr lang="es-MX" sz="2000" dirty="0" err="1">
-                <a:solidFill>
-                  <a:schemeClr val="tx1">
-                    <a:lumMod val="95000"/>
-                    <a:lumOff val="5000"/>
-                  </a:schemeClr>
-                </a:solidFill>
-                <a:cs typeface="Calibri"/>
-              </a:rPr>
-              <a:t>snake_case</a:t>
-            </a:r>
-            <a:r>
-              <a:rPr lang="es-MX" sz="2000" dirty="0">
-                <a:solidFill>
-                  <a:schemeClr val="tx1">
-                    <a:lumMod val="95000"/>
-                    <a:lumOff val="5000"/>
-                  </a:schemeClr>
-                </a:solidFill>
-                <a:cs typeface="Calibri"/>
-              </a:rPr>
-              <a:t> </a:t>
-            </a:r>
-          </a:p>
-          <a:p>
-            <a:pPr marL="812800" marR="12700" lvl="1" indent="-342900" algn="just">
-              <a:buFont typeface="Arial" panose="020B0604020202020204" pitchFamily="34" charset="0"/>
-              <a:buChar char="•"/>
-            </a:pPr>
-            <a:r>
-              <a:rPr lang="es-MX" sz="2000" dirty="0">
-                <a:solidFill>
-                  <a:schemeClr val="tx1">
-                    <a:lumMod val="95000"/>
-                    <a:lumOff val="5000"/>
-                  </a:schemeClr>
-                </a:solidFill>
-                <a:cs typeface="Calibri"/>
-              </a:rPr>
-              <a:t>MACRO_CASE </a:t>
-            </a:r>
-          </a:p>
-          <a:p>
-            <a:pPr marL="812800" marR="12700" lvl="1" indent="-342900" algn="just">
-              <a:buFont typeface="Arial" panose="020B0604020202020204" pitchFamily="34" charset="0"/>
-              <a:buChar char="•"/>
-            </a:pPr>
-            <a:r>
-              <a:rPr lang="es-MX" sz="2000" dirty="0" err="1">
-                <a:solidFill>
-                  <a:schemeClr val="tx1">
-                    <a:lumMod val="95000"/>
-                    <a:lumOff val="5000"/>
-                  </a:schemeClr>
-                </a:solidFill>
-                <a:cs typeface="Calibri"/>
-              </a:rPr>
-              <a:t>camelCase</a:t>
-            </a:r>
-            <a:endParaRPr lang="es-MX" sz="2000" dirty="0">
-              <a:solidFill>
-                <a:schemeClr val="tx1">
-                  <a:lumMod val="95000"/>
-                  <a:lumOff val="5000"/>
-                </a:schemeClr>
-              </a:solidFill>
-              <a:cs typeface="Calibri"/>
-            </a:endParaRPr>
-          </a:p>
-        </p:txBody>
-      </p:sp>
-      <p:sp>
-        <p:nvSpPr>
-          <p:cNvPr id="20" name="object 20"/>
-          <p:cNvSpPr txBox="1">
-            <a:spLocks noGrp="1"/>
-          </p:cNvSpPr>
-          <p:nvPr>
-            <p:ph type="sldNum" sz="quarter" idx="7"/>
-          </p:nvPr>
-        </p:nvSpPr>
-        <p:spPr>
-          <a:xfrm>
-            <a:off x="79756" y="4869179"/>
-            <a:ext cx="206248" cy="203200"/>
-          </a:xfrm>
-          <a:prstGeom prst="rect">
-            <a:avLst/>
-          </a:prstGeom>
-        </p:spPr>
-        <p:txBody>
-          <a:bodyPr vert="horz" wrap="square" lIns="0" tIns="0" rIns="0" bIns="0" rtlCol="0">
-            <a:noAutofit/>
-          </a:bodyPr>
-          <a:lstStyle>
-            <a:defPPr>
-              <a:defRPr lang="es-MX"/>
-            </a:defPPr>
-            <a:lvl1pPr marL="0" algn="l" defTabSz="914400" rtl="0" eaLnBrk="1" latinLnBrk="0" hangingPunct="1">
-              <a:defRPr sz="1800" kern="1200">
-                <a:solidFill>
-                  <a:schemeClr val="tx1"/>
-                </a:solidFill>
-                <a:latin typeface="+mn-lt"/>
-                <a:ea typeface="+mn-ea"/>
-                <a:cs typeface="+mn-cs"/>
-              </a:defRPr>
-            </a:lvl1pPr>
-            <a:lvl2pPr marL="457200" algn="l" defTabSz="914400" rtl="0" eaLnBrk="1" latinLnBrk="0" hangingPunct="1">
-              <a:defRPr sz="1800" kern="1200">
-                <a:solidFill>
-                  <a:schemeClr val="tx1"/>
-                </a:solidFill>
-                <a:latin typeface="+mn-lt"/>
-                <a:ea typeface="+mn-ea"/>
-                <a:cs typeface="+mn-cs"/>
-              </a:defRPr>
-            </a:lvl2pPr>
-            <a:lvl3pPr marL="914400" algn="l" defTabSz="914400" rtl="0" eaLnBrk="1" latinLnBrk="0" hangingPunct="1">
-              <a:defRPr sz="1800" kern="1200">
-                <a:solidFill>
-                  <a:schemeClr val="tx1"/>
-                </a:solidFill>
-                <a:latin typeface="+mn-lt"/>
-                <a:ea typeface="+mn-ea"/>
-                <a:cs typeface="+mn-cs"/>
-              </a:defRPr>
-            </a:lvl3pPr>
-            <a:lvl4pPr marL="1371600" algn="l" defTabSz="914400" rtl="0" eaLnBrk="1" latinLnBrk="0" hangingPunct="1">
-              <a:defRPr sz="1800" kern="1200">
-                <a:solidFill>
-                  <a:schemeClr val="tx1"/>
-                </a:solidFill>
-                <a:latin typeface="+mn-lt"/>
-                <a:ea typeface="+mn-ea"/>
-                <a:cs typeface="+mn-cs"/>
-              </a:defRPr>
-            </a:lvl4pPr>
-            <a:lvl5pPr marL="1828800" algn="l" defTabSz="914400" rtl="0" eaLnBrk="1" latinLnBrk="0" hangingPunct="1">
-              <a:defRPr sz="1800" kern="1200">
-                <a:solidFill>
-                  <a:schemeClr val="tx1"/>
-                </a:solidFill>
-                <a:latin typeface="+mn-lt"/>
-                <a:ea typeface="+mn-ea"/>
-                <a:cs typeface="+mn-cs"/>
-              </a:defRPr>
-            </a:lvl5pPr>
-            <a:lvl6pPr marL="2286000" algn="l" defTabSz="914400" rtl="0" eaLnBrk="1" latinLnBrk="0" hangingPunct="1">
-              <a:defRPr sz="1800" kern="1200">
-                <a:solidFill>
-                  <a:schemeClr val="tx1"/>
-                </a:solidFill>
-                <a:latin typeface="+mn-lt"/>
-                <a:ea typeface="+mn-ea"/>
-                <a:cs typeface="+mn-cs"/>
-              </a:defRPr>
-            </a:lvl6pPr>
-            <a:lvl7pPr marL="2743200" algn="l" defTabSz="914400" rtl="0" eaLnBrk="1" latinLnBrk="0" hangingPunct="1">
-              <a:defRPr sz="1800" kern="1200">
-                <a:solidFill>
-                  <a:schemeClr val="tx1"/>
-                </a:solidFill>
-                <a:latin typeface="+mn-lt"/>
-                <a:ea typeface="+mn-ea"/>
-                <a:cs typeface="+mn-cs"/>
-              </a:defRPr>
-            </a:lvl7pPr>
-            <a:lvl8pPr marL="3200400" algn="l" defTabSz="914400" rtl="0" eaLnBrk="1" latinLnBrk="0" hangingPunct="1">
-              <a:defRPr sz="1800" kern="1200">
-                <a:solidFill>
-                  <a:schemeClr val="tx1"/>
-                </a:solidFill>
-                <a:latin typeface="+mn-lt"/>
-                <a:ea typeface="+mn-ea"/>
-                <a:cs typeface="+mn-cs"/>
-              </a:defRPr>
-            </a:lvl8pPr>
-            <a:lvl9pPr marL="3657600" algn="l" defTabSz="914400" rtl="0" eaLnBrk="1" latinLnBrk="0" hangingPunct="1">
-              <a:defRPr sz="1800" kern="1200">
-                <a:solidFill>
-                  <a:schemeClr val="tx1"/>
-                </a:solidFill>
-                <a:latin typeface="+mn-lt"/>
-                <a:ea typeface="+mn-ea"/>
-                <a:cs typeface="+mn-cs"/>
-              </a:defRPr>
-            </a:lvl9pPr>
-          </a:lstStyle>
-          <a:p>
-            <a:pPr marL="25400"/>
-            <a:fld id="{81D60167-4931-47E6-BA6A-407CBD079E47}" type="slidenum">
-              <a:rPr lang="es-MX" sz="1200" spc="-10" smtClean="0">
-                <a:solidFill>
-                  <a:srgbClr val="18BAD4"/>
-                </a:solidFill>
-                <a:latin typeface="Calibri"/>
-                <a:cs typeface="Calibri"/>
-              </a:rPr>
-              <a:pPr marL="25400"/>
-              <a:t>7</a:t>
-            </a:fld>
-            <a:endParaRPr sz="1200">
-              <a:latin typeface="Calibri"/>
-              <a:cs typeface="Calibri"/>
-            </a:endParaRPr>
-          </a:p>
-        </p:txBody>
-      </p:sp>
-      <p:sp>
-        <p:nvSpPr>
-          <p:cNvPr id="22" name="object 15">
-            <a:extLst>
-              <a:ext uri="{FF2B5EF4-FFF2-40B4-BE49-F238E27FC236}">
-                <a16:creationId xmlns:a16="http://schemas.microsoft.com/office/drawing/2014/main" id="{10B94919-D168-4B34-AC32-ABC0FD9656D1}"/>
-              </a:ext>
-            </a:extLst>
-          </p:cNvPr>
-          <p:cNvSpPr txBox="1"/>
-          <p:nvPr/>
-        </p:nvSpPr>
-        <p:spPr>
-          <a:xfrm>
-            <a:off x="286004" y="5877272"/>
-            <a:ext cx="7487108" cy="426341"/>
-          </a:xfrm>
-          <a:prstGeom prst="rect">
-            <a:avLst/>
-          </a:prstGeom>
-        </p:spPr>
-        <p:txBody>
-          <a:bodyPr vert="horz" wrap="square" lIns="0" tIns="0" rIns="0" bIns="0" rtlCol="0">
-            <a:noAutofit/>
-          </a:bodyPr>
-          <a:lstStyle/>
-          <a:p>
-            <a:pPr marL="355600" marR="12700" indent="-342900" algn="just">
-              <a:buFont typeface="Wingdings" panose="05000000000000000000" pitchFamily="2" charset="2"/>
-              <a:buChar char="v"/>
-            </a:pPr>
-            <a:r>
-              <a:rPr lang="es-MX" sz="2000" dirty="0">
-                <a:solidFill>
-                  <a:schemeClr val="tx1">
-                    <a:lumMod val="95000"/>
-                    <a:lumOff val="5000"/>
-                  </a:schemeClr>
-                </a:solidFill>
-                <a:cs typeface="Calibri"/>
-              </a:rPr>
-              <a:t>No pueden usarse como identificadores, las </a:t>
-            </a:r>
-            <a:r>
-              <a:rPr lang="es-MX" sz="2000" b="1" dirty="0">
-                <a:solidFill>
-                  <a:schemeClr val="accent6">
-                    <a:lumMod val="75000"/>
-                  </a:schemeClr>
-                </a:solidFill>
-                <a:cs typeface="Calibri"/>
-              </a:rPr>
-              <a:t>palabras reservadas</a:t>
-            </a:r>
-            <a:r>
-              <a:rPr lang="es-MX" sz="2000" dirty="0">
-                <a:solidFill>
-                  <a:schemeClr val="accent6">
-                    <a:lumMod val="75000"/>
-                  </a:schemeClr>
-                </a:solidFill>
-                <a:cs typeface="Calibri"/>
-              </a:rPr>
-              <a:t>. </a:t>
-            </a:r>
-          </a:p>
-        </p:txBody>
-      </p:sp>
-    </p:spTree>
-    <p:extLst>
-      <p:ext uri="{BB962C8B-B14F-4D97-AF65-F5344CB8AC3E}">
-        <p14:creationId xmlns:p14="http://schemas.microsoft.com/office/powerpoint/2010/main" val="3527467189"/>
-      </p:ext>
-    </p:extLst>
-  </p:cSld>
-  <p:clrMapOvr>
-    <a:masterClrMapping/>
-  </p:clrMapOvr>
-</p:sld>
-</file>
-
-<file path=ppt/slides/slide8.xml><?xml version="1.0" encoding="utf-8"?>
-<p:sld xmlns:a="http://schemas.openxmlformats.org/drawingml/2006/main" xmlns:r="http://schemas.openxmlformats.org/officeDocument/2006/relationships" xmlns:p="http://schemas.openxmlformats.org/presentationml/2006/main">
-  <p:cSld>
-    <p:spTree>
-      <p:nvGrpSpPr>
-        <p:cNvPr id="1" name=""/>
-        <p:cNvGrpSpPr/>
-        <p:nvPr/>
-      </p:nvGrpSpPr>
-      <p:grpSpPr>
-        <a:xfrm>
-          <a:off x="0" y="0"/>
-          <a:ext cx="0" cy="0"/>
-          <a:chOff x="0" y="0"/>
-          <a:chExt cx="0" cy="0"/>
-        </a:xfrm>
-      </p:grpSpPr>
-      <p:sp>
-        <p:nvSpPr>
-          <p:cNvPr id="14" name="object 14"/>
-          <p:cNvSpPr txBox="1"/>
-          <p:nvPr/>
-        </p:nvSpPr>
-        <p:spPr>
-          <a:xfrm>
             <a:off x="1056740" y="519532"/>
             <a:ext cx="7278522" cy="1115569"/>
           </a:xfrm>
@@ -24731,7 +22278,7 @@
 </p:sld>
 </file>
 
-<file path=ppt/slides/slide9.xml><?xml version="1.0" encoding="utf-8"?>
+<file path=ppt/slides/slide8.xml><?xml version="1.0" encoding="utf-8"?>
 <p:sld xmlns:a="http://schemas.openxmlformats.org/drawingml/2006/main" xmlns:r="http://schemas.openxmlformats.org/officeDocument/2006/relationships" xmlns:p="http://schemas.openxmlformats.org/presentationml/2006/main">
   <p:cSld>
     <p:spTree>
@@ -25336,6 +22883,209 @@
     <p:extLst>
       <p:ext uri="{BB962C8B-B14F-4D97-AF65-F5344CB8AC3E}">
         <p14:creationId xmlns:p14="http://schemas.microsoft.com/office/powerpoint/2010/main" val="3043581578"/>
+      </p:ext>
+    </p:extLst>
+  </p:cSld>
+  <p:clrMapOvr>
+    <a:masterClrMapping/>
+  </p:clrMapOvr>
+</p:sld>
+</file>
+
+<file path=ppt/slides/slide9.xml><?xml version="1.0" encoding="utf-8"?>
+<p:sld xmlns:a="http://schemas.openxmlformats.org/drawingml/2006/main" xmlns:r="http://schemas.openxmlformats.org/officeDocument/2006/relationships" xmlns:p="http://schemas.openxmlformats.org/presentationml/2006/main">
+  <p:cSld>
+    <p:spTree>
+      <p:nvGrpSpPr>
+        <p:cNvPr id="1" name=""/>
+        <p:cNvGrpSpPr/>
+        <p:nvPr/>
+      </p:nvGrpSpPr>
+      <p:grpSpPr>
+        <a:xfrm>
+          <a:off x="0" y="0"/>
+          <a:ext cx="0" cy="0"/>
+          <a:chOff x="0" y="0"/>
+          <a:chExt cx="0" cy="0"/>
+        </a:xfrm>
+      </p:grpSpPr>
+      <p:sp>
+        <p:nvSpPr>
+          <p:cNvPr id="14" name="object 14"/>
+          <p:cNvSpPr txBox="1"/>
+          <p:nvPr/>
+        </p:nvSpPr>
+        <p:spPr>
+          <a:xfrm>
+            <a:off x="2195736" y="404664"/>
+            <a:ext cx="4987672" cy="953135"/>
+          </a:xfrm>
+          <a:prstGeom prst="rect">
+            <a:avLst/>
+          </a:prstGeom>
+        </p:spPr>
+        <p:txBody>
+          <a:bodyPr vert="horz" wrap="square" lIns="0" tIns="0" rIns="0" bIns="0" rtlCol="0">
+            <a:noAutofit/>
+          </a:bodyPr>
+          <a:lstStyle/>
+          <a:p>
+            <a:pPr marL="12700" algn="ctr"/>
+            <a:r>
+              <a:rPr lang="es-MX" sz="6000" b="1" dirty="0">
+                <a:solidFill>
+                  <a:srgbClr val="002060"/>
+                </a:solidFill>
+                <a:latin typeface="Calibri"/>
+                <a:cs typeface="Calibri"/>
+              </a:rPr>
+              <a:t>Tipos de datos</a:t>
+            </a:r>
+            <a:endParaRPr sz="6000" b="1" dirty="0">
+              <a:solidFill>
+                <a:srgbClr val="002060"/>
+              </a:solidFill>
+              <a:latin typeface="Calibri"/>
+              <a:cs typeface="Calibri"/>
+            </a:endParaRPr>
+          </a:p>
+        </p:txBody>
+      </p:sp>
+      <p:sp>
+        <p:nvSpPr>
+          <p:cNvPr id="15" name="object 15"/>
+          <p:cNvSpPr txBox="1"/>
+          <p:nvPr/>
+        </p:nvSpPr>
+        <p:spPr>
+          <a:xfrm>
+            <a:off x="1359456" y="1548756"/>
+            <a:ext cx="6660231" cy="2320328"/>
+          </a:xfrm>
+          <a:prstGeom prst="rect">
+            <a:avLst/>
+          </a:prstGeom>
+        </p:spPr>
+        <p:txBody>
+          <a:bodyPr vert="horz" wrap="square" lIns="0" tIns="0" rIns="0" bIns="0" rtlCol="0">
+            <a:noAutofit/>
+          </a:bodyPr>
+          <a:lstStyle/>
+          <a:p>
+            <a:pPr marL="12700" marR="12700" algn="just">
+              <a:lnSpc>
+                <a:spcPct val="150000"/>
+              </a:lnSpc>
+            </a:pPr>
+            <a:r>
+              <a:rPr lang="es-MX" sz="2000" dirty="0">
+                <a:solidFill>
+                  <a:schemeClr val="tx1">
+                    <a:lumMod val="95000"/>
+                    <a:lumOff val="5000"/>
+                  </a:schemeClr>
+                </a:solidFill>
+                <a:cs typeface="Calibri"/>
+              </a:rPr>
+              <a:t>Son los valores que puede tomar una variable. Los tipos de datos son los siguientes:</a:t>
+            </a:r>
+          </a:p>
+          <a:p>
+            <a:pPr marL="355600" marR="12700" indent="-342900" algn="just">
+              <a:lnSpc>
+                <a:spcPct val="150000"/>
+              </a:lnSpc>
+              <a:buFont typeface="Arial" panose="020B0604020202020204" pitchFamily="34" charset="0"/>
+              <a:buChar char="•"/>
+            </a:pPr>
+            <a:r>
+              <a:rPr lang="es-MX" sz="2000" b="1" dirty="0">
+                <a:solidFill>
+                  <a:srgbClr val="0070C0"/>
+                </a:solidFill>
+                <a:cs typeface="Calibri"/>
+              </a:rPr>
+              <a:t>Numéricos</a:t>
+            </a:r>
+          </a:p>
+          <a:p>
+            <a:pPr marL="355600" marR="12700" indent="-342900" algn="just">
+              <a:lnSpc>
+                <a:spcPct val="150000"/>
+              </a:lnSpc>
+              <a:buFont typeface="Arial" panose="020B0604020202020204" pitchFamily="34" charset="0"/>
+              <a:buChar char="•"/>
+            </a:pPr>
+            <a:r>
+              <a:rPr lang="es-MX" sz="2000" b="1" dirty="0">
+                <a:solidFill>
+                  <a:srgbClr val="0070C0"/>
+                </a:solidFill>
+                <a:cs typeface="Calibri"/>
+              </a:rPr>
+              <a:t>Alfanuméricos</a:t>
+            </a:r>
+          </a:p>
+          <a:p>
+            <a:pPr marL="355600" marR="12700" indent="-342900" algn="just">
+              <a:lnSpc>
+                <a:spcPct val="150000"/>
+              </a:lnSpc>
+              <a:buFont typeface="Arial" panose="020B0604020202020204" pitchFamily="34" charset="0"/>
+              <a:buChar char="•"/>
+            </a:pPr>
+            <a:r>
+              <a:rPr lang="es-MX" sz="2000" b="1" dirty="0">
+                <a:solidFill>
+                  <a:srgbClr val="0070C0"/>
+                </a:solidFill>
+                <a:cs typeface="Calibri"/>
+              </a:rPr>
+              <a:t>Lógicos</a:t>
+            </a:r>
+          </a:p>
+        </p:txBody>
+      </p:sp>
+      <p:pic>
+        <p:nvPicPr>
+          <p:cNvPr id="22" name="Imagen 21" descr="Imagen que contiene edificio&#10;&#10;Descripción generada automáticamente">
+            <a:extLst>
+              <a:ext uri="{FF2B5EF4-FFF2-40B4-BE49-F238E27FC236}">
+                <a16:creationId xmlns:a16="http://schemas.microsoft.com/office/drawing/2014/main" id="{4D077EF4-3A52-4D71-A97D-66A99B569A3F}"/>
+              </a:ext>
+            </a:extLst>
+          </p:cNvPr>
+          <p:cNvPicPr>
+            <a:picLocks noChangeAspect="1"/>
+          </p:cNvPicPr>
+          <p:nvPr/>
+        </p:nvPicPr>
+        <p:blipFill>
+          <a:blip r:embed="rId2">
+            <a:extLst>
+              <a:ext uri="{28A0092B-C50C-407E-A947-70E740481C1C}">
+                <a14:useLocalDpi xmlns:a14="http://schemas.microsoft.com/office/drawing/2010/main" val="0"/>
+              </a:ext>
+            </a:extLst>
+          </a:blip>
+          <a:stretch>
+            <a:fillRect/>
+          </a:stretch>
+        </p:blipFill>
+        <p:spPr>
+          <a:xfrm>
+            <a:off x="1241884" y="4060041"/>
+            <a:ext cx="6660232" cy="2074187"/>
+          </a:xfrm>
+          <a:prstGeom prst="rect">
+            <a:avLst/>
+          </a:prstGeom>
+        </p:spPr>
+      </p:pic>
+    </p:spTree>
+    <p:extLst>
+      <p:ext uri="{BB962C8B-B14F-4D97-AF65-F5344CB8AC3E}">
+        <p14:creationId xmlns:p14="http://schemas.microsoft.com/office/powerpoint/2010/main" val="3909453550"/>
       </p:ext>
     </p:extLst>
   </p:cSld>
